--- a/Week06/Week06.pptx
+++ b/Week06/Week06.pptx
@@ -5,18 +5,22 @@
     <p:sldMasterId id="2147483648" r:id="rId1"/>
   </p:sldMasterIdLst>
   <p:notesMasterIdLst>
-    <p:notesMasterId r:id="rId11"/>
+    <p:notesMasterId r:id="rId15"/>
   </p:notesMasterIdLst>
   <p:sldIdLst>
     <p:sldId id="256" r:id="rId2"/>
     <p:sldId id="284" r:id="rId3"/>
     <p:sldId id="290" r:id="rId4"/>
-    <p:sldId id="302" r:id="rId5"/>
-    <p:sldId id="304" r:id="rId6"/>
-    <p:sldId id="307" r:id="rId7"/>
-    <p:sldId id="309" r:id="rId8"/>
-    <p:sldId id="310" r:id="rId9"/>
-    <p:sldId id="303" r:id="rId10"/>
+    <p:sldId id="258" r:id="rId5"/>
+    <p:sldId id="260" r:id="rId6"/>
+    <p:sldId id="262" r:id="rId7"/>
+    <p:sldId id="264" r:id="rId8"/>
+    <p:sldId id="266" r:id="rId9"/>
+    <p:sldId id="270" r:id="rId10"/>
+    <p:sldId id="298" r:id="rId11"/>
+    <p:sldId id="309" r:id="rId12"/>
+    <p:sldId id="310" r:id="rId13"/>
+    <p:sldId id="302" r:id="rId14"/>
   </p:sldIdLst>
   <p:sldSz cx="9144000" cy="6858000" type="screen4x3"/>
   <p:notesSz cx="6858000" cy="9144000"/>
@@ -8095,89 +8099,6 @@
 </p:notes>
 </file>
 
-<file path=ppt/notesSlides/notesSlide3.xml><?xml version="1.0" encoding="utf-8"?>
-<p:notes xmlns:a="http://schemas.openxmlformats.org/drawingml/2006/main" xmlns:r="http://schemas.openxmlformats.org/officeDocument/2006/relationships" xmlns:p="http://schemas.openxmlformats.org/presentationml/2006/main">
-  <p:cSld>
-    <p:spTree>
-      <p:nvGrpSpPr>
-        <p:cNvPr id="1" name=""/>
-        <p:cNvGrpSpPr/>
-        <p:nvPr/>
-      </p:nvGrpSpPr>
-      <p:grpSpPr>
-        <a:xfrm>
-          <a:off x="0" y="0"/>
-          <a:ext cx="0" cy="0"/>
-          <a:chOff x="0" y="0"/>
-          <a:chExt cx="0" cy="0"/>
-        </a:xfrm>
-      </p:grpSpPr>
-      <p:sp>
-        <p:nvSpPr>
-          <p:cNvPr id="2" name="Slide Image Placeholder 1"/>
-          <p:cNvSpPr>
-            <a:spLocks noGrp="1" noRot="1" noChangeAspect="1"/>
-          </p:cNvSpPr>
-          <p:nvPr>
-            <p:ph type="sldImg"/>
-          </p:nvPr>
-        </p:nvSpPr>
-        <p:spPr>
-          <a:xfrm>
-            <a:off x="1371600" y="1143000"/>
-            <a:ext cx="4114800" cy="3086100"/>
-          </a:xfrm>
-          <a:prstGeom prst="rect">
-            <a:avLst/>
-          </a:prstGeom>
-          <a:noFill/>
-          <a:ln w="12700">
-            <a:solidFill>
-              <a:prstClr val="black"/>
-            </a:solidFill>
-          </a:ln>
-        </p:spPr>
-      </p:sp>
-      <p:sp>
-        <p:nvSpPr>
-          <p:cNvPr id="3" name="Notes Placeholder 2"/>
-          <p:cNvSpPr>
-            <a:spLocks noGrp="1"/>
-          </p:cNvSpPr>
-          <p:nvPr>
-            <p:ph type="body" idx="1"/>
-          </p:nvPr>
-        </p:nvSpPr>
-        <p:spPr>
-          <a:xfrm>
-            <a:off x="685800" y="4400550"/>
-            <a:ext cx="5486400" cy="3600450"/>
-          </a:xfrm>
-          <a:prstGeom prst="rect">
-            <a:avLst/>
-          </a:prstGeom>
-        </p:spPr>
-        <p:txBody>
-          <a:bodyPr/>
-          <a:lstStyle/>
-          <a:p>
-            <a:endParaRPr lang="en-US" dirty="0"/>
-          </a:p>
-        </p:txBody>
-      </p:sp>
-    </p:spTree>
-    <p:extLst>
-      <p:ext uri="{BB962C8B-B14F-4D97-AF65-F5344CB8AC3E}">
-        <p14:creationId xmlns:p14="http://schemas.microsoft.com/office/powerpoint/2010/main" val="3242587335"/>
-      </p:ext>
-    </p:extLst>
-  </p:cSld>
-  <p:clrMapOvr>
-    <a:masterClrMapping/>
-  </p:clrMapOvr>
-</p:notes>
-</file>
-
 <file path=ppt/slideLayouts/slideLayout1.xml><?xml version="1.0" encoding="utf-8"?>
 <p:sldLayout xmlns:a="http://schemas.openxmlformats.org/drawingml/2006/main" xmlns:r="http://schemas.openxmlformats.org/officeDocument/2006/relationships" xmlns:p="http://schemas.openxmlformats.org/presentationml/2006/main" type="title" preserve="1">
   <p:cSld name="Title Slide">
@@ -11436,6 +11357,1542 @@
         </p:txBody>
       </p:sp>
     </p:spTree>
+  </p:cSld>
+  <p:clrMapOvr>
+    <a:masterClrMapping/>
+  </p:clrMapOvr>
+</p:sld>
+</file>
+
+<file path=ppt/slides/slide10.xml><?xml version="1.0" encoding="utf-8"?>
+<p:sld xmlns:a="http://schemas.openxmlformats.org/drawingml/2006/main" xmlns:r="http://schemas.openxmlformats.org/officeDocument/2006/relationships" xmlns:p="http://schemas.openxmlformats.org/presentationml/2006/main">
+  <p:cSld>
+    <p:bg>
+      <p:bgPr>
+        <a:solidFill>
+          <a:schemeClr val="bg1"/>
+        </a:solidFill>
+        <a:effectLst/>
+      </p:bgPr>
+    </p:bg>
+    <p:spTree>
+      <p:nvGrpSpPr>
+        <p:cNvPr id="1" name=""/>
+        <p:cNvGrpSpPr/>
+        <p:nvPr/>
+      </p:nvGrpSpPr>
+      <p:grpSpPr>
+        <a:xfrm>
+          <a:off x="0" y="0"/>
+          <a:ext cx="0" cy="0"/>
+          <a:chOff x="0" y="0"/>
+          <a:chExt cx="0" cy="0"/>
+        </a:xfrm>
+      </p:grpSpPr>
+      <p:sp>
+        <p:nvSpPr>
+          <p:cNvPr id="8" name="Rectangle 7">
+            <a:extLst>
+              <a:ext uri="{FF2B5EF4-FFF2-40B4-BE49-F238E27FC236}">
+                <a16:creationId xmlns:a16="http://schemas.microsoft.com/office/drawing/2014/main" id="{E8A8EAB8-D2FF-444D-B34B-7D32F106AD0E}"/>
+              </a:ext>
+              <a:ext uri="{C183D7F6-B498-43B3-948B-1728B52AA6E4}">
+                <adec:decorative xmlns:adec="http://schemas.microsoft.com/office/drawing/2017/decorative" val="1"/>
+              </a:ext>
+            </a:extLst>
+          </p:cNvPr>
+          <p:cNvSpPr>
+            <a:spLocks noGrp="1" noRot="1" noChangeAspect="1" noMove="1" noResize="1" noEditPoints="1" noAdjustHandles="1" noChangeArrowheads="1" noChangeShapeType="1" noTextEdit="1"/>
+          </p:cNvSpPr>
+          <p:nvPr>
+            <p:extLst>
+              <p:ext uri="{386F3935-93C4-4BCD-93E2-E3B085C9AB24}">
+                <p16:designElem xmlns:p16="http://schemas.microsoft.com/office/powerpoint/2015/main" val="1"/>
+              </p:ext>
+            </p:extLst>
+          </p:nvPr>
+        </p:nvSpPr>
+        <p:spPr>
+          <a:xfrm>
+            <a:off x="0" y="0"/>
+            <a:ext cx="9144000" cy="6858000"/>
+          </a:xfrm>
+          <a:prstGeom prst="rect">
+            <a:avLst/>
+          </a:prstGeom>
+          <a:solidFill>
+            <a:schemeClr val="tx1">
+              <a:lumMod val="95000"/>
+              <a:lumOff val="5000"/>
+            </a:schemeClr>
+          </a:solidFill>
+          <a:ln>
+            <a:noFill/>
+          </a:ln>
+        </p:spPr>
+        <p:style>
+          <a:lnRef idx="2">
+            <a:schemeClr val="accent1">
+              <a:shade val="50000"/>
+            </a:schemeClr>
+          </a:lnRef>
+          <a:fillRef idx="1">
+            <a:schemeClr val="accent1"/>
+          </a:fillRef>
+          <a:effectRef idx="0">
+            <a:schemeClr val="accent1"/>
+          </a:effectRef>
+          <a:fontRef idx="minor">
+            <a:schemeClr val="lt1"/>
+          </a:fontRef>
+        </p:style>
+        <p:txBody>
+          <a:bodyPr rtlCol="0" anchor="ctr"/>
+          <a:lstStyle/>
+          <a:p>
+            <a:pPr algn="ctr"/>
+            <a:endParaRPr lang="en-US" dirty="0">
+              <a:solidFill>
+                <a:schemeClr val="bg1"/>
+              </a:solidFill>
+            </a:endParaRPr>
+          </a:p>
+        </p:txBody>
+      </p:sp>
+      <p:sp>
+        <p:nvSpPr>
+          <p:cNvPr id="2" name="Title 1"/>
+          <p:cNvSpPr>
+            <a:spLocks noGrp="1"/>
+          </p:cNvSpPr>
+          <p:nvPr>
+            <p:ph type="title"/>
+          </p:nvPr>
+        </p:nvSpPr>
+        <p:spPr>
+          <a:xfrm>
+            <a:off x="760605" y="1450655"/>
+            <a:ext cx="2949023" cy="3956690"/>
+          </a:xfrm>
+        </p:spPr>
+        <p:txBody>
+          <a:bodyPr anchor="ctr">
+            <a:normAutofit/>
+          </a:bodyPr>
+          <a:lstStyle/>
+          <a:p>
+            <a:pPr>
+              <a:lnSpc>
+                <a:spcPct val="90000"/>
+              </a:lnSpc>
+            </a:pPr>
+            <a:r>
+              <a:rPr lang="en-US" sz="6500">
+                <a:solidFill>
+                  <a:schemeClr val="bg1"/>
+                </a:solidFill>
+              </a:rPr>
+              <a:t>What You Learned</a:t>
+            </a:r>
+          </a:p>
+        </p:txBody>
+      </p:sp>
+      <p:cxnSp>
+        <p:nvCxnSpPr>
+          <p:cNvPr id="10" name="Straight Connector 9">
+            <a:extLst>
+              <a:ext uri="{FF2B5EF4-FFF2-40B4-BE49-F238E27FC236}">
+                <a16:creationId xmlns:a16="http://schemas.microsoft.com/office/drawing/2014/main" id="{067633D1-6EE6-4118-B9F0-B363477BEE7A}"/>
+              </a:ext>
+              <a:ext uri="{C183D7F6-B498-43B3-948B-1728B52AA6E4}">
+                <adec:decorative xmlns:adec="http://schemas.microsoft.com/office/drawing/2017/decorative" val="1"/>
+              </a:ext>
+            </a:extLst>
+          </p:cNvPr>
+          <p:cNvCxnSpPr>
+            <a:cxnSpLocks noGrp="1" noRot="1" noChangeAspect="1" noMove="1" noResize="1" noEditPoints="1" noAdjustHandles="1" noChangeArrowheads="1" noChangeShapeType="1"/>
+          </p:cNvCxnSpPr>
+          <p:nvPr>
+            <p:extLst>
+              <p:ext uri="{386F3935-93C4-4BCD-93E2-E3B085C9AB24}">
+                <p16:designElem xmlns:p16="http://schemas.microsoft.com/office/powerpoint/2015/main" val="1"/>
+              </p:ext>
+            </p:extLst>
+          </p:nvPr>
+        </p:nvCxnSpPr>
+        <p:spPr>
+          <a:xfrm flipH="1">
+            <a:off x="760605" y="1450655"/>
+            <a:ext cx="2949023" cy="0"/>
+          </a:xfrm>
+          <a:prstGeom prst="line">
+            <a:avLst/>
+          </a:prstGeom>
+          <a:ln w="12700">
+            <a:solidFill>
+              <a:schemeClr val="accent2"/>
+            </a:solidFill>
+          </a:ln>
+        </p:spPr>
+        <p:style>
+          <a:lnRef idx="1">
+            <a:schemeClr val="accent1"/>
+          </a:lnRef>
+          <a:fillRef idx="0">
+            <a:schemeClr val="accent1"/>
+          </a:fillRef>
+          <a:effectRef idx="0">
+            <a:schemeClr val="accent1"/>
+          </a:effectRef>
+          <a:fontRef idx="minor">
+            <a:schemeClr val="tx1"/>
+          </a:fontRef>
+        </p:style>
+      </p:cxnSp>
+      <p:cxnSp>
+        <p:nvCxnSpPr>
+          <p:cNvPr id="12" name="Straight Connector 11">
+            <a:extLst>
+              <a:ext uri="{FF2B5EF4-FFF2-40B4-BE49-F238E27FC236}">
+                <a16:creationId xmlns:a16="http://schemas.microsoft.com/office/drawing/2014/main" id="{4AD7FFC6-42A9-49CB-B5E9-B3F6B038331B}"/>
+              </a:ext>
+              <a:ext uri="{C183D7F6-B498-43B3-948B-1728B52AA6E4}">
+                <adec:decorative xmlns:adec="http://schemas.microsoft.com/office/drawing/2017/decorative" val="1"/>
+              </a:ext>
+            </a:extLst>
+          </p:cNvPr>
+          <p:cNvCxnSpPr>
+            <a:cxnSpLocks noGrp="1" noRot="1" noChangeAspect="1" noMove="1" noResize="1" noEditPoints="1" noAdjustHandles="1" noChangeArrowheads="1" noChangeShapeType="1"/>
+          </p:cNvCxnSpPr>
+          <p:nvPr>
+            <p:extLst>
+              <p:ext uri="{386F3935-93C4-4BCD-93E2-E3B085C9AB24}">
+                <p16:designElem xmlns:p16="http://schemas.microsoft.com/office/powerpoint/2015/main" val="1"/>
+              </p:ext>
+            </p:extLst>
+          </p:nvPr>
+        </p:nvCxnSpPr>
+        <p:spPr>
+          <a:xfrm flipH="1">
+            <a:off x="760605" y="5408571"/>
+            <a:ext cx="2949023" cy="0"/>
+          </a:xfrm>
+          <a:prstGeom prst="line">
+            <a:avLst/>
+          </a:prstGeom>
+          <a:ln w="12700">
+            <a:solidFill>
+              <a:schemeClr val="accent2"/>
+            </a:solidFill>
+          </a:ln>
+        </p:spPr>
+        <p:style>
+          <a:lnRef idx="1">
+            <a:schemeClr val="accent1"/>
+          </a:lnRef>
+          <a:fillRef idx="0">
+            <a:schemeClr val="accent1"/>
+          </a:fillRef>
+          <a:effectRef idx="0">
+            <a:schemeClr val="accent1"/>
+          </a:effectRef>
+          <a:fontRef idx="minor">
+            <a:schemeClr val="tx1"/>
+          </a:fontRef>
+        </p:style>
+      </p:cxnSp>
+      <p:sp>
+        <p:nvSpPr>
+          <p:cNvPr id="3" name="Content Placeholder 2"/>
+          <p:cNvSpPr>
+            <a:spLocks noGrp="1"/>
+          </p:cNvSpPr>
+          <p:nvPr>
+            <p:ph idx="1"/>
+          </p:nvPr>
+        </p:nvSpPr>
+        <p:spPr>
+          <a:xfrm>
+            <a:off x="4572000" y="1108061"/>
+            <a:ext cx="3756675" cy="4571972"/>
+          </a:xfrm>
+        </p:spPr>
+        <p:txBody>
+          <a:bodyPr anchor="ctr">
+            <a:normAutofit/>
+          </a:bodyPr>
+          <a:lstStyle/>
+          <a:p>
+            <a:pPr marL="0" indent="0">
+              <a:buNone/>
+            </a:pPr>
+            <a:r>
+              <a:rPr lang="en-US" sz="1700">
+                <a:solidFill>
+                  <a:schemeClr val="bg1"/>
+                </a:solidFill>
+              </a:rPr>
+              <a:t>✅ </a:t>
+            </a:r>
+            <a:r>
+              <a:rPr lang="en-US" sz="1700" b="1">
+                <a:solidFill>
+                  <a:schemeClr val="bg1"/>
+                </a:solidFill>
+              </a:rPr>
+              <a:t>Vector embeddings</a:t>
+            </a:r>
+            <a:r>
+              <a:rPr lang="en-US" sz="1700">
+                <a:solidFill>
+                  <a:schemeClr val="bg1"/>
+                </a:solidFill>
+              </a:rPr>
+              <a:t> - Convert text to semantic representations </a:t>
+            </a:r>
+          </a:p>
+          <a:p>
+            <a:pPr marL="0" indent="0">
+              <a:buNone/>
+            </a:pPr>
+            <a:r>
+              <a:rPr lang="en-US" sz="1700">
+                <a:solidFill>
+                  <a:schemeClr val="bg1"/>
+                </a:solidFill>
+              </a:rPr>
+              <a:t>✅ </a:t>
+            </a:r>
+            <a:r>
+              <a:rPr lang="en-US" sz="1700" b="1">
+                <a:solidFill>
+                  <a:schemeClr val="bg1"/>
+                </a:solidFill>
+              </a:rPr>
+              <a:t>Similarity search</a:t>
+            </a:r>
+            <a:r>
+              <a:rPr lang="en-US" sz="1700">
+                <a:solidFill>
+                  <a:schemeClr val="bg1"/>
+                </a:solidFill>
+              </a:rPr>
+              <a:t> - Find relevant documents using cosine distance </a:t>
+            </a:r>
+          </a:p>
+          <a:p>
+            <a:pPr marL="0" indent="0">
+              <a:buNone/>
+            </a:pPr>
+            <a:r>
+              <a:rPr lang="en-US" sz="1700">
+                <a:solidFill>
+                  <a:schemeClr val="bg1"/>
+                </a:solidFill>
+              </a:rPr>
+              <a:t>✅ </a:t>
+            </a:r>
+            <a:r>
+              <a:rPr lang="en-US" sz="1700" b="1">
+                <a:solidFill>
+                  <a:schemeClr val="bg1"/>
+                </a:solidFill>
+              </a:rPr>
+              <a:t>RAG pipeline</a:t>
+            </a:r>
+            <a:r>
+              <a:rPr lang="en-US" sz="1700">
+                <a:solidFill>
+                  <a:schemeClr val="bg1"/>
+                </a:solidFill>
+              </a:rPr>
+              <a:t> - Combine retrieval with generation for grounded answers </a:t>
+            </a:r>
+          </a:p>
+          <a:p>
+            <a:pPr marL="0" indent="0">
+              <a:buNone/>
+            </a:pPr>
+            <a:r>
+              <a:rPr lang="en-US" sz="1700">
+                <a:solidFill>
+                  <a:schemeClr val="bg1"/>
+                </a:solidFill>
+              </a:rPr>
+              <a:t>✅ </a:t>
+            </a:r>
+            <a:r>
+              <a:rPr lang="en-US" sz="1700" b="1">
+                <a:solidFill>
+                  <a:schemeClr val="bg1"/>
+                </a:solidFill>
+              </a:rPr>
+              <a:t>Train/test methodology</a:t>
+            </a:r>
+            <a:r>
+              <a:rPr lang="en-US" sz="1700">
+                <a:solidFill>
+                  <a:schemeClr val="bg1"/>
+                </a:solidFill>
+              </a:rPr>
+              <a:t> - Proper ML evaluation practices </a:t>
+            </a:r>
+          </a:p>
+          <a:p>
+            <a:pPr marL="0" indent="0">
+              <a:buNone/>
+            </a:pPr>
+            <a:r>
+              <a:rPr lang="en-US" sz="1700">
+                <a:solidFill>
+                  <a:schemeClr val="bg1"/>
+                </a:solidFill>
+              </a:rPr>
+              <a:t>✅ </a:t>
+            </a:r>
+            <a:r>
+              <a:rPr lang="en-US" sz="1700" b="1">
+                <a:solidFill>
+                  <a:schemeClr val="bg1"/>
+                </a:solidFill>
+              </a:rPr>
+              <a:t>LLM evaluation</a:t>
+            </a:r>
+            <a:r>
+              <a:rPr lang="en-US" sz="1700">
+                <a:solidFill>
+                  <a:schemeClr val="bg1"/>
+                </a:solidFill>
+              </a:rPr>
+              <a:t> - Use AI to judge AI outputs systematically </a:t>
+            </a:r>
+          </a:p>
+          <a:p>
+            <a:pPr marL="0" indent="0">
+              <a:buNone/>
+            </a:pPr>
+            <a:r>
+              <a:rPr lang="en-US" sz="1700">
+                <a:solidFill>
+                  <a:schemeClr val="bg1"/>
+                </a:solidFill>
+              </a:rPr>
+              <a:t>✅ </a:t>
+            </a:r>
+            <a:r>
+              <a:rPr lang="en-US" sz="1700" b="1">
+                <a:solidFill>
+                  <a:schemeClr val="bg1"/>
+                </a:solidFill>
+              </a:rPr>
+              <a:t>Batch processing</a:t>
+            </a:r>
+            <a:r>
+              <a:rPr lang="en-US" sz="1700">
+                <a:solidFill>
+                  <a:schemeClr val="bg1"/>
+                </a:solidFill>
+              </a:rPr>
+              <a:t> - Scale evaluation across multiple examples</a:t>
+            </a:r>
+          </a:p>
+        </p:txBody>
+      </p:sp>
+    </p:spTree>
+  </p:cSld>
+  <p:clrMapOvr>
+    <a:masterClrMapping/>
+  </p:clrMapOvr>
+</p:sld>
+</file>
+
+<file path=ppt/slides/slide11.xml><?xml version="1.0" encoding="utf-8"?>
+<p:sld xmlns:a="http://schemas.openxmlformats.org/drawingml/2006/main" xmlns:r="http://schemas.openxmlformats.org/officeDocument/2006/relationships" xmlns:p="http://schemas.openxmlformats.org/presentationml/2006/main">
+  <p:cSld>
+    <p:bg>
+      <p:bgPr>
+        <a:solidFill>
+          <a:schemeClr val="bg1"/>
+        </a:solidFill>
+        <a:effectLst/>
+      </p:bgPr>
+    </p:bg>
+    <p:spTree>
+      <p:nvGrpSpPr>
+        <p:cNvPr id="1" name=""/>
+        <p:cNvGrpSpPr/>
+        <p:nvPr/>
+      </p:nvGrpSpPr>
+      <p:grpSpPr>
+        <a:xfrm>
+          <a:off x="0" y="0"/>
+          <a:ext cx="0" cy="0"/>
+          <a:chOff x="0" y="0"/>
+          <a:chExt cx="0" cy="0"/>
+        </a:xfrm>
+      </p:grpSpPr>
+      <p:sp useBgFill="1">
+        <p:nvSpPr>
+          <p:cNvPr id="10" name="Slide Background">
+            <a:extLst>
+              <a:ext uri="{FF2B5EF4-FFF2-40B4-BE49-F238E27FC236}">
+                <a16:creationId xmlns:a16="http://schemas.microsoft.com/office/drawing/2014/main" id="{3ECBE1F1-D69B-4AFA-ABD5-8E41720EF6DE}"/>
+              </a:ext>
+              <a:ext uri="{C183D7F6-B498-43B3-948B-1728B52AA6E4}">
+                <adec:decorative xmlns:adec="http://schemas.microsoft.com/office/drawing/2017/decorative" val="1"/>
+              </a:ext>
+            </a:extLst>
+          </p:cNvPr>
+          <p:cNvSpPr>
+            <a:spLocks noGrp="1" noRot="1" noChangeAspect="1" noMove="1" noResize="1" noEditPoints="1" noAdjustHandles="1" noChangeArrowheads="1" noChangeShapeType="1" noTextEdit="1"/>
+          </p:cNvSpPr>
+          <p:nvPr>
+            <p:extLst>
+              <p:ext uri="{386F3935-93C4-4BCD-93E2-E3B085C9AB24}">
+                <p16:designElem xmlns:p16="http://schemas.microsoft.com/office/powerpoint/2015/main" val="1"/>
+              </p:ext>
+            </p:extLst>
+          </p:nvPr>
+        </p:nvSpPr>
+        <p:spPr>
+          <a:xfrm>
+            <a:off x="0" y="0"/>
+            <a:ext cx="9144000" cy="6858000"/>
+          </a:xfrm>
+          <a:prstGeom prst="rect">
+            <a:avLst/>
+          </a:prstGeom>
+          <a:ln>
+            <a:noFill/>
+          </a:ln>
+        </p:spPr>
+        <p:style>
+          <a:lnRef idx="2">
+            <a:schemeClr val="accent1">
+              <a:shade val="50000"/>
+            </a:schemeClr>
+          </a:lnRef>
+          <a:fillRef idx="1">
+            <a:schemeClr val="accent1"/>
+          </a:fillRef>
+          <a:effectRef idx="0">
+            <a:schemeClr val="accent1"/>
+          </a:effectRef>
+          <a:fontRef idx="minor">
+            <a:schemeClr val="lt1"/>
+          </a:fontRef>
+        </p:style>
+        <p:txBody>
+          <a:bodyPr rtlCol="0" anchor="ctr"/>
+          <a:lstStyle/>
+          <a:p>
+            <a:pPr algn="ctr"/>
+            <a:endParaRPr lang="en-US"/>
+          </a:p>
+        </p:txBody>
+      </p:sp>
+      <p:pic>
+        <p:nvPicPr>
+          <p:cNvPr id="6" name="Picture 5" descr="Piles of paperwork">
+            <a:extLst>
+              <a:ext uri="{FF2B5EF4-FFF2-40B4-BE49-F238E27FC236}">
+                <a16:creationId xmlns:a16="http://schemas.microsoft.com/office/drawing/2014/main" id="{91EB790C-4A3B-5F5A-A249-D22E70CE9636}"/>
+              </a:ext>
+            </a:extLst>
+          </p:cNvPr>
+          <p:cNvPicPr>
+            <a:picLocks noChangeAspect="1"/>
+          </p:cNvPicPr>
+          <p:nvPr/>
+        </p:nvPicPr>
+        <p:blipFill>
+          <a:blip r:embed="rId2"/>
+          <a:srcRect l="30361" r="25264"/>
+          <a:stretch>
+            <a:fillRect/>
+          </a:stretch>
+        </p:blipFill>
+        <p:spPr>
+          <a:xfrm>
+            <a:off x="20" y="-2"/>
+            <a:ext cx="4057627" cy="6858002"/>
+          </a:xfrm>
+          <a:prstGeom prst="rect">
+            <a:avLst/>
+          </a:prstGeom>
+        </p:spPr>
+      </p:pic>
+      <p:sp useBgFill="1">
+        <p:nvSpPr>
+          <p:cNvPr id="12" name="Rectangle 11">
+            <a:extLst>
+              <a:ext uri="{FF2B5EF4-FFF2-40B4-BE49-F238E27FC236}">
+                <a16:creationId xmlns:a16="http://schemas.microsoft.com/office/drawing/2014/main" id="{603A6265-E10C-4B85-9C20-E75FCAF9CC63}"/>
+              </a:ext>
+              <a:ext uri="{C183D7F6-B498-43B3-948B-1728B52AA6E4}">
+                <adec:decorative xmlns:adec="http://schemas.microsoft.com/office/drawing/2017/decorative" val="1"/>
+              </a:ext>
+            </a:extLst>
+          </p:cNvPr>
+          <p:cNvSpPr>
+            <a:spLocks noGrp="1" noRot="1" noChangeAspect="1" noMove="1" noResize="1" noEditPoints="1" noAdjustHandles="1" noChangeArrowheads="1" noChangeShapeType="1" noTextEdit="1"/>
+          </p:cNvSpPr>
+          <p:nvPr>
+            <p:extLst>
+              <p:ext uri="{386F3935-93C4-4BCD-93E2-E3B085C9AB24}">
+                <p16:designElem xmlns:p16="http://schemas.microsoft.com/office/powerpoint/2015/main" val="1"/>
+              </p:ext>
+            </p:extLst>
+          </p:nvPr>
+        </p:nvSpPr>
+        <p:spPr>
+          <a:xfrm>
+            <a:off x="4057647" y="-1"/>
+            <a:ext cx="5086352" cy="2286000"/>
+          </a:xfrm>
+          <a:prstGeom prst="rect">
+            <a:avLst/>
+          </a:prstGeom>
+          <a:ln>
+            <a:noFill/>
+          </a:ln>
+          <a:effectLst>
+            <a:outerShdw blurRad="355600" dist="152400" sx="95000" sy="95000" algn="t" rotWithShape="0">
+              <a:srgbClr val="000000">
+                <a:alpha val="29000"/>
+              </a:srgbClr>
+            </a:outerShdw>
+          </a:effectLst>
+        </p:spPr>
+        <p:style>
+          <a:lnRef idx="2">
+            <a:schemeClr val="accent1">
+              <a:shade val="50000"/>
+            </a:schemeClr>
+          </a:lnRef>
+          <a:fillRef idx="1">
+            <a:schemeClr val="accent1"/>
+          </a:fillRef>
+          <a:effectRef idx="0">
+            <a:schemeClr val="accent1"/>
+          </a:effectRef>
+          <a:fontRef idx="minor">
+            <a:schemeClr val="lt1"/>
+          </a:fontRef>
+        </p:style>
+        <p:txBody>
+          <a:bodyPr rtlCol="0" anchor="ctr"/>
+          <a:lstStyle/>
+          <a:p>
+            <a:pPr algn="ctr"/>
+            <a:endParaRPr lang="en-US"/>
+          </a:p>
+        </p:txBody>
+      </p:sp>
+      <p:sp>
+        <p:nvSpPr>
+          <p:cNvPr id="2" name="Title 1">
+            <a:extLst>
+              <a:ext uri="{FF2B5EF4-FFF2-40B4-BE49-F238E27FC236}">
+                <a16:creationId xmlns:a16="http://schemas.microsoft.com/office/drawing/2014/main" id="{5E32B47B-686B-2581-CADE-465A23D8BCA9}"/>
+              </a:ext>
+            </a:extLst>
+          </p:cNvPr>
+          <p:cNvSpPr>
+            <a:spLocks noGrp="1"/>
+          </p:cNvSpPr>
+          <p:nvPr>
+            <p:ph type="title"/>
+          </p:nvPr>
+        </p:nvSpPr>
+        <p:spPr>
+          <a:xfrm>
+            <a:off x="4586487" y="405685"/>
+            <a:ext cx="4098726" cy="1559301"/>
+          </a:xfrm>
+        </p:spPr>
+        <p:txBody>
+          <a:bodyPr vert="horz" lIns="91440" tIns="45720" rIns="91440" bIns="45720" rtlCol="0" anchor="ctr">
+            <a:normAutofit/>
+          </a:bodyPr>
+          <a:lstStyle/>
+          <a:p>
+            <a:pPr algn="l" defTabSz="914400">
+              <a:lnSpc>
+                <a:spcPct val="90000"/>
+              </a:lnSpc>
+            </a:pPr>
+            <a:r>
+              <a:rPr lang="en-US" sz="3500" dirty="0"/>
+              <a:t>A Problem With RAG</a:t>
+            </a:r>
+          </a:p>
+        </p:txBody>
+      </p:sp>
+      <p:sp>
+        <p:nvSpPr>
+          <p:cNvPr id="4" name="TextBox 3">
+            <a:extLst>
+              <a:ext uri="{FF2B5EF4-FFF2-40B4-BE49-F238E27FC236}">
+                <a16:creationId xmlns:a16="http://schemas.microsoft.com/office/drawing/2014/main" id="{54D6F0C1-8EBD-A422-09D7-5667F3D3EB2F}"/>
+              </a:ext>
+            </a:extLst>
+          </p:cNvPr>
+          <p:cNvSpPr txBox="1"/>
+          <p:nvPr/>
+        </p:nvSpPr>
+        <p:spPr>
+          <a:xfrm>
+            <a:off x="4586487" y="1964986"/>
+            <a:ext cx="3935505" cy="4275092"/>
+          </a:xfrm>
+          <a:prstGeom prst="rect">
+            <a:avLst/>
+          </a:prstGeom>
+        </p:spPr>
+        <p:txBody>
+          <a:bodyPr vert="horz" lIns="91440" tIns="45720" rIns="91440" bIns="45720" rtlCol="0" anchor="ctr">
+            <a:normAutofit/>
+          </a:bodyPr>
+          <a:lstStyle/>
+          <a:p>
+            <a:pPr indent="-228600" defTabSz="914400">
+              <a:lnSpc>
+                <a:spcPct val="90000"/>
+              </a:lnSpc>
+              <a:spcAft>
+                <a:spcPts val="600"/>
+              </a:spcAft>
+              <a:buFont typeface="Arial" panose="020B0604020202020204" pitchFamily="34" charset="0"/>
+              <a:buChar char="•"/>
+            </a:pPr>
+            <a:r>
+              <a:rPr lang="en-US" sz="1700" b="0" i="0" dirty="0">
+                <a:effectLst/>
+              </a:rPr>
+              <a:t>We’d like to include a LOT of context </a:t>
+            </a:r>
+            <a:r>
+              <a:rPr lang="en-US" sz="1700" dirty="0"/>
+              <a:t>so we get complete answers....</a:t>
+            </a:r>
+          </a:p>
+          <a:p>
+            <a:pPr indent="-228600" defTabSz="914400">
+              <a:lnSpc>
+                <a:spcPct val="90000"/>
+              </a:lnSpc>
+              <a:spcAft>
+                <a:spcPts val="600"/>
+              </a:spcAft>
+              <a:buFont typeface="Arial" panose="020B0604020202020204" pitchFamily="34" charset="0"/>
+              <a:buChar char="•"/>
+            </a:pPr>
+            <a:r>
+              <a:rPr lang="en-US" sz="1700" b="0" i="0" dirty="0">
+                <a:effectLst/>
+              </a:rPr>
+              <a:t>But we know that </a:t>
+            </a:r>
+            <a:r>
+              <a:rPr lang="en-US" sz="1700" b="0" i="0" dirty="0">
+                <a:effectLst/>
+                <a:hlinkClick r:id="rId3"/>
+              </a:rPr>
+              <a:t>hallucinations</a:t>
+            </a:r>
+            <a:r>
+              <a:rPr lang="en-US" sz="1700" b="0" i="0" dirty="0">
+                <a:effectLst/>
+              </a:rPr>
+              <a:t> can happen when </a:t>
+            </a:r>
+            <a:r>
+              <a:rPr lang="en-US" sz="1700" b="1" i="0" dirty="0">
+                <a:effectLst/>
+              </a:rPr>
+              <a:t>unrelated retrieved text is</a:t>
+            </a:r>
+            <a:r>
+              <a:rPr lang="en-US" sz="1700" b="0" i="0" dirty="0">
+                <a:effectLst/>
+              </a:rPr>
+              <a:t> included in context. </a:t>
+            </a:r>
+          </a:p>
+          <a:p>
+            <a:pPr indent="-228600" defTabSz="914400">
+              <a:lnSpc>
+                <a:spcPct val="90000"/>
+              </a:lnSpc>
+              <a:spcAft>
+                <a:spcPts val="600"/>
+              </a:spcAft>
+              <a:buFont typeface="Arial" panose="020B0604020202020204" pitchFamily="34" charset="0"/>
+              <a:buChar char="•"/>
+            </a:pPr>
+            <a:r>
+              <a:rPr lang="en-US" sz="1700" dirty="0"/>
+              <a:t>So, if we cast a very wide net in our vector search, we will get a lot of related docs, but we’ll accidently include unrelated text that could poison our response!</a:t>
+            </a:r>
+          </a:p>
+          <a:p>
+            <a:pPr indent="-228600" defTabSz="914400">
+              <a:lnSpc>
+                <a:spcPct val="90000"/>
+              </a:lnSpc>
+              <a:spcAft>
+                <a:spcPts val="600"/>
+              </a:spcAft>
+              <a:buFont typeface="Arial" panose="020B0604020202020204" pitchFamily="34" charset="0"/>
+              <a:buChar char="•"/>
+            </a:pPr>
+            <a:r>
+              <a:rPr lang="en-US" sz="1700" dirty="0"/>
+              <a:t>Solution: Use a </a:t>
+            </a:r>
+            <a:r>
+              <a:rPr lang="en-US" sz="1700" b="1" dirty="0" err="1"/>
+              <a:t>reranker</a:t>
+            </a:r>
+            <a:r>
+              <a:rPr lang="en-US" sz="1700" b="0" i="0" dirty="0">
+                <a:effectLst/>
+              </a:rPr>
+              <a:t>! </a:t>
+            </a:r>
+            <a:endParaRPr lang="en-US" sz="1700" dirty="0"/>
+          </a:p>
+        </p:txBody>
+      </p:sp>
+    </p:spTree>
+    <p:extLst>
+      <p:ext uri="{BB962C8B-B14F-4D97-AF65-F5344CB8AC3E}">
+        <p14:creationId xmlns:p14="http://schemas.microsoft.com/office/powerpoint/2010/main" val="3648874577"/>
+      </p:ext>
+    </p:extLst>
+  </p:cSld>
+  <p:clrMapOvr>
+    <a:masterClrMapping/>
+  </p:clrMapOvr>
+</p:sld>
+</file>
+
+<file path=ppt/slides/slide12.xml><?xml version="1.0" encoding="utf-8"?>
+<p:sld xmlns:a="http://schemas.openxmlformats.org/drawingml/2006/main" xmlns:r="http://schemas.openxmlformats.org/officeDocument/2006/relationships" xmlns:p="http://schemas.openxmlformats.org/presentationml/2006/main">
+  <p:cSld>
+    <p:bg>
+      <p:bgPr>
+        <a:solidFill>
+          <a:schemeClr val="bg1"/>
+        </a:solidFill>
+        <a:effectLst/>
+      </p:bgPr>
+    </p:bg>
+    <p:spTree>
+      <p:nvGrpSpPr>
+        <p:cNvPr id="1" name=""/>
+        <p:cNvGrpSpPr/>
+        <p:nvPr/>
+      </p:nvGrpSpPr>
+      <p:grpSpPr>
+        <a:xfrm>
+          <a:off x="0" y="0"/>
+          <a:ext cx="0" cy="0"/>
+          <a:chOff x="0" y="0"/>
+          <a:chExt cx="0" cy="0"/>
+        </a:xfrm>
+      </p:grpSpPr>
+      <p:sp useBgFill="1">
+        <p:nvSpPr>
+          <p:cNvPr id="9" name="Rectangle 8">
+            <a:extLst>
+              <a:ext uri="{FF2B5EF4-FFF2-40B4-BE49-F238E27FC236}">
+                <a16:creationId xmlns:a16="http://schemas.microsoft.com/office/drawing/2014/main" id="{081EA652-8C6A-4E69-BEB9-170809474553}"/>
+              </a:ext>
+              <a:ext uri="{C183D7F6-B498-43B3-948B-1728B52AA6E4}">
+                <adec:decorative xmlns:adec="http://schemas.microsoft.com/office/drawing/2017/decorative" val="1"/>
+              </a:ext>
+            </a:extLst>
+          </p:cNvPr>
+          <p:cNvSpPr>
+            <a:spLocks noGrp="1" noRot="1" noChangeAspect="1" noMove="1" noResize="1" noEditPoints="1" noAdjustHandles="1" noChangeArrowheads="1" noChangeShapeType="1" noTextEdit="1"/>
+          </p:cNvSpPr>
+          <p:nvPr>
+            <p:extLst>
+              <p:ext uri="{386F3935-93C4-4BCD-93E2-E3B085C9AB24}">
+                <p16:designElem xmlns:p16="http://schemas.microsoft.com/office/powerpoint/2015/main" val="1"/>
+              </p:ext>
+            </p:extLst>
+          </p:nvPr>
+        </p:nvSpPr>
+        <p:spPr>
+          <a:xfrm>
+            <a:off x="0" y="0"/>
+            <a:ext cx="9144000" cy="6858000"/>
+          </a:xfrm>
+          <a:prstGeom prst="rect">
+            <a:avLst/>
+          </a:prstGeom>
+          <a:ln>
+            <a:noFill/>
+          </a:ln>
+        </p:spPr>
+        <p:style>
+          <a:lnRef idx="2">
+            <a:schemeClr val="accent1">
+              <a:shade val="50000"/>
+            </a:schemeClr>
+          </a:lnRef>
+          <a:fillRef idx="1">
+            <a:schemeClr val="accent1"/>
+          </a:fillRef>
+          <a:effectRef idx="0">
+            <a:schemeClr val="accent1"/>
+          </a:effectRef>
+          <a:fontRef idx="minor">
+            <a:schemeClr val="lt1"/>
+          </a:fontRef>
+        </p:style>
+        <p:txBody>
+          <a:bodyPr rtlCol="0" anchor="ctr"/>
+          <a:lstStyle/>
+          <a:p>
+            <a:pPr algn="ctr"/>
+            <a:endParaRPr lang="en-US"/>
+          </a:p>
+        </p:txBody>
+      </p:sp>
+      <p:sp>
+        <p:nvSpPr>
+          <p:cNvPr id="11" name="Right Triangle 10">
+            <a:extLst>
+              <a:ext uri="{FF2B5EF4-FFF2-40B4-BE49-F238E27FC236}">
+                <a16:creationId xmlns:a16="http://schemas.microsoft.com/office/drawing/2014/main" id="{5298780A-33B9-4EA2-8F67-DE68AD62841B}"/>
+              </a:ext>
+              <a:ext uri="{C183D7F6-B498-43B3-948B-1728B52AA6E4}">
+                <adec:decorative xmlns:adec="http://schemas.microsoft.com/office/drawing/2017/decorative" val="1"/>
+              </a:ext>
+            </a:extLst>
+          </p:cNvPr>
+          <p:cNvSpPr>
+            <a:spLocks noGrp="1" noRot="1" noChangeAspect="1" noMove="1" noResize="1" noEditPoints="1" noAdjustHandles="1" noChangeArrowheads="1" noChangeShapeType="1" noTextEdit="1"/>
+          </p:cNvSpPr>
+          <p:nvPr>
+            <p:extLst>
+              <p:ext uri="{386F3935-93C4-4BCD-93E2-E3B085C9AB24}">
+                <p16:designElem xmlns:p16="http://schemas.microsoft.com/office/powerpoint/2015/main" val="1"/>
+              </p:ext>
+            </p:extLst>
+          </p:nvPr>
+        </p:nvSpPr>
+        <p:spPr>
+          <a:xfrm flipH="1">
+            <a:off x="6432540" y="3335867"/>
+            <a:ext cx="2468880" cy="3200400"/>
+          </a:xfrm>
+          <a:prstGeom prst="rtTriangle">
+            <a:avLst/>
+          </a:prstGeom>
+          <a:solidFill>
+            <a:schemeClr val="accent4"/>
+          </a:solidFill>
+          <a:ln>
+            <a:noFill/>
+          </a:ln>
+        </p:spPr>
+        <p:style>
+          <a:lnRef idx="2">
+            <a:schemeClr val="accent1">
+              <a:shade val="50000"/>
+            </a:schemeClr>
+          </a:lnRef>
+          <a:fillRef idx="1">
+            <a:schemeClr val="accent1"/>
+          </a:fillRef>
+          <a:effectRef idx="0">
+            <a:schemeClr val="accent1"/>
+          </a:effectRef>
+          <a:fontRef idx="minor">
+            <a:schemeClr val="lt1"/>
+          </a:fontRef>
+        </p:style>
+        <p:txBody>
+          <a:bodyPr rtlCol="0" anchor="ctr"/>
+          <a:lstStyle/>
+          <a:p>
+            <a:pPr algn="ctr"/>
+            <a:endParaRPr lang="en-US" dirty="0"/>
+          </a:p>
+        </p:txBody>
+      </p:sp>
+      <p:sp>
+        <p:nvSpPr>
+          <p:cNvPr id="13" name="Rectangle 12">
+            <a:extLst>
+              <a:ext uri="{FF2B5EF4-FFF2-40B4-BE49-F238E27FC236}">
+                <a16:creationId xmlns:a16="http://schemas.microsoft.com/office/drawing/2014/main" id="{7F488E8B-4E1E-4402-8935-D4E6C02615C7}"/>
+              </a:ext>
+              <a:ext uri="{C183D7F6-B498-43B3-948B-1728B52AA6E4}">
+                <adec:decorative xmlns:adec="http://schemas.microsoft.com/office/drawing/2017/decorative" val="1"/>
+              </a:ext>
+            </a:extLst>
+          </p:cNvPr>
+          <p:cNvSpPr>
+            <a:spLocks noGrp="1" noRot="1" noChangeAspect="1" noMove="1" noResize="1" noEditPoints="1" noAdjustHandles="1" noChangeArrowheads="1" noChangeShapeType="1" noTextEdit="1"/>
+          </p:cNvSpPr>
+          <p:nvPr>
+            <p:extLst>
+              <p:ext uri="{386F3935-93C4-4BCD-93E2-E3B085C9AB24}">
+                <p16:designElem xmlns:p16="http://schemas.microsoft.com/office/powerpoint/2015/main" val="1"/>
+              </p:ext>
+            </p:extLst>
+          </p:nvPr>
+        </p:nvSpPr>
+        <p:spPr>
+          <a:xfrm>
+            <a:off x="481330" y="623275"/>
+            <a:ext cx="8178790" cy="5607882"/>
+          </a:xfrm>
+          <a:prstGeom prst="rect">
+            <a:avLst/>
+          </a:prstGeom>
+          <a:noFill/>
+          <a:ln w="19050">
+            <a:solidFill>
+              <a:schemeClr val="tx1">
+                <a:lumMod val="75000"/>
+                <a:lumOff val="25000"/>
+              </a:schemeClr>
+            </a:solidFill>
+          </a:ln>
+        </p:spPr>
+        <p:style>
+          <a:lnRef idx="2">
+            <a:schemeClr val="accent1">
+              <a:shade val="50000"/>
+            </a:schemeClr>
+          </a:lnRef>
+          <a:fillRef idx="1">
+            <a:schemeClr val="accent1"/>
+          </a:fillRef>
+          <a:effectRef idx="0">
+            <a:schemeClr val="accent1"/>
+          </a:effectRef>
+          <a:fontRef idx="minor">
+            <a:schemeClr val="lt1"/>
+          </a:fontRef>
+        </p:style>
+        <p:txBody>
+          <a:bodyPr rtlCol="0" anchor="ctr"/>
+          <a:lstStyle/>
+          <a:p>
+            <a:pPr algn="ctr"/>
+            <a:endParaRPr lang="en-US"/>
+          </a:p>
+        </p:txBody>
+      </p:sp>
+      <p:sp>
+        <p:nvSpPr>
+          <p:cNvPr id="2" name="Title 1">
+            <a:extLst>
+              <a:ext uri="{FF2B5EF4-FFF2-40B4-BE49-F238E27FC236}">
+                <a16:creationId xmlns:a16="http://schemas.microsoft.com/office/drawing/2014/main" id="{B323ABF7-48A5-58E7-175A-E3C2E5CBAE4A}"/>
+              </a:ext>
+            </a:extLst>
+          </p:cNvPr>
+          <p:cNvSpPr>
+            <a:spLocks noGrp="1"/>
+          </p:cNvSpPr>
+          <p:nvPr>
+            <p:ph type="title"/>
+          </p:nvPr>
+        </p:nvSpPr>
+        <p:spPr>
+          <a:xfrm>
+            <a:off x="963930" y="1050595"/>
+            <a:ext cx="6056111" cy="1618489"/>
+          </a:xfrm>
+        </p:spPr>
+        <p:txBody>
+          <a:bodyPr vert="horz" lIns="91440" tIns="45720" rIns="91440" bIns="45720" rtlCol="0" anchor="ctr">
+            <a:normAutofit/>
+          </a:bodyPr>
+          <a:lstStyle/>
+          <a:p>
+            <a:pPr algn="l" defTabSz="914400">
+              <a:lnSpc>
+                <a:spcPct val="90000"/>
+              </a:lnSpc>
+            </a:pPr>
+            <a:r>
+              <a:rPr lang="en-US" sz="5400" kern="1200">
+                <a:solidFill>
+                  <a:schemeClr val="tx1"/>
+                </a:solidFill>
+                <a:latin typeface="+mj-lt"/>
+                <a:ea typeface="+mj-ea"/>
+                <a:cs typeface="+mj-cs"/>
+              </a:rPr>
+              <a:t>What is a </a:t>
+            </a:r>
+            <a:r>
+              <a:rPr lang="en-US" sz="5400" i="1" kern="1200">
+                <a:solidFill>
+                  <a:schemeClr val="tx1"/>
+                </a:solidFill>
+                <a:latin typeface="+mj-lt"/>
+                <a:ea typeface="+mj-ea"/>
+                <a:cs typeface="+mj-cs"/>
+              </a:rPr>
+              <a:t>Reranker</a:t>
+            </a:r>
+            <a:r>
+              <a:rPr lang="en-US" sz="5400" kern="1200">
+                <a:solidFill>
+                  <a:schemeClr val="tx1"/>
+                </a:solidFill>
+                <a:latin typeface="+mj-lt"/>
+                <a:ea typeface="+mj-ea"/>
+                <a:cs typeface="+mj-cs"/>
+              </a:rPr>
+              <a:t>?</a:t>
+            </a:r>
+          </a:p>
+        </p:txBody>
+      </p:sp>
+      <p:sp>
+        <p:nvSpPr>
+          <p:cNvPr id="4" name="TextBox 3">
+            <a:extLst>
+              <a:ext uri="{FF2B5EF4-FFF2-40B4-BE49-F238E27FC236}">
+                <a16:creationId xmlns:a16="http://schemas.microsoft.com/office/drawing/2014/main" id="{4789F7A7-E905-5F76-608C-5A7E24CD0337}"/>
+              </a:ext>
+            </a:extLst>
+          </p:cNvPr>
+          <p:cNvSpPr txBox="1"/>
+          <p:nvPr/>
+        </p:nvSpPr>
+        <p:spPr>
+          <a:xfrm>
+            <a:off x="963930" y="2424223"/>
+            <a:ext cx="6595819" cy="3580728"/>
+          </a:xfrm>
+          <a:prstGeom prst="rect">
+            <a:avLst/>
+          </a:prstGeom>
+        </p:spPr>
+        <p:txBody>
+          <a:bodyPr vert="horz" lIns="91440" tIns="45720" rIns="91440" bIns="45720" rtlCol="0" anchor="t">
+            <a:normAutofit/>
+          </a:bodyPr>
+          <a:lstStyle/>
+          <a:p>
+            <a:pPr indent="-228600" defTabSz="914400">
+              <a:lnSpc>
+                <a:spcPct val="90000"/>
+              </a:lnSpc>
+              <a:spcAft>
+                <a:spcPts val="600"/>
+              </a:spcAft>
+              <a:buFont typeface="Arial" panose="020B0604020202020204" pitchFamily="34" charset="0"/>
+              <a:buChar char="•"/>
+            </a:pPr>
+            <a:r>
+              <a:rPr lang="en-US" sz="1300" b="0" i="0" dirty="0">
+                <a:effectLst/>
+              </a:rPr>
+              <a:t>A </a:t>
+            </a:r>
+            <a:r>
+              <a:rPr lang="en-US" sz="1300" b="0" i="0" dirty="0" err="1">
+                <a:effectLst/>
+              </a:rPr>
+              <a:t>reranker</a:t>
+            </a:r>
+            <a:r>
+              <a:rPr lang="en-US" sz="1300" b="0" i="0" dirty="0">
+                <a:effectLst/>
+              </a:rPr>
+              <a:t> acts as a second-pass filter, allowing us to </a:t>
+            </a:r>
+            <a:r>
+              <a:rPr lang="en-US" sz="1300" dirty="0"/>
+              <a:t>retrieve a lot of results from the semantic search.</a:t>
+            </a:r>
+          </a:p>
+          <a:p>
+            <a:pPr indent="-228600" defTabSz="914400">
+              <a:lnSpc>
+                <a:spcPct val="90000"/>
+              </a:lnSpc>
+              <a:spcAft>
+                <a:spcPts val="600"/>
+              </a:spcAft>
+              <a:buFont typeface="Arial" panose="020B0604020202020204" pitchFamily="34" charset="0"/>
+              <a:buChar char="•"/>
+            </a:pPr>
+            <a:r>
+              <a:rPr lang="en-US" sz="1300" b="0" i="0" dirty="0">
+                <a:effectLst/>
+              </a:rPr>
+              <a:t>The </a:t>
+            </a:r>
+            <a:r>
+              <a:rPr lang="en-US" sz="1300" b="0" i="0" dirty="0" err="1">
+                <a:effectLst/>
+              </a:rPr>
+              <a:t>reranker</a:t>
+            </a:r>
+            <a:r>
+              <a:rPr lang="en-US" sz="1300" b="0" i="0" dirty="0">
+                <a:effectLst/>
+              </a:rPr>
+              <a:t> will rearrange the retrieved documents from the initial search and prioritize the most relevant ones. </a:t>
+            </a:r>
+          </a:p>
+          <a:p>
+            <a:pPr indent="-228600" defTabSz="914400">
+              <a:lnSpc>
+                <a:spcPct val="90000"/>
+              </a:lnSpc>
+              <a:spcAft>
+                <a:spcPts val="600"/>
+              </a:spcAft>
+              <a:buFont typeface="Arial" panose="020B0604020202020204" pitchFamily="34" charset="0"/>
+              <a:buChar char="•"/>
+            </a:pPr>
+            <a:r>
+              <a:rPr lang="en-US" sz="1300" dirty="0"/>
+              <a:t>Since the </a:t>
+            </a:r>
+            <a:r>
+              <a:rPr lang="en-US" sz="1300" dirty="0" err="1"/>
+              <a:t>reranker</a:t>
+            </a:r>
+            <a:r>
+              <a:rPr lang="en-US" sz="1300" dirty="0"/>
+              <a:t> is dealing with a smaller set of data, it can focus on relevance and nuance rather than brute force search of (possibly) millions of document chunks.</a:t>
+            </a:r>
+            <a:endParaRPr lang="en-US" sz="1300" b="0" i="0" dirty="0">
+              <a:effectLst/>
+            </a:endParaRPr>
+          </a:p>
+          <a:p>
+            <a:pPr indent="-228600" defTabSz="914400">
+              <a:lnSpc>
+                <a:spcPct val="90000"/>
+              </a:lnSpc>
+              <a:spcAft>
+                <a:spcPts val="600"/>
+              </a:spcAft>
+              <a:buFont typeface="Arial" panose="020B0604020202020204" pitchFamily="34" charset="0"/>
+              <a:buChar char="•"/>
+            </a:pPr>
+            <a:r>
+              <a:rPr lang="en-US" sz="1300" b="0" i="0" dirty="0">
+                <a:effectLst/>
+              </a:rPr>
+              <a:t>Once the </a:t>
+            </a:r>
+            <a:r>
+              <a:rPr lang="en-US" sz="1300" b="0" i="0" dirty="0" err="1">
+                <a:effectLst/>
+              </a:rPr>
+              <a:t>reranker</a:t>
+            </a:r>
+            <a:r>
+              <a:rPr lang="en-US" sz="1300" b="0" i="0" dirty="0">
+                <a:effectLst/>
+              </a:rPr>
+              <a:t> reorders the retrieved texts, by relevance, we can chuck out all but the best matches.</a:t>
+            </a:r>
+          </a:p>
+          <a:p>
+            <a:pPr indent="-228600" defTabSz="914400">
+              <a:lnSpc>
+                <a:spcPct val="90000"/>
+              </a:lnSpc>
+              <a:spcAft>
+                <a:spcPts val="600"/>
+              </a:spcAft>
+              <a:buFont typeface="Arial" panose="020B0604020202020204" pitchFamily="34" charset="0"/>
+              <a:buChar char="•"/>
+            </a:pPr>
+            <a:r>
+              <a:rPr lang="en-US" sz="1300" b="0" i="0" dirty="0">
+                <a:effectLst/>
+              </a:rPr>
+              <a:t>This helps reduce hallucinations.</a:t>
+            </a:r>
+          </a:p>
+          <a:p>
+            <a:pPr indent="-228600" defTabSz="914400">
+              <a:lnSpc>
+                <a:spcPct val="90000"/>
+              </a:lnSpc>
+              <a:spcAft>
+                <a:spcPts val="600"/>
+              </a:spcAft>
+              <a:buFont typeface="Arial" panose="020B0604020202020204" pitchFamily="34" charset="0"/>
+              <a:buChar char="•"/>
+            </a:pPr>
+            <a:r>
+              <a:rPr lang="en-US" sz="1300" b="1" i="0" dirty="0">
+                <a:effectLst/>
+              </a:rPr>
+              <a:t>Free Bonus</a:t>
+            </a:r>
+            <a:r>
+              <a:rPr lang="en-US" sz="1300" b="0" i="0" dirty="0">
+                <a:effectLst/>
+              </a:rPr>
+              <a:t>:  Uses less tokens = saves money during LLM usage during the RAG process. </a:t>
+            </a:r>
+            <a:endParaRPr lang="en-US" sz="1300" dirty="0"/>
+          </a:p>
+        </p:txBody>
+      </p:sp>
+    </p:spTree>
+    <p:extLst>
+      <p:ext uri="{BB962C8B-B14F-4D97-AF65-F5344CB8AC3E}">
+        <p14:creationId xmlns:p14="http://schemas.microsoft.com/office/powerpoint/2010/main" val="2937903898"/>
+      </p:ext>
+    </p:extLst>
+  </p:cSld>
+  <p:clrMapOvr>
+    <a:masterClrMapping/>
+  </p:clrMapOvr>
+</p:sld>
+</file>
+
+<file path=ppt/slides/slide13.xml><?xml version="1.0" encoding="utf-8"?>
+<p:sld xmlns:a="http://schemas.openxmlformats.org/drawingml/2006/main" xmlns:r="http://schemas.openxmlformats.org/officeDocument/2006/relationships" xmlns:p="http://schemas.openxmlformats.org/presentationml/2006/main">
+  <p:cSld>
+    <p:spTree>
+      <p:nvGrpSpPr>
+        <p:cNvPr id="1" name=""/>
+        <p:cNvGrpSpPr/>
+        <p:nvPr/>
+      </p:nvGrpSpPr>
+      <p:grpSpPr>
+        <a:xfrm>
+          <a:off x="0" y="0"/>
+          <a:ext cx="0" cy="0"/>
+          <a:chOff x="0" y="0"/>
+          <a:chExt cx="0" cy="0"/>
+        </a:xfrm>
+      </p:grpSpPr>
+      <p:sp>
+        <p:nvSpPr>
+          <p:cNvPr id="2" name="Title 1">
+            <a:extLst>
+              <a:ext uri="{FF2B5EF4-FFF2-40B4-BE49-F238E27FC236}">
+                <a16:creationId xmlns:a16="http://schemas.microsoft.com/office/drawing/2014/main" id="{0C2BC07B-30F0-A193-94FD-C3E29CC33086}"/>
+              </a:ext>
+            </a:extLst>
+          </p:cNvPr>
+          <p:cNvSpPr>
+            <a:spLocks noGrp="1"/>
+          </p:cNvSpPr>
+          <p:nvPr>
+            <p:ph type="title"/>
+          </p:nvPr>
+        </p:nvSpPr>
+        <p:spPr/>
+        <p:txBody>
+          <a:bodyPr/>
+          <a:lstStyle/>
+          <a:p>
+            <a:endParaRPr lang="en-US"/>
+          </a:p>
+        </p:txBody>
+      </p:sp>
+      <p:pic>
+        <p:nvPicPr>
+          <p:cNvPr id="5122" name="Picture 2" descr="Advanced RAG on Hugging Face documentation using LangChain - Hugging Face  Open-Source AI Cookbook">
+            <a:extLst>
+              <a:ext uri="{FF2B5EF4-FFF2-40B4-BE49-F238E27FC236}">
+                <a16:creationId xmlns:a16="http://schemas.microsoft.com/office/drawing/2014/main" id="{2C4A91CE-FF3C-F5AB-7024-01E98457D94E}"/>
+              </a:ext>
+            </a:extLst>
+          </p:cNvPr>
+          <p:cNvPicPr>
+            <a:picLocks noChangeAspect="1" noChangeArrowheads="1"/>
+          </p:cNvPicPr>
+          <p:nvPr/>
+        </p:nvPicPr>
+        <p:blipFill>
+          <a:blip r:embed="rId2">
+            <a:extLst>
+              <a:ext uri="{28A0092B-C50C-407E-A947-70E740481C1C}">
+                <a14:useLocalDpi xmlns:a14="http://schemas.microsoft.com/office/drawing/2010/main" val="0"/>
+              </a:ext>
+            </a:extLst>
+          </a:blip>
+          <a:srcRect/>
+          <a:stretch>
+            <a:fillRect/>
+          </a:stretch>
+        </p:blipFill>
+        <p:spPr bwMode="auto">
+          <a:xfrm>
+            <a:off x="592138" y="0"/>
+            <a:ext cx="7958137" cy="6858000"/>
+          </a:xfrm>
+          <a:prstGeom prst="rect">
+            <a:avLst/>
+          </a:prstGeom>
+          <a:noFill/>
+          <a:extLst>
+            <a:ext uri="{909E8E84-426E-40DD-AFC4-6F175D3DCCD1}">
+              <a14:hiddenFill xmlns:a14="http://schemas.microsoft.com/office/drawing/2010/main">
+                <a:solidFill>
+                  <a:srgbClr val="FFFFFF"/>
+                </a:solidFill>
+              </a14:hiddenFill>
+            </a:ext>
+          </a:extLst>
+        </p:spPr>
+      </p:pic>
+      <p:sp>
+        <p:nvSpPr>
+          <p:cNvPr id="4" name="Rounded Rectangle 3">
+            <a:extLst>
+              <a:ext uri="{FF2B5EF4-FFF2-40B4-BE49-F238E27FC236}">
+                <a16:creationId xmlns:a16="http://schemas.microsoft.com/office/drawing/2014/main" id="{AB5FE024-6729-19F1-4536-5E8A23DAE3CA}"/>
+              </a:ext>
+            </a:extLst>
+          </p:cNvPr>
+          <p:cNvSpPr/>
+          <p:nvPr/>
+        </p:nvSpPr>
+        <p:spPr>
+          <a:xfrm>
+            <a:off x="763959" y="3514061"/>
+            <a:ext cx="1702796" cy="887819"/>
+          </a:xfrm>
+          <a:prstGeom prst="roundRect">
+            <a:avLst/>
+          </a:prstGeom>
+        </p:spPr>
+        <p:style>
+          <a:lnRef idx="1">
+            <a:schemeClr val="accent1"/>
+          </a:lnRef>
+          <a:fillRef idx="3">
+            <a:schemeClr val="accent1"/>
+          </a:fillRef>
+          <a:effectRef idx="2">
+            <a:schemeClr val="accent1"/>
+          </a:effectRef>
+          <a:fontRef idx="minor">
+            <a:schemeClr val="lt1"/>
+          </a:fontRef>
+        </p:style>
+        <p:txBody>
+          <a:bodyPr rtlCol="0" anchor="ctr"/>
+          <a:lstStyle/>
+          <a:p>
+            <a:pPr algn="ctr"/>
+            <a:r>
+              <a:rPr lang="en-US" dirty="0" err="1"/>
+              <a:t>Reranker</a:t>
+            </a:r>
+            <a:endParaRPr lang="en-US" dirty="0"/>
+          </a:p>
+        </p:txBody>
+      </p:sp>
+      <p:cxnSp>
+        <p:nvCxnSpPr>
+          <p:cNvPr id="6" name="Straight Arrow Connector 5">
+            <a:extLst>
+              <a:ext uri="{FF2B5EF4-FFF2-40B4-BE49-F238E27FC236}">
+                <a16:creationId xmlns:a16="http://schemas.microsoft.com/office/drawing/2014/main" id="{6509ECB3-C302-3A2E-1B2A-AC6F00938798}"/>
+              </a:ext>
+            </a:extLst>
+          </p:cNvPr>
+          <p:cNvCxnSpPr>
+            <a:endCxn id="4" idx="3"/>
+          </p:cNvCxnSpPr>
+          <p:nvPr/>
+        </p:nvCxnSpPr>
+        <p:spPr>
+          <a:xfrm flipH="1">
+            <a:off x="2466755" y="3912781"/>
+            <a:ext cx="1860696" cy="45190"/>
+          </a:xfrm>
+          <a:prstGeom prst="straightConnector1">
+            <a:avLst/>
+          </a:prstGeom>
+          <a:ln>
+            <a:tailEnd type="triangle"/>
+          </a:ln>
+        </p:spPr>
+        <p:style>
+          <a:lnRef idx="2">
+            <a:schemeClr val="accent1"/>
+          </a:lnRef>
+          <a:fillRef idx="0">
+            <a:schemeClr val="accent1"/>
+          </a:fillRef>
+          <a:effectRef idx="1">
+            <a:schemeClr val="accent1"/>
+          </a:effectRef>
+          <a:fontRef idx="minor">
+            <a:schemeClr val="tx1"/>
+          </a:fontRef>
+        </p:style>
+      </p:cxnSp>
+      <p:cxnSp>
+        <p:nvCxnSpPr>
+          <p:cNvPr id="8" name="Elbow Connector 7">
+            <a:extLst>
+              <a:ext uri="{FF2B5EF4-FFF2-40B4-BE49-F238E27FC236}">
+                <a16:creationId xmlns:a16="http://schemas.microsoft.com/office/drawing/2014/main" id="{F5C4B84B-7A44-329B-DE1C-8EE3920FE7BE}"/>
+              </a:ext>
+            </a:extLst>
+          </p:cNvPr>
+          <p:cNvCxnSpPr>
+            <a:cxnSpLocks/>
+          </p:cNvCxnSpPr>
+          <p:nvPr/>
+        </p:nvCxnSpPr>
+        <p:spPr>
+          <a:xfrm>
+            <a:off x="2466755" y="4106826"/>
+            <a:ext cx="2104451" cy="590107"/>
+          </a:xfrm>
+          <a:prstGeom prst="bentConnector3">
+            <a:avLst>
+              <a:gd name="adj1" fmla="val 49495"/>
+            </a:avLst>
+          </a:prstGeom>
+          <a:ln>
+            <a:tailEnd type="triangle"/>
+          </a:ln>
+        </p:spPr>
+        <p:style>
+          <a:lnRef idx="2">
+            <a:schemeClr val="accent1"/>
+          </a:lnRef>
+          <a:fillRef idx="0">
+            <a:schemeClr val="accent1"/>
+          </a:fillRef>
+          <a:effectRef idx="1">
+            <a:schemeClr val="accent1"/>
+          </a:effectRef>
+          <a:fontRef idx="minor">
+            <a:schemeClr val="tx1"/>
+          </a:fontRef>
+        </p:style>
+      </p:cxnSp>
+    </p:spTree>
+    <p:extLst>
+      <p:ext uri="{BB962C8B-B14F-4D97-AF65-F5344CB8AC3E}">
+        <p14:creationId xmlns:p14="http://schemas.microsoft.com/office/powerpoint/2010/main" val="1823259044"/>
+      </p:ext>
+    </p:extLst>
   </p:cSld>
   <p:clrMapOvr>
     <a:masterClrMapping/>
@@ -13716,6 +15173,14 @@
 <file path=ppt/slides/slide4.xml><?xml version="1.0" encoding="utf-8"?>
 <p:sld xmlns:a="http://schemas.openxmlformats.org/drawingml/2006/main" xmlns:r="http://schemas.openxmlformats.org/officeDocument/2006/relationships" xmlns:p="http://schemas.openxmlformats.org/presentationml/2006/main">
   <p:cSld>
+    <p:bg>
+      <p:bgPr>
+        <a:solidFill>
+          <a:schemeClr val="bg1"/>
+        </a:solidFill>
+        <a:effectLst/>
+      </p:bgPr>
+    </p:bg>
     <p:spTree>
       <p:nvGrpSpPr>
         <p:cNvPr id="1" name=""/>
@@ -13732,13 +15197,7 @@
       </p:grpSpPr>
       <p:sp>
         <p:nvSpPr>
-          <p:cNvPr id="2" name="Title 1">
-            <a:extLst>
-              <a:ext uri="{FF2B5EF4-FFF2-40B4-BE49-F238E27FC236}">
-                <a16:creationId xmlns:a16="http://schemas.microsoft.com/office/drawing/2014/main" id="{0C2BC07B-30F0-A193-94FD-C3E29CC33086}"/>
-              </a:ext>
-            </a:extLst>
-          </p:cNvPr>
+          <p:cNvPr id="2" name="Title 1"/>
           <p:cNvSpPr>
             <a:spLocks noGrp="1"/>
           </p:cNvSpPr>
@@ -13746,262 +15205,167 @@
             <p:ph type="title"/>
           </p:nvPr>
         </p:nvSpPr>
-        <p:spPr/>
+        <p:spPr>
+          <a:xfrm>
+            <a:off x="840699" y="687480"/>
+            <a:ext cx="5605629" cy="994172"/>
+          </a:xfrm>
+        </p:spPr>
         <p:txBody>
-          <a:bodyPr/>
+          <a:bodyPr>
+            <a:normAutofit/>
+          </a:bodyPr>
           <a:lstStyle/>
           <a:p>
-            <a:endParaRPr lang="en-US"/>
+            <a:pPr>
+              <a:lnSpc>
+                <a:spcPct val="90000"/>
+              </a:lnSpc>
+            </a:pPr>
+            <a:r>
+              <a:rPr lang="en-US" sz="3000"/>
+              <a:t>Retrieval-Augmented Generation</a:t>
+            </a:r>
           </a:p>
         </p:txBody>
       </p:sp>
-      <p:pic>
-        <p:nvPicPr>
-          <p:cNvPr id="5122" name="Picture 2" descr="Advanced RAG on Hugging Face documentation using LangChain - Hugging Face  Open-Source AI Cookbook">
-            <a:extLst>
-              <a:ext uri="{FF2B5EF4-FFF2-40B4-BE49-F238E27FC236}">
-                <a16:creationId xmlns:a16="http://schemas.microsoft.com/office/drawing/2014/main" id="{2C4A91CE-FF3C-F5AB-7024-01E98457D94E}"/>
-              </a:ext>
-            </a:extLst>
-          </p:cNvPr>
-          <p:cNvPicPr>
-            <a:picLocks noChangeAspect="1" noChangeArrowheads="1"/>
-          </p:cNvPicPr>
-          <p:nvPr/>
-        </p:nvPicPr>
-        <p:blipFill>
-          <a:blip r:embed="rId2">
-            <a:extLst>
-              <a:ext uri="{28A0092B-C50C-407E-A947-70E740481C1C}">
-                <a14:useLocalDpi xmlns:a14="http://schemas.microsoft.com/office/drawing/2010/main" val="0"/>
-              </a:ext>
-            </a:extLst>
-          </a:blip>
-          <a:srcRect/>
-          <a:stretch>
-            <a:fillRect/>
-          </a:stretch>
-        </p:blipFill>
-        <p:spPr bwMode="auto">
-          <a:xfrm>
-            <a:off x="592138" y="0"/>
-            <a:ext cx="7958137" cy="6858000"/>
-          </a:xfrm>
-          <a:prstGeom prst="rect">
-            <a:avLst/>
-          </a:prstGeom>
-          <a:noFill/>
-          <a:extLst>
-            <a:ext uri="{909E8E84-426E-40DD-AFC4-6F175D3DCCD1}">
-              <a14:hiddenFill xmlns:a14="http://schemas.microsoft.com/office/drawing/2010/main">
-                <a:solidFill>
-                  <a:srgbClr val="FFFFFF"/>
-                </a:solidFill>
-              </a14:hiddenFill>
-            </a:ext>
-          </a:extLst>
-        </p:spPr>
-      </p:pic>
       <p:sp>
         <p:nvSpPr>
-          <p:cNvPr id="4" name="Rounded Rectangle 3">
-            <a:extLst>
-              <a:ext uri="{FF2B5EF4-FFF2-40B4-BE49-F238E27FC236}">
-                <a16:creationId xmlns:a16="http://schemas.microsoft.com/office/drawing/2014/main" id="{AB5FE024-6729-19F1-4536-5E8A23DAE3CA}"/>
-              </a:ext>
-            </a:extLst>
-          </p:cNvPr>
-          <p:cNvSpPr/>
-          <p:nvPr/>
-        </p:nvSpPr>
-        <p:spPr>
-          <a:xfrm>
-            <a:off x="763959" y="3514061"/>
-            <a:ext cx="1702796" cy="887819"/>
-          </a:xfrm>
-          <a:prstGeom prst="roundRect">
-            <a:avLst/>
-          </a:prstGeom>
-        </p:spPr>
-        <p:style>
-          <a:lnRef idx="1">
-            <a:schemeClr val="accent1"/>
-          </a:lnRef>
-          <a:fillRef idx="3">
-            <a:schemeClr val="accent1"/>
-          </a:fillRef>
-          <a:effectRef idx="2">
-            <a:schemeClr val="accent1"/>
-          </a:effectRef>
-          <a:fontRef idx="minor">
-            <a:schemeClr val="lt1"/>
-          </a:fontRef>
-        </p:style>
-        <p:txBody>
-          <a:bodyPr rtlCol="0" anchor="ctr"/>
-          <a:lstStyle/>
-          <a:p>
-            <a:pPr algn="ctr"/>
-            <a:r>
-              <a:rPr lang="en-US" dirty="0" err="1"/>
-              <a:t>Reranker</a:t>
-            </a:r>
-            <a:endParaRPr lang="en-US" dirty="0"/>
-          </a:p>
-        </p:txBody>
-      </p:sp>
-      <p:cxnSp>
-        <p:nvCxnSpPr>
-          <p:cNvPr id="6" name="Straight Arrow Connector 5">
-            <a:extLst>
-              <a:ext uri="{FF2B5EF4-FFF2-40B4-BE49-F238E27FC236}">
-                <a16:creationId xmlns:a16="http://schemas.microsoft.com/office/drawing/2014/main" id="{6509ECB3-C302-3A2E-1B2A-AC6F00938798}"/>
-              </a:ext>
-            </a:extLst>
-          </p:cNvPr>
-          <p:cNvCxnSpPr>
-            <a:endCxn id="4" idx="3"/>
-          </p:cNvCxnSpPr>
-          <p:nvPr/>
-        </p:nvCxnSpPr>
-        <p:spPr>
-          <a:xfrm flipH="1">
-            <a:off x="2466755" y="3912781"/>
-            <a:ext cx="1860696" cy="45190"/>
-          </a:xfrm>
-          <a:prstGeom prst="straightConnector1">
-            <a:avLst/>
-          </a:prstGeom>
-          <a:ln>
-            <a:tailEnd type="triangle"/>
-          </a:ln>
-        </p:spPr>
-        <p:style>
-          <a:lnRef idx="2">
-            <a:schemeClr val="accent1"/>
-          </a:lnRef>
-          <a:fillRef idx="0">
-            <a:schemeClr val="accent1"/>
-          </a:fillRef>
-          <a:effectRef idx="1">
-            <a:schemeClr val="accent1"/>
-          </a:effectRef>
-          <a:fontRef idx="minor">
-            <a:schemeClr val="tx1"/>
-          </a:fontRef>
-        </p:style>
-      </p:cxnSp>
-      <p:cxnSp>
-        <p:nvCxnSpPr>
-          <p:cNvPr id="8" name="Elbow Connector 7">
-            <a:extLst>
-              <a:ext uri="{FF2B5EF4-FFF2-40B4-BE49-F238E27FC236}">
-                <a16:creationId xmlns:a16="http://schemas.microsoft.com/office/drawing/2014/main" id="{F5C4B84B-7A44-329B-DE1C-8EE3920FE7BE}"/>
-              </a:ext>
-            </a:extLst>
-          </p:cNvPr>
-          <p:cNvCxnSpPr>
-            <a:cxnSpLocks/>
-          </p:cNvCxnSpPr>
-          <p:nvPr/>
-        </p:nvCxnSpPr>
-        <p:spPr>
-          <a:xfrm>
-            <a:off x="2466755" y="4106826"/>
-            <a:ext cx="2104451" cy="590107"/>
-          </a:xfrm>
-          <a:prstGeom prst="bentConnector3">
-            <a:avLst>
-              <a:gd name="adj1" fmla="val 49495"/>
-            </a:avLst>
-          </a:prstGeom>
-          <a:ln>
-            <a:tailEnd type="triangle"/>
-          </a:ln>
-        </p:spPr>
-        <p:style>
-          <a:lnRef idx="2">
-            <a:schemeClr val="accent1"/>
-          </a:lnRef>
-          <a:fillRef idx="0">
-            <a:schemeClr val="accent1"/>
-          </a:fillRef>
-          <a:effectRef idx="1">
-            <a:schemeClr val="accent1"/>
-          </a:effectRef>
-          <a:fontRef idx="minor">
-            <a:schemeClr val="tx1"/>
-          </a:fontRef>
-        </p:style>
-      </p:cxnSp>
-    </p:spTree>
-    <p:extLst>
-      <p:ext uri="{BB962C8B-B14F-4D97-AF65-F5344CB8AC3E}">
-        <p14:creationId xmlns:p14="http://schemas.microsoft.com/office/powerpoint/2010/main" val="1823259044"/>
-      </p:ext>
-    </p:extLst>
-  </p:cSld>
-  <p:clrMapOvr>
-    <a:masterClrMapping/>
-  </p:clrMapOvr>
-</p:sld>
-</file>
-
-<file path=ppt/slides/slide5.xml><?xml version="1.0" encoding="utf-8"?>
-<p:sld xmlns:a="http://schemas.openxmlformats.org/drawingml/2006/main" xmlns:r="http://schemas.openxmlformats.org/officeDocument/2006/relationships" xmlns:p="http://schemas.openxmlformats.org/presentationml/2006/main">
-  <p:cSld>
-    <p:spTree>
-      <p:nvGrpSpPr>
-        <p:cNvPr id="1" name=""/>
-        <p:cNvGrpSpPr/>
-        <p:nvPr/>
-      </p:nvGrpSpPr>
-      <p:grpSpPr>
-        <a:xfrm>
-          <a:off x="0" y="0"/>
-          <a:ext cx="0" cy="0"/>
-          <a:chOff x="0" y="0"/>
-          <a:chExt cx="0" cy="0"/>
-        </a:xfrm>
-      </p:grpSpPr>
-      <p:sp>
-        <p:nvSpPr>
-          <p:cNvPr id="2" name="Title 1">
-            <a:extLst>
-              <a:ext uri="{FF2B5EF4-FFF2-40B4-BE49-F238E27FC236}">
-                <a16:creationId xmlns:a16="http://schemas.microsoft.com/office/drawing/2014/main" id="{009B5820-170B-DFA2-4B9D-09863564916A}"/>
-              </a:ext>
-            </a:extLst>
-          </p:cNvPr>
+          <p:cNvPr id="3" name="Content Placeholder 2"/>
           <p:cNvSpPr>
             <a:spLocks noGrp="1"/>
           </p:cNvSpPr>
           <p:nvPr>
-            <p:ph type="title"/>
+            <p:ph idx="1"/>
           </p:nvPr>
         </p:nvSpPr>
-        <p:spPr/>
+        <p:spPr>
+          <a:xfrm>
+            <a:off x="852321" y="2227943"/>
+            <a:ext cx="5033221" cy="3788227"/>
+          </a:xfrm>
+        </p:spPr>
         <p:txBody>
-          <a:bodyPr/>
+          <a:bodyPr anchor="ctr">
+            <a:normAutofit/>
+          </a:bodyPr>
           <a:lstStyle/>
           <a:p>
-            <a:endParaRPr lang="en-US"/>
+            <a:pPr lvl="0">
+              <a:lnSpc>
+                <a:spcPct val="90000"/>
+              </a:lnSpc>
+            </a:pPr>
+            <a:r>
+              <a:rPr lang="en-US" sz="1600" b="1"/>
+              <a:t>Combine search with AI generation</a:t>
+            </a:r>
+            <a:r>
+              <a:rPr lang="en-US" sz="1600"/>
+              <a:t> to provide context-aware answers</a:t>
+            </a:r>
+          </a:p>
+          <a:p>
+            <a:pPr lvl="0">
+              <a:lnSpc>
+                <a:spcPct val="90000"/>
+              </a:lnSpc>
+            </a:pPr>
+            <a:r>
+              <a:rPr lang="en-US" sz="1600" b="1"/>
+              <a:t>Pattern</a:t>
+            </a:r>
+            <a:r>
+              <a:rPr lang="en-US" sz="1600"/>
+              <a:t>: </a:t>
+            </a:r>
+            <a:r>
+              <a:rPr lang="en-US" sz="1600">
+                <a:latin typeface="Courier"/>
+              </a:rPr>
+              <a:t>Document → Embed → Store → Query → Retrieve Similar → LLM Answer</a:t>
+            </a:r>
+          </a:p>
+          <a:p>
+            <a:pPr lvl="0">
+              <a:lnSpc>
+                <a:spcPct val="90000"/>
+              </a:lnSpc>
+            </a:pPr>
+            <a:r>
+              <a:rPr lang="en-US" sz="1600" b="1"/>
+              <a:t>Advantage</a:t>
+            </a:r>
+            <a:r>
+              <a:rPr lang="en-US" sz="1600"/>
+              <a:t>: LLM answers grounded in actual historical data, not just general knowledge</a:t>
+            </a:r>
+          </a:p>
+          <a:p>
+            <a:pPr marL="0" indent="0">
+              <a:lnSpc>
+                <a:spcPct val="90000"/>
+              </a:lnSpc>
+              <a:spcBef>
+                <a:spcPts val="3000"/>
+              </a:spcBef>
+              <a:buNone/>
+            </a:pPr>
+            <a:r>
+              <a:rPr lang="en-US" sz="1600" b="1"/>
+              <a:t>Why RAG Matters</a:t>
+            </a:r>
+          </a:p>
+          <a:p>
+            <a:pPr lvl="0">
+              <a:lnSpc>
+                <a:spcPct val="90000"/>
+              </a:lnSpc>
+            </a:pPr>
+            <a:r>
+              <a:rPr lang="en-US" sz="1600"/>
+              <a:t>Traditional LLM: General knowledge, may hallucinate</a:t>
+            </a:r>
+          </a:p>
+          <a:p>
+            <a:pPr lvl="0">
+              <a:lnSpc>
+                <a:spcPct val="90000"/>
+              </a:lnSpc>
+            </a:pPr>
+            <a:r>
+              <a:rPr lang="en-US" sz="1600"/>
+              <a:t>RAG: Grounded in real historical tickets, traceable sources</a:t>
+            </a:r>
+          </a:p>
+          <a:p>
+            <a:pPr lvl="0">
+              <a:lnSpc>
+                <a:spcPct val="90000"/>
+              </a:lnSpc>
+            </a:pPr>
+            <a:r>
+              <a:rPr lang="en-US" sz="1600"/>
+              <a:t>Best of both: Search precision + LLM comprehension</a:t>
+            </a:r>
           </a:p>
         </p:txBody>
       </p:sp>
-      <p:sp useBgFill="1">
+      <p:sp>
         <p:nvSpPr>
-          <p:cNvPr id="3" name="Rectangle 2">
+          <p:cNvPr id="14" name="Rectangle 13">
             <a:extLst>
               <a:ext uri="{FF2B5EF4-FFF2-40B4-BE49-F238E27FC236}">
-                <a16:creationId xmlns:a16="http://schemas.microsoft.com/office/drawing/2014/main" id="{882DF602-3F63-DE42-328F-AA0471B46537}"/>
+                <a16:creationId xmlns:a16="http://schemas.microsoft.com/office/drawing/2014/main" id="{59A309A7-1751-4ABE-A3C1-EEC40366AD89}"/>
               </a:ext>
               <a:ext uri="{C183D7F6-B498-43B3-948B-1728B52AA6E4}">
                 <adec:decorative xmlns:adec="http://schemas.microsoft.com/office/drawing/2017/decorative" val="1"/>
               </a:ext>
             </a:extLst>
           </p:cNvPr>
-          <p:cNvSpPr/>
+          <p:cNvSpPr>
+            <a:spLocks noGrp="1" noRot="1" noChangeAspect="1" noMove="1" noResize="1" noEditPoints="1" noAdjustHandles="1" noChangeArrowheads="1" noChangeShapeType="1" noTextEdit="1"/>
+          </p:cNvSpPr>
           <p:nvPr>
             <p:extLst>
               <p:ext uri="{386F3935-93C4-4BCD-93E2-E3B085C9AB24}">
@@ -14012,101 +15376,15 @@
         </p:nvSpPr>
         <p:spPr>
           <a:xfrm>
-            <a:off x="0" y="0"/>
-            <a:ext cx="12192000" cy="6858000"/>
+            <a:off x="7189435" y="0"/>
+            <a:ext cx="1954565" cy="6858000"/>
           </a:xfrm>
           <a:prstGeom prst="rect">
             <a:avLst/>
           </a:prstGeom>
-          <a:ln w="12700" cap="flat" cmpd="sng" algn="ctr">
-            <a:noFill/>
-            <a:prstDash val="solid"/>
-            <a:miter lim="800000"/>
-          </a:ln>
-          <a:effectLst/>
-          <a:extLst>
-            <a:ext uri="{91240B29-F687-4F45-9708-019B960494DF}">
-              <a14:hiddenLine xmlns:a14="http://schemas.microsoft.com/office/drawing/2010/main" w="12700" cap="flat" cmpd="sng" algn="ctr">
-                <a:solidFill>
-                  <a:schemeClr val="accent1">
-                    <a:shade val="50000"/>
-                  </a:schemeClr>
-                </a:solidFill>
-                <a:prstDash val="solid"/>
-                <a:miter lim="800000"/>
-              </a14:hiddenLine>
-            </a:ext>
-          </a:extLst>
-        </p:spPr>
-        <p:style>
-          <a:lnRef idx="2">
-            <a:schemeClr val="accent1">
-              <a:shade val="50000"/>
-            </a:schemeClr>
-          </a:lnRef>
-          <a:fillRef idx="1">
+          <a:solidFill>
             <a:schemeClr val="accent1"/>
-          </a:fillRef>
-          <a:effectRef idx="0">
-            <a:schemeClr val="accent1"/>
-          </a:effectRef>
-          <a:fontRef idx="minor">
-            <a:schemeClr val="lt1"/>
-          </a:fontRef>
-        </p:style>
-        <p:txBody>
-          <a:bodyPr rtlCol="0" anchor="ctr"/>
-          <a:lstStyle/>
-          <a:p>
-            <a:pPr algn="ctr"/>
-            <a:endParaRPr lang="en-US"/>
-          </a:p>
-        </p:txBody>
-      </p:sp>
-      <p:sp>
-        <p:nvSpPr>
-          <p:cNvPr id="4" name="Rectangle 3">
-            <a:extLst>
-              <a:ext uri="{FF2B5EF4-FFF2-40B4-BE49-F238E27FC236}">
-                <a16:creationId xmlns:a16="http://schemas.microsoft.com/office/drawing/2014/main" id="{8C23333C-3755-43F2-0864-F1EFE71860CB}"/>
-              </a:ext>
-              <a:ext uri="{C183D7F6-B498-43B3-948B-1728B52AA6E4}">
-                <adec:decorative xmlns:adec="http://schemas.microsoft.com/office/drawing/2017/decorative" val="1"/>
-              </a:ext>
-            </a:extLst>
-          </p:cNvPr>
-          <p:cNvSpPr/>
-          <p:nvPr>
-            <p:extLst>
-              <p:ext uri="{386F3935-93C4-4BCD-93E2-E3B085C9AB24}">
-                <p16:designElem xmlns:p16="http://schemas.microsoft.com/office/powerpoint/2015/main" val="1"/>
-              </p:ext>
-            </p:extLst>
-          </p:nvPr>
-        </p:nvSpPr>
-        <p:spPr>
-          <a:xfrm flipH="1">
-            <a:off x="2" y="0"/>
-            <a:ext cx="12191998" cy="1575955"/>
-          </a:xfrm>
-          <a:prstGeom prst="rect">
-            <a:avLst/>
-          </a:prstGeom>
-          <a:gradFill>
-            <a:gsLst>
-              <a:gs pos="0">
-                <a:srgbClr val="000000">
-                  <a:alpha val="96000"/>
-                </a:srgbClr>
-              </a:gs>
-              <a:gs pos="100000">
-                <a:schemeClr val="accent1">
-                  <a:lumMod val="75000"/>
-                </a:schemeClr>
-              </a:gs>
-            </a:gsLst>
-            <a:lin ang="8400000" scaled="0"/>
-          </a:gradFill>
+          </a:solidFill>
           <a:ln>
             <a:noFill/>
           </a:ln>
@@ -14132,23 +15410,25 @@
           <a:lstStyle/>
           <a:p>
             <a:pPr algn="ctr"/>
-            <a:endParaRPr lang="en-US"/>
+            <a:endParaRPr lang="en-US" sz="1350"/>
           </a:p>
         </p:txBody>
       </p:sp>
       <p:sp>
         <p:nvSpPr>
-          <p:cNvPr id="5" name="Rectangle 4">
+          <p:cNvPr id="15" name="Oval 14">
             <a:extLst>
               <a:ext uri="{FF2B5EF4-FFF2-40B4-BE49-F238E27FC236}">
-                <a16:creationId xmlns:a16="http://schemas.microsoft.com/office/drawing/2014/main" id="{3F84EB1A-00F2-3AA5-1F1A-1D980DE8DB9B}"/>
+                <a16:creationId xmlns:a16="http://schemas.microsoft.com/office/drawing/2014/main" id="{967D8EB6-EAE1-4F9C-B398-83321E287204}"/>
               </a:ext>
               <a:ext uri="{C183D7F6-B498-43B3-948B-1728B52AA6E4}">
                 <adec:decorative xmlns:adec="http://schemas.microsoft.com/office/drawing/2017/decorative" val="1"/>
               </a:ext>
             </a:extLst>
           </p:cNvPr>
-          <p:cNvSpPr/>
+          <p:cNvSpPr>
+            <a:spLocks noGrp="1" noRot="1" noChangeAspect="1" noMove="1" noResize="1" noEditPoints="1" noAdjustHandles="1" noChangeArrowheads="1" noChangeShapeType="1" noTextEdit="1"/>
+          </p:cNvSpPr>
           <p:nvPr>
             <p:extLst>
               <p:ext uri="{386F3935-93C4-4BCD-93E2-E3B085C9AB24}">
@@ -14158,29 +15438,150 @@
           </p:nvPr>
         </p:nvSpPr>
         <p:spPr>
-          <a:xfrm rot="10800000" flipH="1">
-            <a:off x="8128857" y="0"/>
-            <a:ext cx="4063143" cy="1576412"/>
+          <a:xfrm>
+            <a:off x="6129567" y="2369132"/>
+            <a:ext cx="2119736" cy="2119736"/>
+          </a:xfrm>
+          <a:prstGeom prst="ellipse">
+            <a:avLst/>
+          </a:prstGeom>
+          <a:solidFill>
+            <a:srgbClr val="FFFFFF"/>
+          </a:solidFill>
+          <a:ln w="22225">
+            <a:solidFill>
+              <a:schemeClr val="accent1"/>
+            </a:solidFill>
+          </a:ln>
+        </p:spPr>
+        <p:style>
+          <a:lnRef idx="2">
+            <a:schemeClr val="accent1">
+              <a:shade val="50000"/>
+            </a:schemeClr>
+          </a:lnRef>
+          <a:fillRef idx="1">
+            <a:schemeClr val="accent1"/>
+          </a:fillRef>
+          <a:effectRef idx="0">
+            <a:schemeClr val="accent1"/>
+          </a:effectRef>
+          <a:fontRef idx="minor">
+            <a:schemeClr val="lt1"/>
+          </a:fontRef>
+        </p:style>
+        <p:txBody>
+          <a:bodyPr rtlCol="0" anchor="ctr"/>
+          <a:lstStyle/>
+          <a:p>
+            <a:pPr algn="ctr"/>
+            <a:endParaRPr lang="en-US" sz="1350"/>
+          </a:p>
+        </p:txBody>
+      </p:sp>
+      <p:pic>
+        <p:nvPicPr>
+          <p:cNvPr id="7" name="Graphic 6" descr="Database">
+            <a:extLst>
+              <a:ext uri="{FF2B5EF4-FFF2-40B4-BE49-F238E27FC236}">
+                <a16:creationId xmlns:a16="http://schemas.microsoft.com/office/drawing/2014/main" id="{98E3DFAA-45B6-666C-15DA-CA22281EE483}"/>
+              </a:ext>
+            </a:extLst>
+          </p:cNvPr>
+          <p:cNvPicPr>
+            <a:picLocks noChangeAspect="1"/>
+          </p:cNvPicPr>
+          <p:nvPr/>
+        </p:nvPicPr>
+        <p:blipFill>
+          <a:blip r:embed="rId2">
+            <a:extLst>
+              <a:ext uri="{28A0092B-C50C-407E-A947-70E740481C1C}">
+                <a14:useLocalDpi xmlns:a14="http://schemas.microsoft.com/office/drawing/2010/main" val="0"/>
+              </a:ext>
+              <a:ext uri="{96DAC541-7B7A-43D3-8B79-37D633B846F1}">
+                <asvg:svgBlip xmlns:asvg="http://schemas.microsoft.com/office/drawing/2016/SVG/main" r:embed="rId3"/>
+              </a:ext>
+            </a:extLst>
+          </a:blip>
+          <a:stretch>
+            <a:fillRect/>
+          </a:stretch>
+        </p:blipFill>
+        <p:spPr>
+          <a:xfrm>
+            <a:off x="6624964" y="2865141"/>
+            <a:ext cx="1143455" cy="1143455"/>
           </a:xfrm>
           <a:prstGeom prst="rect">
             <a:avLst/>
           </a:prstGeom>
-          <a:gradFill>
-            <a:gsLst>
-              <a:gs pos="19000">
-                <a:schemeClr val="accent1">
-                  <a:lumMod val="50000"/>
-                  <a:alpha val="68000"/>
-                </a:schemeClr>
-              </a:gs>
-              <a:gs pos="100000">
-                <a:schemeClr val="accent1">
-                  <a:alpha val="79000"/>
-                </a:schemeClr>
-              </a:gs>
-            </a:gsLst>
-            <a:lin ang="19200000" scaled="0"/>
-          </a:gradFill>
+        </p:spPr>
+      </p:pic>
+    </p:spTree>
+  </p:cSld>
+  <p:clrMapOvr>
+    <a:masterClrMapping/>
+  </p:clrMapOvr>
+</p:sld>
+</file>
+
+<file path=ppt/slides/slide5.xml><?xml version="1.0" encoding="utf-8"?>
+<p:sld xmlns:a="http://schemas.openxmlformats.org/drawingml/2006/main" xmlns:r="http://schemas.openxmlformats.org/officeDocument/2006/relationships" xmlns:p="http://schemas.openxmlformats.org/presentationml/2006/main">
+  <p:cSld>
+    <p:bg>
+      <p:bgPr>
+        <a:solidFill>
+          <a:schemeClr val="bg1"/>
+        </a:solidFill>
+        <a:effectLst/>
+      </p:bgPr>
+    </p:bg>
+    <p:spTree>
+      <p:nvGrpSpPr>
+        <p:cNvPr id="1" name=""/>
+        <p:cNvGrpSpPr/>
+        <p:nvPr/>
+      </p:nvGrpSpPr>
+      <p:grpSpPr>
+        <a:xfrm>
+          <a:off x="0" y="0"/>
+          <a:ext cx="0" cy="0"/>
+          <a:chOff x="0" y="0"/>
+          <a:chExt cx="0" cy="0"/>
+        </a:xfrm>
+      </p:grpSpPr>
+      <p:sp useBgFill="1">
+        <p:nvSpPr>
+          <p:cNvPr id="8" name="Rectangle 7">
+            <a:extLst>
+              <a:ext uri="{FF2B5EF4-FFF2-40B4-BE49-F238E27FC236}">
+                <a16:creationId xmlns:a16="http://schemas.microsoft.com/office/drawing/2014/main" id="{081EA652-8C6A-4E69-BEB9-170809474553}"/>
+              </a:ext>
+              <a:ext uri="{C183D7F6-B498-43B3-948B-1728B52AA6E4}">
+                <adec:decorative xmlns:adec="http://schemas.microsoft.com/office/drawing/2017/decorative" val="1"/>
+              </a:ext>
+            </a:extLst>
+          </p:cNvPr>
+          <p:cNvSpPr>
+            <a:spLocks noGrp="1" noRot="1" noChangeAspect="1" noMove="1" noResize="1" noEditPoints="1" noAdjustHandles="1" noChangeArrowheads="1" noChangeShapeType="1" noTextEdit="1"/>
+          </p:cNvSpPr>
+          <p:nvPr>
+            <p:extLst>
+              <p:ext uri="{386F3935-93C4-4BCD-93E2-E3B085C9AB24}">
+                <p16:designElem xmlns:p16="http://schemas.microsoft.com/office/powerpoint/2015/main" val="1"/>
+              </p:ext>
+            </p:extLst>
+          </p:nvPr>
+        </p:nvSpPr>
+        <p:spPr>
+          <a:xfrm>
+            <a:off x="0" y="0"/>
+            <a:ext cx="9144000" cy="6858000"/>
+          </a:xfrm>
+          <a:prstGeom prst="rect">
+            <a:avLst/>
+          </a:prstGeom>
           <a:ln>
             <a:noFill/>
           </a:ln>
@@ -14212,17 +15613,19 @@
       </p:sp>
       <p:sp>
         <p:nvSpPr>
-          <p:cNvPr id="6" name="Rectangle 5">
+          <p:cNvPr id="10" name="Right Triangle 9">
             <a:extLst>
               <a:ext uri="{FF2B5EF4-FFF2-40B4-BE49-F238E27FC236}">
-                <a16:creationId xmlns:a16="http://schemas.microsoft.com/office/drawing/2014/main" id="{F67A7249-A5AA-F14B-B8DD-177E10542974}"/>
+                <a16:creationId xmlns:a16="http://schemas.microsoft.com/office/drawing/2014/main" id="{5298780A-33B9-4EA2-8F67-DE68AD62841B}"/>
               </a:ext>
               <a:ext uri="{C183D7F6-B498-43B3-948B-1728B52AA6E4}">
                 <adec:decorative xmlns:adec="http://schemas.microsoft.com/office/drawing/2017/decorative" val="1"/>
               </a:ext>
             </a:extLst>
           </p:cNvPr>
-          <p:cNvSpPr/>
+          <p:cNvSpPr>
+            <a:spLocks noGrp="1" noRot="1" noChangeAspect="1" noMove="1" noResize="1" noEditPoints="1" noAdjustHandles="1" noChangeArrowheads="1" noChangeShapeType="1" noTextEdit="1"/>
+          </p:cNvSpPr>
           <p:nvPr>
             <p:extLst>
               <p:ext uri="{386F3935-93C4-4BCD-93E2-E3B085C9AB24}">
@@ -14232,28 +15635,16 @@
           </p:nvPr>
         </p:nvSpPr>
         <p:spPr>
-          <a:xfrm rot="5400000">
-            <a:off x="5307777" y="-5307778"/>
-            <a:ext cx="1576446" cy="12192002"/>
+          <a:xfrm flipH="1">
+            <a:off x="6432540" y="3335867"/>
+            <a:ext cx="2468880" cy="3200400"/>
           </a:xfrm>
-          <a:prstGeom prst="rect">
+          <a:prstGeom prst="rtTriangle">
             <a:avLst/>
           </a:prstGeom>
-          <a:gradFill>
-            <a:gsLst>
-              <a:gs pos="23000">
-                <a:schemeClr val="accent1">
-                  <a:alpha val="0"/>
-                </a:schemeClr>
-              </a:gs>
-              <a:gs pos="99000">
-                <a:srgbClr val="000000">
-                  <a:alpha val="74000"/>
-                </a:srgbClr>
-              </a:gs>
-            </a:gsLst>
-            <a:lin ang="20400000" scaled="0"/>
-          </a:gradFill>
+          <a:solidFill>
+            <a:schemeClr val="accent4"/>
+          </a:solidFill>
           <a:ln>
             <a:noFill/>
           </a:ln>
@@ -14285,338 +15676,49 @@
       </p:sp>
       <p:sp>
         <p:nvSpPr>
-          <p:cNvPr id="7" name="Title 1">
+          <p:cNvPr id="12" name="Rectangle 11">
             <a:extLst>
               <a:ext uri="{FF2B5EF4-FFF2-40B4-BE49-F238E27FC236}">
-                <a16:creationId xmlns:a16="http://schemas.microsoft.com/office/drawing/2014/main" id="{38D8544B-F1CF-7FCA-533C-15348C44B5FC}"/>
+                <a16:creationId xmlns:a16="http://schemas.microsoft.com/office/drawing/2014/main" id="{7F488E8B-4E1E-4402-8935-D4E6C02615C7}"/>
+              </a:ext>
+              <a:ext uri="{C183D7F6-B498-43B3-948B-1728B52AA6E4}">
+                <adec:decorative xmlns:adec="http://schemas.microsoft.com/office/drawing/2017/decorative" val="1"/>
               </a:ext>
             </a:extLst>
           </p:cNvPr>
-          <p:cNvSpPr txBox="1">
-            <a:spLocks/>
+          <p:cNvSpPr>
+            <a:spLocks noGrp="1" noRot="1" noChangeAspect="1" noMove="1" noResize="1" noEditPoints="1" noAdjustHandles="1" noChangeArrowheads="1" noChangeShapeType="1" noTextEdit="1"/>
           </p:cNvSpPr>
-          <p:nvPr/>
+          <p:nvPr>
+            <p:extLst>
+              <p:ext uri="{386F3935-93C4-4BCD-93E2-E3B085C9AB24}">
+                <p16:designElem xmlns:p16="http://schemas.microsoft.com/office/powerpoint/2015/main" val="1"/>
+              </p:ext>
+            </p:extLst>
+          </p:nvPr>
         </p:nvSpPr>
         <p:spPr>
           <a:xfrm>
-            <a:off x="457199" y="328660"/>
-            <a:ext cx="6941823" cy="877729"/>
-          </a:xfrm>
-          <a:prstGeom prst="rect">
-            <a:avLst/>
-          </a:prstGeom>
-        </p:spPr>
-        <p:txBody>
-          <a:bodyPr vert="horz" lIns="91440" tIns="45720" rIns="91440" bIns="45720" rtlCol="0" anchor="ctr">
-            <a:normAutofit/>
-          </a:bodyPr>
-          <a:lstStyle>
-            <a:lvl1pPr algn="ctr" defTabSz="457200" rtl="0" eaLnBrk="1" latinLnBrk="0" hangingPunct="1">
-              <a:spcBef>
-                <a:spcPct val="0"/>
-              </a:spcBef>
-              <a:buNone/>
-              <a:defRPr sz="4400" kern="1200">
-                <a:solidFill>
-                  <a:schemeClr val="tx1"/>
-                </a:solidFill>
-                <a:latin typeface="+mj-lt"/>
-                <a:ea typeface="+mj-ea"/>
-                <a:cs typeface="+mj-cs"/>
-              </a:defRPr>
-            </a:lvl1pPr>
-          </a:lstStyle>
-          <a:p>
-            <a:r>
-              <a:rPr lang="en-IN" sz="4000" spc="-5" dirty="0">
-                <a:solidFill>
-                  <a:srgbClr val="FFFFFF"/>
-                </a:solidFill>
-              </a:rPr>
-              <a:t>Embeddings</a:t>
-            </a:r>
-            <a:endParaRPr lang="en-IN" sz="4000" dirty="0">
-              <a:solidFill>
-                <a:srgbClr val="FFFFFF"/>
-              </a:solidFill>
-            </a:endParaRPr>
-          </a:p>
-        </p:txBody>
-      </p:sp>
-      <p:sp>
-        <p:nvSpPr>
-          <p:cNvPr id="8" name="Rectangle 7">
-            <a:extLst>
-              <a:ext uri="{FF2B5EF4-FFF2-40B4-BE49-F238E27FC236}">
-                <a16:creationId xmlns:a16="http://schemas.microsoft.com/office/drawing/2014/main" id="{713800B3-C3E3-D643-3D4D-1E7365BF89B9}"/>
-              </a:ext>
-            </a:extLst>
-          </p:cNvPr>
-          <p:cNvSpPr/>
-          <p:nvPr/>
-        </p:nvSpPr>
-        <p:spPr>
-          <a:xfrm>
-            <a:off x="242713" y="2031677"/>
-            <a:ext cx="4565568" cy="2000154"/>
-          </a:xfrm>
-          <a:prstGeom prst="rect">
-            <a:avLst/>
-          </a:prstGeom>
-        </p:spPr>
-        <p:style>
-          <a:lnRef idx="2">
-            <a:schemeClr val="accent6"/>
-          </a:lnRef>
-          <a:fillRef idx="1">
-            <a:schemeClr val="lt1"/>
-          </a:fillRef>
-          <a:effectRef idx="0">
-            <a:schemeClr val="accent6"/>
-          </a:effectRef>
-          <a:fontRef idx="minor">
-            <a:schemeClr val="dk1"/>
-          </a:fontRef>
-        </p:style>
-        <p:txBody>
-          <a:bodyPr rtlCol="0" anchor="ctr"/>
-          <a:lstStyle/>
-          <a:p>
-            <a:pPr algn="ctr" defTabSz="763707">
-              <a:spcAft>
-                <a:spcPts val="576"/>
-              </a:spcAft>
-            </a:pPr>
-            <a:r>
-              <a:rPr lang="en-US" sz="1728" kern="1200" dirty="0">
-                <a:solidFill>
-                  <a:schemeClr val="dk1"/>
-                </a:solidFill>
-                <a:latin typeface="+mn-lt"/>
-                <a:ea typeface="+mn-ea"/>
-                <a:cs typeface="+mn-cs"/>
-              </a:rPr>
-              <a:t>A text embedding can have hundreds of values, each representing a different aspect of a text’s meaning. Just as you might describe a house by its characteristics type, location, bedrooms, bathrooms, levels - the values in an embedding quantify a text’s linguistic features.</a:t>
-            </a:r>
-          </a:p>
-          <a:p>
-            <a:pPr algn="ctr" defTabSz="795528">
-              <a:spcAft>
-                <a:spcPts val="600"/>
-              </a:spcAft>
-            </a:pPr>
-            <a:endParaRPr lang="en-IN" sz="1200" dirty="0"/>
-          </a:p>
-        </p:txBody>
-      </p:sp>
-      <p:sp>
-        <p:nvSpPr>
-          <p:cNvPr id="9" name="Rectangle 8">
-            <a:extLst>
-              <a:ext uri="{FF2B5EF4-FFF2-40B4-BE49-F238E27FC236}">
-                <a16:creationId xmlns:a16="http://schemas.microsoft.com/office/drawing/2014/main" id="{30F60E17-9ACE-B46B-AF99-48E913F6B171}"/>
-              </a:ext>
-            </a:extLst>
-          </p:cNvPr>
-          <p:cNvSpPr/>
-          <p:nvPr/>
-        </p:nvSpPr>
-        <p:spPr>
-          <a:xfrm>
-            <a:off x="242714" y="4390588"/>
-            <a:ext cx="4565567" cy="1944002"/>
-          </a:xfrm>
-          <a:prstGeom prst="rect">
-            <a:avLst/>
-          </a:prstGeom>
-        </p:spPr>
-        <p:style>
-          <a:lnRef idx="2">
-            <a:schemeClr val="accent6"/>
-          </a:lnRef>
-          <a:fillRef idx="1">
-            <a:schemeClr val="lt1"/>
-          </a:fillRef>
-          <a:effectRef idx="0">
-            <a:schemeClr val="accent6"/>
-          </a:effectRef>
-          <a:fontRef idx="minor">
-            <a:schemeClr val="dk1"/>
-          </a:fontRef>
-        </p:style>
-        <p:txBody>
-          <a:bodyPr rtlCol="0" anchor="ctr"/>
-          <a:lstStyle/>
-          <a:p>
-            <a:pPr algn="ctr" defTabSz="763707">
-              <a:spcAft>
-                <a:spcPts val="576"/>
-              </a:spcAft>
-            </a:pPr>
-            <a:r>
-              <a:rPr lang="en-US" sz="1728" kern="1200" dirty="0">
-                <a:solidFill>
-                  <a:srgbClr val="000000"/>
-                </a:solidFill>
-                <a:latin typeface="Calibri" panose="020F0502020204030204" pitchFamily="34" charset="0"/>
-                <a:ea typeface="+mn-ea"/>
-                <a:cs typeface="+mn-cs"/>
-              </a:rPr>
-              <a:t>The way these characteristics are “learned” </a:t>
-            </a:r>
-            <a:r>
-              <a:rPr lang="en-US" sz="1728" dirty="0">
-                <a:solidFill>
-                  <a:srgbClr val="000000"/>
-                </a:solidFill>
-                <a:latin typeface="Calibri" panose="020F0502020204030204" pitchFamily="34" charset="0"/>
-              </a:rPr>
-              <a:t>via training</a:t>
-            </a:r>
-            <a:r>
-              <a:rPr lang="en-US" sz="1728" kern="1200" dirty="0">
-                <a:solidFill>
-                  <a:srgbClr val="000000"/>
-                </a:solidFill>
-                <a:latin typeface="Calibri" panose="020F0502020204030204" pitchFamily="34" charset="0"/>
-                <a:ea typeface="+mn-ea"/>
-                <a:cs typeface="+mn-cs"/>
-              </a:rPr>
-              <a:t> means we don't know exactly what each value represents, but words we expect to be used in comparable ways often have similar-looking embeddings.</a:t>
-            </a:r>
-            <a:endParaRPr lang="en-IN" sz="2000" dirty="0"/>
-          </a:p>
-        </p:txBody>
-      </p:sp>
-      <p:sp>
-        <p:nvSpPr>
-          <p:cNvPr id="10" name="Rectangle 9">
-            <a:extLst>
-              <a:ext uri="{FF2B5EF4-FFF2-40B4-BE49-F238E27FC236}">
-                <a16:creationId xmlns:a16="http://schemas.microsoft.com/office/drawing/2014/main" id="{F3474F29-6C74-5C27-A5F5-7625DAE73FFA}"/>
-              </a:ext>
-            </a:extLst>
-          </p:cNvPr>
-          <p:cNvSpPr/>
-          <p:nvPr/>
-        </p:nvSpPr>
-        <p:spPr>
-          <a:xfrm>
-            <a:off x="5749922" y="2031677"/>
-            <a:ext cx="2563498" cy="4302913"/>
-          </a:xfrm>
-          <a:prstGeom prst="rect">
-            <a:avLst/>
-          </a:prstGeom>
-        </p:spPr>
-        <p:style>
-          <a:lnRef idx="2">
-            <a:schemeClr val="accent6"/>
-          </a:lnRef>
-          <a:fillRef idx="1">
-            <a:schemeClr val="lt1"/>
-          </a:fillRef>
-          <a:effectRef idx="0">
-            <a:schemeClr val="accent6"/>
-          </a:effectRef>
-          <a:fontRef idx="minor">
-            <a:schemeClr val="dk1"/>
-          </a:fontRef>
-        </p:style>
-        <p:txBody>
-          <a:bodyPr rtlCol="0" anchor="ctr"/>
-          <a:lstStyle/>
-          <a:p>
-            <a:pPr algn="ctr" defTabSz="763707">
-              <a:spcAft>
-                <a:spcPts val="576"/>
-              </a:spcAft>
-            </a:pPr>
-            <a:r>
-              <a:rPr lang="en-US" sz="1728" kern="1200">
-                <a:solidFill>
-                  <a:schemeClr val="dk1"/>
-                </a:solidFill>
-                <a:latin typeface="+mn-lt"/>
-                <a:ea typeface="+mn-ea"/>
-                <a:cs typeface="+mn-cs"/>
-              </a:rPr>
-              <a:t>A pair of words like </a:t>
-            </a:r>
-            <a:r>
-              <a:rPr lang="en-US" sz="1728" b="1" kern="1200">
-                <a:solidFill>
-                  <a:schemeClr val="dk1"/>
-                </a:solidFill>
-                <a:latin typeface="+mn-lt"/>
-                <a:ea typeface="+mn-ea"/>
-                <a:cs typeface="+mn-cs"/>
-              </a:rPr>
-              <a:t>sea</a:t>
-            </a:r>
-            <a:r>
-              <a:rPr lang="en-US" sz="1728" kern="1200">
-                <a:solidFill>
-                  <a:schemeClr val="dk1"/>
-                </a:solidFill>
-                <a:latin typeface="+mn-lt"/>
-                <a:ea typeface="+mn-ea"/>
-                <a:cs typeface="+mn-cs"/>
-              </a:rPr>
-              <a:t> and </a:t>
-            </a:r>
-            <a:r>
-              <a:rPr lang="en-US" sz="1728" b="1" kern="1200">
-                <a:solidFill>
-                  <a:schemeClr val="dk1"/>
-                </a:solidFill>
-                <a:latin typeface="+mn-lt"/>
-                <a:ea typeface="+mn-ea"/>
-                <a:cs typeface="+mn-cs"/>
-              </a:rPr>
-              <a:t>ocean</a:t>
-            </a:r>
-            <a:r>
-              <a:rPr lang="en-US" sz="1728" kern="1200">
-                <a:solidFill>
-                  <a:schemeClr val="dk1"/>
-                </a:solidFill>
-                <a:latin typeface="+mn-lt"/>
-                <a:ea typeface="+mn-ea"/>
-                <a:cs typeface="+mn-cs"/>
-              </a:rPr>
-              <a:t> may not be used in identical contexts (we say ‘lost at sea’, not ‘lost at ocean’ so they aren’t always direct substitutes), but their meanings are close to each other, and embeddings allow us to quantify that closeness using mathematical measurements of ‘distance’.</a:t>
-            </a:r>
-            <a:endParaRPr lang="en-IN"/>
-          </a:p>
-        </p:txBody>
-      </p:sp>
-      <p:sp>
-        <p:nvSpPr>
-          <p:cNvPr id="11" name="Rectangle 10">
-            <a:extLst>
-              <a:ext uri="{FF2B5EF4-FFF2-40B4-BE49-F238E27FC236}">
-                <a16:creationId xmlns:a16="http://schemas.microsoft.com/office/drawing/2014/main" id="{FA2D555B-104E-AE75-B283-4DCAB281A460}"/>
-              </a:ext>
-            </a:extLst>
-          </p:cNvPr>
-          <p:cNvSpPr/>
-          <p:nvPr/>
-        </p:nvSpPr>
-        <p:spPr>
-          <a:xfrm>
-            <a:off x="4993148" y="2105360"/>
-            <a:ext cx="528196" cy="260156"/>
+            <a:off x="481330" y="623275"/>
+            <a:ext cx="8178790" cy="5607882"/>
           </a:xfrm>
           <a:prstGeom prst="rect">
             <a:avLst/>
           </a:prstGeom>
           <a:noFill/>
+          <a:ln w="19050">
+            <a:solidFill>
+              <a:schemeClr val="tx1">
+                <a:lumMod val="75000"/>
+                <a:lumOff val="25000"/>
+              </a:schemeClr>
+            </a:solidFill>
+          </a:ln>
         </p:spPr>
         <p:style>
           <a:lnRef idx="2">
             <a:schemeClr val="accent1">
-              <a:shade val="15000"/>
+              <a:shade val="50000"/>
             </a:schemeClr>
           </a:lnRef>
           <a:fillRef idx="1">
@@ -14633,56 +15735,290 @@
           <a:bodyPr rtlCol="0" anchor="ctr"/>
           <a:lstStyle/>
           <a:p>
-            <a:pPr algn="ctr" defTabSz="763707">
-              <a:spcAft>
-                <a:spcPts val="576"/>
-              </a:spcAft>
-            </a:pPr>
-            <a:r>
-              <a:rPr lang="en-IN" sz="1336" kern="1200">
-                <a:solidFill>
-                  <a:schemeClr val="tx1"/>
-                </a:solidFill>
-                <a:latin typeface="Calibri" panose="020F0502020204030204" pitchFamily="34" charset="0"/>
-                <a:ea typeface="+mn-ea"/>
-                <a:cs typeface="+mn-cs"/>
-              </a:rPr>
-              <a:t>work</a:t>
-            </a:r>
-            <a:endParaRPr lang="en-IN" sz="1600">
-              <a:solidFill>
-                <a:schemeClr val="tx1"/>
-              </a:solidFill>
-            </a:endParaRPr>
+            <a:pPr algn="ctr"/>
+            <a:endParaRPr lang="en-US"/>
           </a:p>
         </p:txBody>
       </p:sp>
       <p:sp>
         <p:nvSpPr>
-          <p:cNvPr id="12" name="Rectangle 11">
+          <p:cNvPr id="2" name="Title 1"/>
+          <p:cNvSpPr>
+            <a:spLocks noGrp="1"/>
+          </p:cNvSpPr>
+          <p:nvPr>
+            <p:ph type="title"/>
+          </p:nvPr>
+        </p:nvSpPr>
+        <p:spPr>
+          <a:xfrm>
+            <a:off x="806825" y="1188637"/>
+            <a:ext cx="2241175" cy="4480726"/>
+          </a:xfrm>
+        </p:spPr>
+        <p:txBody>
+          <a:bodyPr>
+            <a:normAutofit/>
+          </a:bodyPr>
+          <a:lstStyle/>
+          <a:p>
+            <a:pPr algn="r">
+              <a:lnSpc>
+                <a:spcPct val="90000"/>
+              </a:lnSpc>
+            </a:pPr>
+            <a:r>
+              <a:rPr lang="en-US" sz="3600"/>
+              <a:t>How Text Becomes Searchable</a:t>
+            </a:r>
+          </a:p>
+        </p:txBody>
+      </p:sp>
+      <p:cxnSp>
+        <p:nvCxnSpPr>
+          <p:cNvPr id="14" name="Straight Connector 13">
             <a:extLst>
               <a:ext uri="{FF2B5EF4-FFF2-40B4-BE49-F238E27FC236}">
-                <a16:creationId xmlns:a16="http://schemas.microsoft.com/office/drawing/2014/main" id="{1316C31B-8021-3679-AC0A-268FCE286AE5}"/>
+                <a16:creationId xmlns:a16="http://schemas.microsoft.com/office/drawing/2014/main" id="{23AAC9B5-8015-485C-ACF9-A750390E9A56}"/>
+              </a:ext>
+              <a:ext uri="{C183D7F6-B498-43B3-948B-1728B52AA6E4}">
+                <adec:decorative xmlns:adec="http://schemas.microsoft.com/office/drawing/2017/decorative" val="1"/>
               </a:ext>
             </a:extLst>
           </p:cNvPr>
-          <p:cNvSpPr/>
-          <p:nvPr/>
+          <p:cNvCxnSpPr>
+            <a:cxnSpLocks noGrp="1" noRot="1" noChangeAspect="1" noMove="1" noResize="1" noEditPoints="1" noAdjustHandles="1" noChangeArrowheads="1" noChangeShapeType="1"/>
+          </p:cNvCxnSpPr>
+          <p:nvPr>
+            <p:extLst>
+              <p:ext uri="{386F3935-93C4-4BCD-93E2-E3B085C9AB24}">
+                <p16:designElem xmlns:p16="http://schemas.microsoft.com/office/powerpoint/2015/main" val="1"/>
+              </p:ext>
+            </p:extLst>
+          </p:nvPr>
+        </p:nvCxnSpPr>
+        <p:spPr>
+          <a:xfrm>
+            <a:off x="3490722" y="1852863"/>
+            <a:ext cx="0" cy="3236495"/>
+          </a:xfrm>
+          <a:prstGeom prst="line">
+            <a:avLst/>
+          </a:prstGeom>
+          <a:ln w="19050" cap="sq">
+            <a:solidFill>
+              <a:schemeClr val="tx1">
+                <a:lumMod val="75000"/>
+                <a:lumOff val="25000"/>
+              </a:schemeClr>
+            </a:solidFill>
+          </a:ln>
+        </p:spPr>
+        <p:style>
+          <a:lnRef idx="1">
+            <a:schemeClr val="accent1"/>
+          </a:lnRef>
+          <a:fillRef idx="0">
+            <a:schemeClr val="accent1"/>
+          </a:fillRef>
+          <a:effectRef idx="0">
+            <a:schemeClr val="accent1"/>
+          </a:effectRef>
+          <a:fontRef idx="minor">
+            <a:schemeClr val="tx1"/>
+          </a:fontRef>
+        </p:style>
+      </p:cxnSp>
+      <p:sp>
+        <p:nvSpPr>
+          <p:cNvPr id="3" name="Content Placeholder 2"/>
+          <p:cNvSpPr>
+            <a:spLocks noGrp="1"/>
+          </p:cNvSpPr>
+          <p:nvPr>
+            <p:ph idx="1"/>
+          </p:nvPr>
         </p:nvSpPr>
         <p:spPr>
           <a:xfrm>
-            <a:off x="4993148" y="3815193"/>
-            <a:ext cx="528196" cy="260156"/>
+            <a:off x="3941445" y="1648870"/>
+            <a:ext cx="3527136" cy="3560260"/>
+          </a:xfrm>
+        </p:spPr>
+        <p:txBody>
+          <a:bodyPr anchor="ctr">
+            <a:normAutofit/>
+          </a:bodyPr>
+          <a:lstStyle/>
+          <a:p>
+            <a:pPr lvl="0">
+              <a:lnSpc>
+                <a:spcPct val="90000"/>
+              </a:lnSpc>
+            </a:pPr>
+            <a:r>
+              <a:rPr lang="en-US" sz="1200" b="1"/>
+              <a:t>Embeddings convert text to high-dimensional vectors</a:t>
+            </a:r>
+            <a:r>
+              <a:rPr lang="en-US" sz="1200"/>
+              <a:t> </a:t>
+            </a:r>
+            <a:r>
+              <a:rPr lang="en-US" sz="1200" b="1"/>
+              <a:t>using a specially trained model</a:t>
+            </a:r>
+          </a:p>
+          <a:p>
+            <a:pPr lvl="0">
+              <a:lnSpc>
+                <a:spcPct val="90000"/>
+              </a:lnSpc>
+            </a:pPr>
+            <a:r>
+              <a:rPr lang="en-US" sz="1200" b="1"/>
+              <a:t>Semantic similarity</a:t>
+            </a:r>
+            <a:r>
+              <a:rPr lang="en-US" sz="1200"/>
+              <a:t> via cosine distance (similar ‘meaning’ = similar vectors)</a:t>
+            </a:r>
+          </a:p>
+          <a:p>
+            <a:pPr lvl="0">
+              <a:lnSpc>
+                <a:spcPct val="90000"/>
+              </a:lnSpc>
+            </a:pPr>
+            <a:r>
+              <a:rPr lang="en-US" sz="1200" b="1"/>
+              <a:t>Combined fields</a:t>
+            </a:r>
+            <a:r>
+              <a:rPr lang="en-US" sz="1200"/>
+              <a:t> (subject + body + answer) capture full problem→solution pattern</a:t>
+            </a:r>
+          </a:p>
+          <a:p>
+            <a:pPr lvl="0">
+              <a:lnSpc>
+                <a:spcPct val="90000"/>
+              </a:lnSpc>
+            </a:pPr>
+            <a:r>
+              <a:rPr lang="en-US" sz="1200" b="1"/>
+              <a:t>ChromaDB vector database</a:t>
+            </a:r>
+            <a:r>
+              <a:rPr lang="en-US" sz="1200"/>
+              <a:t> enables fast similarity search across thousands of tickets</a:t>
+            </a:r>
+          </a:p>
+          <a:p>
+            <a:pPr marL="0" indent="0">
+              <a:lnSpc>
+                <a:spcPct val="90000"/>
+              </a:lnSpc>
+              <a:spcBef>
+                <a:spcPts val="3000"/>
+              </a:spcBef>
+              <a:buNone/>
+            </a:pPr>
+            <a:r>
+              <a:rPr lang="en-US" sz="1200" b="1"/>
+              <a:t>Example Vectors:</a:t>
+            </a:r>
+          </a:p>
+          <a:p>
+            <a:pPr indent="0">
+              <a:lnSpc>
+                <a:spcPct val="90000"/>
+              </a:lnSpc>
+              <a:buNone/>
+            </a:pPr>
+            <a:r>
+              <a:rPr lang="en-US" sz="1200">
+                <a:latin typeface="Courier"/>
+              </a:rPr>
+              <a:t>"VPN connection failed" → [0.12, -0.34, 0.56, ...]
+"Cannot connect to VPN" → [0.11, -0.33, 0.58, ...]  ← Very similar!
+"Printer not working" → [-0.45, 0.78, -0.12, ...]  ← Different</a:t>
+            </a:r>
+          </a:p>
+        </p:txBody>
+      </p:sp>
+    </p:spTree>
+  </p:cSld>
+  <p:clrMapOvr>
+    <a:masterClrMapping/>
+  </p:clrMapOvr>
+</p:sld>
+</file>
+
+<file path=ppt/slides/slide6.xml><?xml version="1.0" encoding="utf-8"?>
+<p:sld xmlns:a="http://schemas.openxmlformats.org/drawingml/2006/main" xmlns:r="http://schemas.openxmlformats.org/officeDocument/2006/relationships" xmlns:p="http://schemas.openxmlformats.org/presentationml/2006/main">
+  <p:cSld>
+    <p:bg>
+      <p:bgPr>
+        <a:solidFill>
+          <a:schemeClr val="bg1"/>
+        </a:solidFill>
+        <a:effectLst/>
+      </p:bgPr>
+    </p:bg>
+    <p:spTree>
+      <p:nvGrpSpPr>
+        <p:cNvPr id="1" name=""/>
+        <p:cNvGrpSpPr/>
+        <p:nvPr/>
+      </p:nvGrpSpPr>
+      <p:grpSpPr>
+        <a:xfrm>
+          <a:off x="0" y="0"/>
+          <a:ext cx="0" cy="0"/>
+          <a:chOff x="0" y="0"/>
+          <a:chExt cx="0" cy="0"/>
+        </a:xfrm>
+      </p:grpSpPr>
+      <p:sp useBgFill="1">
+        <p:nvSpPr>
+          <p:cNvPr id="8" name="Rectangle 7">
+            <a:extLst>
+              <a:ext uri="{FF2B5EF4-FFF2-40B4-BE49-F238E27FC236}">
+                <a16:creationId xmlns:a16="http://schemas.microsoft.com/office/drawing/2014/main" id="{081EA652-8C6A-4E69-BEB9-170809474553}"/>
+              </a:ext>
+              <a:ext uri="{C183D7F6-B498-43B3-948B-1728B52AA6E4}">
+                <adec:decorative xmlns:adec="http://schemas.microsoft.com/office/drawing/2017/decorative" val="1"/>
+              </a:ext>
+            </a:extLst>
+          </p:cNvPr>
+          <p:cNvSpPr>
+            <a:spLocks noGrp="1" noRot="1" noChangeAspect="1" noMove="1" noResize="1" noEditPoints="1" noAdjustHandles="1" noChangeArrowheads="1" noChangeShapeType="1" noTextEdit="1"/>
+          </p:cNvSpPr>
+          <p:nvPr>
+            <p:extLst>
+              <p:ext uri="{386F3935-93C4-4BCD-93E2-E3B085C9AB24}">
+                <p16:designElem xmlns:p16="http://schemas.microsoft.com/office/powerpoint/2015/main" val="1"/>
+              </p:ext>
+            </p:extLst>
+          </p:nvPr>
+        </p:nvSpPr>
+        <p:spPr>
+          <a:xfrm>
+            <a:off x="0" y="0"/>
+            <a:ext cx="9144000" cy="6858000"/>
           </a:xfrm>
           <a:prstGeom prst="rect">
             <a:avLst/>
           </a:prstGeom>
-          <a:noFill/>
+          <a:ln>
+            <a:noFill/>
+          </a:ln>
         </p:spPr>
         <p:style>
           <a:lnRef idx="2">
             <a:schemeClr val="accent1">
-              <a:shade val="15000"/>
+              <a:shade val="50000"/>
             </a:schemeClr>
           </a:lnRef>
           <a:fillRef idx="1">
@@ -14699,56 +16035,53 @@
           <a:bodyPr rtlCol="0" anchor="ctr"/>
           <a:lstStyle/>
           <a:p>
-            <a:pPr algn="ctr" defTabSz="763707">
-              <a:spcAft>
-                <a:spcPts val="576"/>
-              </a:spcAft>
-            </a:pPr>
-            <a:r>
-              <a:rPr lang="en-IN" sz="1336" kern="1200">
-                <a:solidFill>
-                  <a:schemeClr val="tx1"/>
-                </a:solidFill>
-                <a:latin typeface="Calibri" panose="020F0502020204030204" pitchFamily="34" charset="0"/>
-                <a:ea typeface="+mn-ea"/>
-                <a:cs typeface="+mn-cs"/>
-              </a:rPr>
-              <a:t>Sea</a:t>
-            </a:r>
-            <a:endParaRPr lang="en-IN" sz="1600">
-              <a:solidFill>
-                <a:schemeClr val="tx1"/>
-              </a:solidFill>
-            </a:endParaRPr>
+            <a:pPr algn="ctr"/>
+            <a:endParaRPr lang="en-US"/>
           </a:p>
         </p:txBody>
       </p:sp>
       <p:sp>
         <p:nvSpPr>
-          <p:cNvPr id="13" name="Rectangle 12">
+          <p:cNvPr id="10" name="Right Triangle 9">
             <a:extLst>
               <a:ext uri="{FF2B5EF4-FFF2-40B4-BE49-F238E27FC236}">
-                <a16:creationId xmlns:a16="http://schemas.microsoft.com/office/drawing/2014/main" id="{54474095-A85C-75C4-C3B1-183D8074711A}"/>
+                <a16:creationId xmlns:a16="http://schemas.microsoft.com/office/drawing/2014/main" id="{5298780A-33B9-4EA2-8F67-DE68AD62841B}"/>
+              </a:ext>
+              <a:ext uri="{C183D7F6-B498-43B3-948B-1728B52AA6E4}">
+                <adec:decorative xmlns:adec="http://schemas.microsoft.com/office/drawing/2017/decorative" val="1"/>
               </a:ext>
             </a:extLst>
           </p:cNvPr>
-          <p:cNvSpPr/>
-          <p:nvPr/>
+          <p:cNvSpPr>
+            <a:spLocks noGrp="1" noRot="1" noChangeAspect="1" noMove="1" noResize="1" noEditPoints="1" noAdjustHandles="1" noChangeArrowheads="1" noChangeShapeType="1" noTextEdit="1"/>
+          </p:cNvSpPr>
+          <p:nvPr>
+            <p:extLst>
+              <p:ext uri="{386F3935-93C4-4BCD-93E2-E3B085C9AB24}">
+                <p16:designElem xmlns:p16="http://schemas.microsoft.com/office/powerpoint/2015/main" val="1"/>
+              </p:ext>
+            </p:extLst>
+          </p:nvPr>
         </p:nvSpPr>
         <p:spPr>
-          <a:xfrm>
-            <a:off x="4993148" y="4142358"/>
-            <a:ext cx="528196" cy="260156"/>
+          <a:xfrm flipH="1">
+            <a:off x="6432540" y="3335867"/>
+            <a:ext cx="2468880" cy="3200400"/>
           </a:xfrm>
-          <a:prstGeom prst="rect">
+          <a:prstGeom prst="rtTriangle">
             <a:avLst/>
           </a:prstGeom>
-          <a:noFill/>
+          <a:solidFill>
+            <a:schemeClr val="accent4"/>
+          </a:solidFill>
+          <a:ln>
+            <a:noFill/>
+          </a:ln>
         </p:spPr>
         <p:style>
           <a:lnRef idx="2">
             <a:schemeClr val="accent1">
-              <a:shade val="15000"/>
+              <a:shade val="50000"/>
             </a:schemeClr>
           </a:lnRef>
           <a:fillRef idx="1">
@@ -14765,56 +16098,56 @@
           <a:bodyPr rtlCol="0" anchor="ctr"/>
           <a:lstStyle/>
           <a:p>
-            <a:pPr algn="ctr" defTabSz="763707">
-              <a:spcAft>
-                <a:spcPts val="576"/>
-              </a:spcAft>
-            </a:pPr>
-            <a:r>
-              <a:rPr lang="en-IN" sz="1002" kern="1200">
-                <a:solidFill>
-                  <a:schemeClr val="tx1"/>
-                </a:solidFill>
-                <a:latin typeface="Calibri" panose="020F0502020204030204" pitchFamily="34" charset="0"/>
-                <a:ea typeface="+mn-ea"/>
-                <a:cs typeface="+mn-cs"/>
-              </a:rPr>
-              <a:t>Ocean</a:t>
-            </a:r>
-            <a:endParaRPr lang="en-IN" sz="1200">
-              <a:solidFill>
-                <a:schemeClr val="tx1"/>
-              </a:solidFill>
-            </a:endParaRPr>
+            <a:pPr algn="ctr"/>
+            <a:endParaRPr lang="en-US" dirty="0"/>
           </a:p>
         </p:txBody>
       </p:sp>
       <p:sp>
         <p:nvSpPr>
-          <p:cNvPr id="14" name="Rectangle 13">
+          <p:cNvPr id="12" name="Rectangle 11">
             <a:extLst>
               <a:ext uri="{FF2B5EF4-FFF2-40B4-BE49-F238E27FC236}">
-                <a16:creationId xmlns:a16="http://schemas.microsoft.com/office/drawing/2014/main" id="{C459C137-8735-BFAD-2FF1-38168B58C6FE}"/>
+                <a16:creationId xmlns:a16="http://schemas.microsoft.com/office/drawing/2014/main" id="{7F488E8B-4E1E-4402-8935-D4E6C02615C7}"/>
+              </a:ext>
+              <a:ext uri="{C183D7F6-B498-43B3-948B-1728B52AA6E4}">
+                <adec:decorative xmlns:adec="http://schemas.microsoft.com/office/drawing/2017/decorative" val="1"/>
               </a:ext>
             </a:extLst>
           </p:cNvPr>
-          <p:cNvSpPr/>
-          <p:nvPr/>
+          <p:cNvSpPr>
+            <a:spLocks noGrp="1" noRot="1" noChangeAspect="1" noMove="1" noResize="1" noEditPoints="1" noAdjustHandles="1" noChangeArrowheads="1" noChangeShapeType="1" noTextEdit="1"/>
+          </p:cNvSpPr>
+          <p:nvPr>
+            <p:extLst>
+              <p:ext uri="{386F3935-93C4-4BCD-93E2-E3B085C9AB24}">
+                <p16:designElem xmlns:p16="http://schemas.microsoft.com/office/powerpoint/2015/main" val="1"/>
+              </p:ext>
+            </p:extLst>
+          </p:nvPr>
         </p:nvSpPr>
         <p:spPr>
           <a:xfrm>
-            <a:off x="4993148" y="4702088"/>
-            <a:ext cx="667407" cy="260156"/>
+            <a:off x="481330" y="623275"/>
+            <a:ext cx="8178790" cy="5607882"/>
           </a:xfrm>
           <a:prstGeom prst="rect">
             <a:avLst/>
           </a:prstGeom>
           <a:noFill/>
+          <a:ln w="19050">
+            <a:solidFill>
+              <a:schemeClr val="tx1">
+                <a:lumMod val="75000"/>
+                <a:lumOff val="25000"/>
+              </a:schemeClr>
+            </a:solidFill>
+          </a:ln>
         </p:spPr>
         <p:style>
           <a:lnRef idx="2">
             <a:schemeClr val="accent1">
-              <a:shade val="15000"/>
+              <a:shade val="50000"/>
             </a:schemeClr>
           </a:lnRef>
           <a:fillRef idx="1">
@@ -14831,267 +16164,14 @@
           <a:bodyPr rtlCol="0" anchor="ctr"/>
           <a:lstStyle/>
           <a:p>
-            <a:pPr algn="ctr" defTabSz="763707">
-              <a:spcAft>
-                <a:spcPts val="576"/>
-              </a:spcAft>
-            </a:pPr>
-            <a:r>
-              <a:rPr lang="en-IN" sz="919" kern="1200">
-                <a:solidFill>
-                  <a:schemeClr val="tx1"/>
-                </a:solidFill>
-                <a:latin typeface="Calibri" panose="020F0502020204030204" pitchFamily="34" charset="0"/>
-                <a:ea typeface="+mn-ea"/>
-                <a:cs typeface="+mn-cs"/>
-              </a:rPr>
-              <a:t>football</a:t>
-            </a:r>
-            <a:endParaRPr lang="en-IN" sz="1100">
-              <a:solidFill>
-                <a:schemeClr val="tx1"/>
-              </a:solidFill>
-            </a:endParaRPr>
+            <a:pPr algn="ctr"/>
+            <a:endParaRPr lang="en-US"/>
           </a:p>
         </p:txBody>
       </p:sp>
       <p:sp>
         <p:nvSpPr>
-          <p:cNvPr id="15" name="Rectangle 14">
-            <a:extLst>
-              <a:ext uri="{FF2B5EF4-FFF2-40B4-BE49-F238E27FC236}">
-                <a16:creationId xmlns:a16="http://schemas.microsoft.com/office/drawing/2014/main" id="{587A9F5D-45A3-9240-1E50-BFFF4C2100DA}"/>
-              </a:ext>
-            </a:extLst>
-          </p:cNvPr>
-          <p:cNvSpPr/>
-          <p:nvPr/>
-        </p:nvSpPr>
-        <p:spPr>
-          <a:xfrm>
-            <a:off x="4993150" y="5033196"/>
-            <a:ext cx="528196" cy="260156"/>
-          </a:xfrm>
-          <a:prstGeom prst="rect">
-            <a:avLst/>
-          </a:prstGeom>
-          <a:noFill/>
-        </p:spPr>
-        <p:style>
-          <a:lnRef idx="2">
-            <a:schemeClr val="accent1">
-              <a:shade val="15000"/>
-            </a:schemeClr>
-          </a:lnRef>
-          <a:fillRef idx="1">
-            <a:schemeClr val="accent1"/>
-          </a:fillRef>
-          <a:effectRef idx="0">
-            <a:schemeClr val="accent1"/>
-          </a:effectRef>
-          <a:fontRef idx="minor">
-            <a:schemeClr val="lt1"/>
-          </a:fontRef>
-        </p:style>
-        <p:txBody>
-          <a:bodyPr rtlCol="0" anchor="ctr"/>
-          <a:lstStyle/>
-          <a:p>
-            <a:pPr algn="ctr" defTabSz="763707">
-              <a:spcAft>
-                <a:spcPts val="576"/>
-              </a:spcAft>
-            </a:pPr>
-            <a:r>
-              <a:rPr lang="en-IN" sz="1002" kern="1200">
-                <a:solidFill>
-                  <a:schemeClr val="tx1"/>
-                </a:solidFill>
-                <a:latin typeface="Calibri" panose="020F0502020204030204" pitchFamily="34" charset="0"/>
-                <a:ea typeface="+mn-ea"/>
-                <a:cs typeface="+mn-cs"/>
-              </a:rPr>
-              <a:t>Soccer</a:t>
-            </a:r>
-            <a:endParaRPr lang="en-IN" sz="1200">
-              <a:solidFill>
-                <a:schemeClr val="tx1"/>
-              </a:solidFill>
-            </a:endParaRPr>
-          </a:p>
-        </p:txBody>
-      </p:sp>
-      <p:sp>
-        <p:nvSpPr>
-          <p:cNvPr id="16" name="Rectangle 15">
-            <a:extLst>
-              <a:ext uri="{FF2B5EF4-FFF2-40B4-BE49-F238E27FC236}">
-                <a16:creationId xmlns:a16="http://schemas.microsoft.com/office/drawing/2014/main" id="{0BA76A7C-1E58-378D-879A-D035A9036204}"/>
-              </a:ext>
-            </a:extLst>
-          </p:cNvPr>
-          <p:cNvSpPr/>
-          <p:nvPr/>
-        </p:nvSpPr>
-        <p:spPr>
-          <a:xfrm>
-            <a:off x="4993148" y="5553509"/>
-            <a:ext cx="528196" cy="260156"/>
-          </a:xfrm>
-          <a:prstGeom prst="rect">
-            <a:avLst/>
-          </a:prstGeom>
-          <a:noFill/>
-        </p:spPr>
-        <p:style>
-          <a:lnRef idx="2">
-            <a:schemeClr val="accent1">
-              <a:shade val="15000"/>
-            </a:schemeClr>
-          </a:lnRef>
-          <a:fillRef idx="1">
-            <a:schemeClr val="accent1"/>
-          </a:fillRef>
-          <a:effectRef idx="0">
-            <a:schemeClr val="accent1"/>
-          </a:effectRef>
-          <a:fontRef idx="minor">
-            <a:schemeClr val="lt1"/>
-          </a:fontRef>
-        </p:style>
-        <p:txBody>
-          <a:bodyPr rtlCol="0" anchor="ctr"/>
-          <a:lstStyle/>
-          <a:p>
-            <a:pPr algn="ctr" defTabSz="763707">
-              <a:spcAft>
-                <a:spcPts val="576"/>
-              </a:spcAft>
-            </a:pPr>
-            <a:r>
-              <a:rPr lang="en-IN" sz="1336" kern="1200">
-                <a:solidFill>
-                  <a:schemeClr val="tx1"/>
-                </a:solidFill>
-                <a:latin typeface="Calibri" panose="020F0502020204030204" pitchFamily="34" charset="0"/>
-                <a:ea typeface="+mn-ea"/>
-                <a:cs typeface="+mn-cs"/>
-              </a:rPr>
-              <a:t>I</a:t>
-            </a:r>
-            <a:endParaRPr lang="en-IN" sz="1600">
-              <a:solidFill>
-                <a:schemeClr val="tx1"/>
-              </a:solidFill>
-            </a:endParaRPr>
-          </a:p>
-        </p:txBody>
-      </p:sp>
-      <p:sp>
-        <p:nvSpPr>
-          <p:cNvPr id="17" name="Rectangle 16">
-            <a:extLst>
-              <a:ext uri="{FF2B5EF4-FFF2-40B4-BE49-F238E27FC236}">
-                <a16:creationId xmlns:a16="http://schemas.microsoft.com/office/drawing/2014/main" id="{1F5D577C-7B9B-F194-6A38-7CCA2039D2CE}"/>
-              </a:ext>
-            </a:extLst>
-          </p:cNvPr>
-          <p:cNvSpPr/>
-          <p:nvPr/>
-        </p:nvSpPr>
-        <p:spPr>
-          <a:xfrm>
-            <a:off x="4993149" y="5884616"/>
-            <a:ext cx="528196" cy="260156"/>
-          </a:xfrm>
-          <a:prstGeom prst="rect">
-            <a:avLst/>
-          </a:prstGeom>
-          <a:noFill/>
-        </p:spPr>
-        <p:style>
-          <a:lnRef idx="2">
-            <a:schemeClr val="accent1">
-              <a:shade val="15000"/>
-            </a:schemeClr>
-          </a:lnRef>
-          <a:fillRef idx="1">
-            <a:schemeClr val="accent1"/>
-          </a:fillRef>
-          <a:effectRef idx="0">
-            <a:schemeClr val="accent1"/>
-          </a:effectRef>
-          <a:fontRef idx="minor">
-            <a:schemeClr val="lt1"/>
-          </a:fontRef>
-        </p:style>
-        <p:txBody>
-          <a:bodyPr rtlCol="0" anchor="ctr"/>
-          <a:lstStyle/>
-          <a:p>
-            <a:pPr algn="ctr" defTabSz="763707">
-              <a:spcAft>
-                <a:spcPts val="576"/>
-              </a:spcAft>
-            </a:pPr>
-            <a:r>
-              <a:rPr lang="en-IN" sz="1169" kern="1200">
-                <a:solidFill>
-                  <a:schemeClr val="tx1"/>
-                </a:solidFill>
-                <a:latin typeface="Calibri" panose="020F0502020204030204" pitchFamily="34" charset="0"/>
-                <a:ea typeface="+mn-ea"/>
-                <a:cs typeface="+mn-cs"/>
-              </a:rPr>
-              <a:t>We</a:t>
-            </a:r>
-            <a:endParaRPr lang="en-IN" sz="1400">
-              <a:solidFill>
-                <a:schemeClr val="tx1"/>
-              </a:solidFill>
-            </a:endParaRPr>
-          </a:p>
-        </p:txBody>
-      </p:sp>
-    </p:spTree>
-    <p:extLst>
-      <p:ext uri="{BB962C8B-B14F-4D97-AF65-F5344CB8AC3E}">
-        <p14:creationId xmlns:p14="http://schemas.microsoft.com/office/powerpoint/2010/main" val="1654338866"/>
-      </p:ext>
-    </p:extLst>
-  </p:cSld>
-  <p:clrMapOvr>
-    <a:masterClrMapping/>
-  </p:clrMapOvr>
-</p:sld>
-</file>
-
-<file path=ppt/slides/slide6.xml><?xml version="1.0" encoding="utf-8"?>
-<p:sld xmlns:a="http://schemas.openxmlformats.org/drawingml/2006/main" xmlns:r="http://schemas.openxmlformats.org/officeDocument/2006/relationships" xmlns:p="http://schemas.openxmlformats.org/presentationml/2006/main">
-  <p:cSld>
-    <p:spTree>
-      <p:nvGrpSpPr>
-        <p:cNvPr id="1" name=""/>
-        <p:cNvGrpSpPr/>
-        <p:nvPr/>
-      </p:nvGrpSpPr>
-      <p:grpSpPr>
-        <a:xfrm>
-          <a:off x="0" y="0"/>
-          <a:ext cx="0" cy="0"/>
-          <a:chOff x="0" y="0"/>
-          <a:chExt cx="0" cy="0"/>
-        </a:xfrm>
-      </p:grpSpPr>
-      <p:sp>
-        <p:nvSpPr>
-          <p:cNvPr id="2" name="Title 1">
-            <a:extLst>
-              <a:ext uri="{FF2B5EF4-FFF2-40B4-BE49-F238E27FC236}">
-                <a16:creationId xmlns:a16="http://schemas.microsoft.com/office/drawing/2014/main" id="{73894214-F003-B592-4F27-60C9B82B1165}"/>
-              </a:ext>
-            </a:extLst>
-          </p:cNvPr>
+          <p:cNvPr id="2" name="Title 1"/>
           <p:cNvSpPr>
             <a:spLocks noGrp="1"/>
           </p:cNvSpPr>
@@ -15099,51 +16179,221 @@
             <p:ph type="title"/>
           </p:nvPr>
         </p:nvSpPr>
-        <p:spPr/>
+        <p:spPr>
+          <a:xfrm>
+            <a:off x="806825" y="1188637"/>
+            <a:ext cx="2241175" cy="4480726"/>
+          </a:xfrm>
+        </p:spPr>
         <p:txBody>
-          <a:bodyPr/>
+          <a:bodyPr>
+            <a:normAutofit/>
+          </a:bodyPr>
           <a:lstStyle/>
           <a:p>
-            <a:endParaRPr lang="en-US"/>
+            <a:pPr algn="r"/>
+            <a:r>
+              <a:rPr lang="en-US" sz="3600" dirty="0"/>
+              <a:t>Proper Evaluation</a:t>
+            </a:r>
           </a:p>
         </p:txBody>
       </p:sp>
-      <p:pic>
-        <p:nvPicPr>
-          <p:cNvPr id="3" name="Picture 2">
+      <p:cxnSp>
+        <p:nvCxnSpPr>
+          <p:cNvPr id="14" name="Straight Connector 13">
             <a:extLst>
               <a:ext uri="{FF2B5EF4-FFF2-40B4-BE49-F238E27FC236}">
-                <a16:creationId xmlns:a16="http://schemas.microsoft.com/office/drawing/2014/main" id="{D0601C0C-23A2-52D2-9348-B2E919F36B0E}"/>
+                <a16:creationId xmlns:a16="http://schemas.microsoft.com/office/drawing/2014/main" id="{23AAC9B5-8015-485C-ACF9-A750390E9A56}"/>
+              </a:ext>
+              <a:ext uri="{C183D7F6-B498-43B3-948B-1728B52AA6E4}">
+                <adec:decorative xmlns:adec="http://schemas.microsoft.com/office/drawing/2017/decorative" val="1"/>
               </a:ext>
             </a:extLst>
           </p:cNvPr>
-          <p:cNvPicPr>
-            <a:picLocks noChangeAspect="1"/>
-          </p:cNvPicPr>
-          <p:nvPr/>
-        </p:nvPicPr>
-        <p:blipFill>
-          <a:blip r:embed="rId2"/>
-          <a:stretch>
-            <a:fillRect/>
-          </a:stretch>
-        </p:blipFill>
+          <p:cNvCxnSpPr>
+            <a:cxnSpLocks noGrp="1" noRot="1" noChangeAspect="1" noMove="1" noResize="1" noEditPoints="1" noAdjustHandles="1" noChangeArrowheads="1" noChangeShapeType="1"/>
+          </p:cNvCxnSpPr>
+          <p:nvPr>
+            <p:extLst>
+              <p:ext uri="{386F3935-93C4-4BCD-93E2-E3B085C9AB24}">
+                <p16:designElem xmlns:p16="http://schemas.microsoft.com/office/powerpoint/2015/main" val="1"/>
+              </p:ext>
+            </p:extLst>
+          </p:nvPr>
+        </p:nvCxnSpPr>
         <p:spPr>
           <a:xfrm>
-            <a:off x="685800" y="432770"/>
-            <a:ext cx="7772400" cy="5992460"/>
+            <a:off x="3490722" y="1852863"/>
+            <a:ext cx="0" cy="3236495"/>
           </a:xfrm>
-          <a:prstGeom prst="rect">
+          <a:prstGeom prst="line">
             <a:avLst/>
           </a:prstGeom>
+          <a:ln w="19050" cap="sq">
+            <a:solidFill>
+              <a:schemeClr val="tx1">
+                <a:lumMod val="75000"/>
+                <a:lumOff val="25000"/>
+              </a:schemeClr>
+            </a:solidFill>
+          </a:ln>
         </p:spPr>
-      </p:pic>
+        <p:style>
+          <a:lnRef idx="1">
+            <a:schemeClr val="accent1"/>
+          </a:lnRef>
+          <a:fillRef idx="0">
+            <a:schemeClr val="accent1"/>
+          </a:fillRef>
+          <a:effectRef idx="0">
+            <a:schemeClr val="accent1"/>
+          </a:effectRef>
+          <a:fontRef idx="minor">
+            <a:schemeClr val="tx1"/>
+          </a:fontRef>
+        </p:style>
+      </p:cxnSp>
+      <p:sp>
+        <p:nvSpPr>
+          <p:cNvPr id="3" name="Content Placeholder 2"/>
+          <p:cNvSpPr>
+            <a:spLocks noGrp="1"/>
+          </p:cNvSpPr>
+          <p:nvPr>
+            <p:ph idx="1"/>
+          </p:nvPr>
+        </p:nvSpPr>
+        <p:spPr>
+          <a:xfrm>
+            <a:off x="3941445" y="1648870"/>
+            <a:ext cx="3527136" cy="3560260"/>
+          </a:xfrm>
+        </p:spPr>
+        <p:txBody>
+          <a:bodyPr anchor="ctr">
+            <a:normAutofit/>
+          </a:bodyPr>
+          <a:lstStyle/>
+          <a:p>
+            <a:pPr lvl="0">
+              <a:lnSpc>
+                <a:spcPct val="90000"/>
+              </a:lnSpc>
+            </a:pPr>
+            <a:r>
+              <a:rPr lang="en-US" sz="1300" b="1" dirty="0"/>
+              <a:t>80/20 split</a:t>
+            </a:r>
+            <a:r>
+              <a:rPr lang="en-US" sz="1300" dirty="0"/>
+              <a:t> for unbiased evaluation </a:t>
+            </a:r>
+          </a:p>
+          <a:p>
+            <a:pPr lvl="0">
+              <a:lnSpc>
+                <a:spcPct val="90000"/>
+              </a:lnSpc>
+            </a:pPr>
+            <a:r>
+              <a:rPr lang="en-US" sz="1300" dirty="0"/>
+              <a:t>70/20/10 for even better isolation</a:t>
+            </a:r>
+          </a:p>
+          <a:p>
+            <a:pPr lvl="0">
+              <a:lnSpc>
+                <a:spcPct val="90000"/>
+              </a:lnSpc>
+            </a:pPr>
+            <a:r>
+              <a:rPr lang="en-US" sz="1300" b="1" dirty="0"/>
+              <a:t>Training set</a:t>
+            </a:r>
+            <a:r>
+              <a:rPr lang="en-US" sz="1300" dirty="0"/>
+              <a:t>: Build knowledge base (embed &amp; store in vector DB)</a:t>
+            </a:r>
+          </a:p>
+          <a:p>
+            <a:pPr lvl="0">
+              <a:lnSpc>
+                <a:spcPct val="90000"/>
+              </a:lnSpc>
+            </a:pPr>
+            <a:r>
+              <a:rPr lang="en-US" sz="1300" b="1" dirty="0"/>
+              <a:t>Test set</a:t>
+            </a:r>
+            <a:r>
+              <a:rPr lang="en-US" sz="1300" dirty="0"/>
+              <a:t>: Evaluate system on unseen tickets</a:t>
+            </a:r>
+          </a:p>
+          <a:p>
+            <a:pPr marL="0" indent="0">
+              <a:lnSpc>
+                <a:spcPct val="90000"/>
+              </a:lnSpc>
+              <a:spcBef>
+                <a:spcPts val="3000"/>
+              </a:spcBef>
+              <a:buNone/>
+            </a:pPr>
+            <a:r>
+              <a:rPr lang="en-US" sz="1300" b="1" dirty="0"/>
+              <a:t>Why This Matters</a:t>
+            </a:r>
+          </a:p>
+          <a:p>
+            <a:pPr lvl="0">
+              <a:lnSpc>
+                <a:spcPct val="90000"/>
+              </a:lnSpc>
+            </a:pPr>
+            <a:r>
+              <a:rPr lang="en-US" sz="1300" b="1" dirty="0"/>
+              <a:t>Prevent data leakage</a:t>
+            </a:r>
+            <a:r>
+              <a:rPr lang="en-US" sz="1300" dirty="0"/>
+              <a:t>: Test tickets never seen during training</a:t>
+            </a:r>
+          </a:p>
+          <a:p>
+            <a:pPr lvl="0">
+              <a:lnSpc>
+                <a:spcPct val="90000"/>
+              </a:lnSpc>
+            </a:pPr>
+            <a:r>
+              <a:rPr lang="en-US" sz="1300" b="1" dirty="0"/>
+              <a:t>Unbiased metrics</a:t>
+            </a:r>
+            <a:r>
+              <a:rPr lang="en-US" sz="1300" dirty="0"/>
+              <a:t>: Realistic performance on new tickets</a:t>
+            </a:r>
+          </a:p>
+          <a:p>
+            <a:pPr lvl="0">
+              <a:lnSpc>
+                <a:spcPct val="90000"/>
+              </a:lnSpc>
+            </a:pPr>
+            <a:r>
+              <a:rPr lang="en-US" sz="1300" b="1" dirty="0"/>
+              <a:t>Scientific rigor</a:t>
+            </a:r>
+            <a:r>
+              <a:rPr lang="en-US" sz="1300" dirty="0"/>
+              <a:t>: Same as ML best practices</a:t>
+            </a:r>
+          </a:p>
+        </p:txBody>
+      </p:sp>
     </p:spTree>
-    <p:extLst>
-      <p:ext uri="{BB962C8B-B14F-4D97-AF65-F5344CB8AC3E}">
-        <p14:creationId xmlns:p14="http://schemas.microsoft.com/office/powerpoint/2010/main" val="1730929954"/>
-      </p:ext>
-    </p:extLst>
   </p:cSld>
   <p:clrMapOvr>
     <a:masterClrMapping/>
@@ -15170,13 +16420,7 @@
       </p:grpSpPr>
       <p:sp>
         <p:nvSpPr>
-          <p:cNvPr id="2" name="Title 1">
-            <a:extLst>
-              <a:ext uri="{FF2B5EF4-FFF2-40B4-BE49-F238E27FC236}">
-                <a16:creationId xmlns:a16="http://schemas.microsoft.com/office/drawing/2014/main" id="{5E32B47B-686B-2581-CADE-465A23D8BCA9}"/>
-              </a:ext>
-            </a:extLst>
-          </p:cNvPr>
+          <p:cNvPr id="2" name="Title 1"/>
           <p:cNvSpPr>
             <a:spLocks noGrp="1"/>
           </p:cNvSpPr>
@@ -15191,168 +16435,371 @@
           <a:p>
             <a:r>
               <a:rPr lang="en-US" dirty="0"/>
-              <a:t>Why a </a:t>
-            </a:r>
-            <a:r>
-              <a:rPr lang="en-US" dirty="0" err="1"/>
-              <a:t>reranker</a:t>
-            </a:r>
-            <a:r>
-              <a:rPr lang="en-US" dirty="0"/>
-              <a:t>?</a:t>
+              <a:t>RAG </a:t>
+            </a:r>
+            <a:r>
+              <a:rPr dirty="0"/>
+              <a:t>End-to-End Flow</a:t>
             </a:r>
           </a:p>
         </p:txBody>
       </p:sp>
       <p:sp>
         <p:nvSpPr>
-          <p:cNvPr id="4" name="TextBox 3">
-            <a:extLst>
-              <a:ext uri="{FF2B5EF4-FFF2-40B4-BE49-F238E27FC236}">
-                <a16:creationId xmlns:a16="http://schemas.microsoft.com/office/drawing/2014/main" id="{54D6F0C1-8EBD-A422-09D7-5667F3D3EB2F}"/>
-              </a:ext>
-            </a:extLst>
-          </p:cNvPr>
-          <p:cNvSpPr txBox="1"/>
-          <p:nvPr/>
+          <p:cNvPr id="3" name="Content Placeholder 2"/>
+          <p:cNvSpPr>
+            <a:spLocks noGrp="1"/>
+          </p:cNvSpPr>
+          <p:nvPr>
+            <p:ph idx="1"/>
+          </p:nvPr>
         </p:nvSpPr>
         <p:spPr>
           <a:xfrm>
-            <a:off x="2286000" y="2136339"/>
-            <a:ext cx="4572000" cy="2862322"/>
+            <a:off x="457200" y="1600200"/>
+            <a:ext cx="8229600" cy="5098312"/>
           </a:xfrm>
-          <a:prstGeom prst="rect">
-            <a:avLst/>
-          </a:prstGeom>
-          <a:noFill/>
         </p:spPr>
         <p:txBody>
-          <a:bodyPr wrap="square">
-            <a:spAutoFit/>
+          <a:bodyPr>
+            <a:normAutofit fontScale="40000" lnSpcReduction="20000"/>
           </a:bodyPr>
           <a:lstStyle/>
           <a:p>
-            <a:r>
-              <a:rPr lang="en-US" b="0" i="0" dirty="0">
-                <a:solidFill>
-                  <a:srgbClr val="01091A"/>
-                </a:solidFill>
-                <a:effectLst/>
-                <a:latin typeface="Geist"/>
+            <a:pPr indent="0">
+              <a:buNone/>
+            </a:pPr>
+            <a:r>
+              <a:rPr dirty="0">
+                <a:latin typeface="Courier"/>
               </a:rPr>
-              <a:t>We know that </a:t>
-            </a:r>
-            <a:r>
-              <a:rPr lang="en-US" b="0" i="0" dirty="0">
-                <a:solidFill>
-                  <a:srgbClr val="0065FF"/>
-                </a:solidFill>
-                <a:effectLst/>
-                <a:latin typeface="Geist"/>
-                <a:hlinkClick r:id="rId2"/>
+              <a:t>Pre-translated CSV → </a:t>
+            </a:r>
+            <a:endParaRPr lang="en-US" dirty="0">
+              <a:latin typeface="Courier"/>
+            </a:endParaRPr>
+          </a:p>
+          <a:p>
+            <a:pPr indent="0">
+              <a:buNone/>
+            </a:pPr>
+            <a:r>
+              <a:rPr lang="en-US" dirty="0">
+                <a:latin typeface="Courier"/>
               </a:rPr>
-              <a:t>hallucinations</a:t>
-            </a:r>
-            <a:r>
-              <a:rPr lang="en-US" b="0" i="0" dirty="0">
-                <a:solidFill>
-                  <a:srgbClr val="01091A"/>
-                </a:solidFill>
-                <a:effectLst/>
-                <a:latin typeface="Geist"/>
+              <a:t>		</a:t>
+            </a:r>
+            <a:r>
+              <a:rPr dirty="0">
+                <a:latin typeface="Courier"/>
               </a:rPr>
-              <a:t> happen when </a:t>
-            </a:r>
-            <a:r>
-              <a:rPr lang="en-US" b="1" i="0" dirty="0">
-                <a:solidFill>
-                  <a:srgbClr val="01091A"/>
-                </a:solidFill>
-                <a:effectLst/>
-                <a:latin typeface="Geist"/>
+              <a:t>Train/Test Split → </a:t>
+            </a:r>
+            <a:endParaRPr lang="en-US" dirty="0">
+              <a:latin typeface="Courier"/>
+            </a:endParaRPr>
+          </a:p>
+          <a:p>
+            <a:pPr indent="0">
+              <a:buNone/>
+            </a:pPr>
+            <a:r>
+              <a:rPr lang="en-US" dirty="0">
+                <a:latin typeface="Courier"/>
               </a:rPr>
-              <a:t>unrelated retrieved docs </a:t>
-            </a:r>
-            <a:r>
-              <a:rPr lang="en-US" b="0" i="0" dirty="0">
-                <a:solidFill>
-                  <a:srgbClr val="01091A"/>
-                </a:solidFill>
-                <a:effectLst/>
-                <a:latin typeface="Geist"/>
+              <a:t>			</a:t>
+            </a:r>
+            <a:r>
+              <a:rPr dirty="0">
+                <a:latin typeface="Courier"/>
               </a:rPr>
-              <a:t>are included in output context. </a:t>
-            </a:r>
-          </a:p>
-          <a:p>
+              <a:t>Generate Embeddings → </a:t>
+            </a:r>
             <a:endParaRPr lang="en-US" dirty="0">
-              <a:solidFill>
-                <a:srgbClr val="01091A"/>
-              </a:solidFill>
-              <a:latin typeface="Geist"/>
+              <a:latin typeface="Courier"/>
             </a:endParaRPr>
           </a:p>
           <a:p>
-            <a:r>
-              <a:rPr lang="en-US" b="0" i="0" dirty="0">
-                <a:solidFill>
-                  <a:srgbClr val="01091A"/>
-                </a:solidFill>
-                <a:effectLst/>
-                <a:latin typeface="Geist"/>
+            <a:pPr indent="0">
+              <a:buNone/>
+            </a:pPr>
+            <a:r>
+              <a:rPr lang="en-US" dirty="0">
+                <a:latin typeface="Courier"/>
               </a:rPr>
-              <a:t>This is exactly where </a:t>
-            </a:r>
-            <a:r>
-              <a:rPr lang="en-US" b="0" i="0" dirty="0" err="1">
-                <a:solidFill>
-                  <a:srgbClr val="01091A"/>
-                </a:solidFill>
-                <a:effectLst/>
-                <a:latin typeface="Geist"/>
+              <a:t>				</a:t>
+            </a:r>
+            <a:r>
+              <a:rPr dirty="0" err="1">
+                <a:latin typeface="Courier"/>
               </a:rPr>
-              <a:t>rerankers</a:t>
-            </a:r>
-            <a:r>
-              <a:rPr lang="en-US" b="0" i="0" dirty="0">
-                <a:solidFill>
-                  <a:srgbClr val="01091A"/>
-                </a:solidFill>
-                <a:effectLst/>
-                <a:latin typeface="Geist"/>
+              <a:t>ChromaDB</a:t>
+            </a:r>
+            <a:r>
+              <a:rPr dirty="0">
+                <a:latin typeface="Courier"/>
               </a:rPr>
-              <a:t> can be helpful! </a:t>
-            </a:r>
-          </a:p>
-          <a:p>
+              <a:t> Storage
+                                                                     </a:t>
+            </a:r>
+            <a:r>
+              <a:rPr lang="en-US" dirty="0">
+                <a:latin typeface="Courier"/>
+              </a:rPr>
+              <a:t>							</a:t>
+            </a:r>
+            <a:r>
+              <a:rPr dirty="0">
+                <a:latin typeface="Courier"/>
+              </a:rPr>
+              <a:t>↓</a:t>
+            </a:r>
             <a:endParaRPr lang="en-US" dirty="0">
-              <a:solidFill>
-                <a:srgbClr val="01091A"/>
-              </a:solidFill>
-              <a:latin typeface="Geist"/>
+              <a:latin typeface="Courier"/>
             </a:endParaRPr>
           </a:p>
           <a:p>
-            <a:r>
-              <a:rPr lang="en-US" b="0" i="0" dirty="0">
-                <a:solidFill>
-                  <a:srgbClr val="01091A"/>
-                </a:solidFill>
-                <a:effectLst/>
-                <a:latin typeface="Geist"/>
+            <a:pPr indent="0">
+              <a:buNone/>
+            </a:pPr>
+            <a:r>
+              <a:rPr dirty="0">
+                <a:latin typeface="Courier"/>
               </a:rPr>
-              <a:t>They rearrange document records to prioritize the most relevant ones. This not only helps address hallucinations but also saves money during the RAG process. </a:t>
-            </a:r>
-            <a:endParaRPr lang="en-US" dirty="0"/>
+              <a:t>
+</a:t>
+            </a:r>
+            <a:r>
+              <a:rPr lang="en-US" dirty="0">
+                <a:latin typeface="Courier"/>
+              </a:rPr>
+              <a:t>				</a:t>
+            </a:r>
+            <a:r>
+              <a:rPr dirty="0">
+                <a:latin typeface="Courier"/>
+              </a:rPr>
+              <a:t>New Ticket (JSON) → </a:t>
+            </a:r>
+            <a:r>
+              <a:rPr lang="en-US" dirty="0">
+                <a:latin typeface="Courier"/>
+              </a:rPr>
+              <a:t>			</a:t>
+            </a:r>
+          </a:p>
+          <a:p>
+            <a:pPr indent="0">
+              <a:buNone/>
+            </a:pPr>
+            <a:r>
+              <a:rPr lang="en-US" dirty="0">
+                <a:latin typeface="Courier"/>
+              </a:rPr>
+              <a:t>					</a:t>
+            </a:r>
+            <a:r>
+              <a:rPr dirty="0">
+                <a:latin typeface="Courier"/>
+              </a:rPr>
+              <a:t>Embed Query → </a:t>
+            </a:r>
+            <a:endParaRPr lang="en-US" dirty="0">
+              <a:latin typeface="Courier"/>
+            </a:endParaRPr>
+          </a:p>
+          <a:p>
+            <a:pPr indent="0">
+              <a:buNone/>
+            </a:pPr>
+            <a:r>
+              <a:rPr lang="en-US" dirty="0">
+                <a:latin typeface="Courier"/>
+              </a:rPr>
+              <a:t>						</a:t>
+            </a:r>
+            <a:r>
+              <a:rPr dirty="0">
+                <a:latin typeface="Courier"/>
+              </a:rPr>
+              <a:t>Vector Search → </a:t>
+            </a:r>
+            <a:endParaRPr lang="en-US" dirty="0">
+              <a:latin typeface="Courier"/>
+            </a:endParaRPr>
+          </a:p>
+          <a:p>
+            <a:pPr indent="0">
+              <a:buNone/>
+            </a:pPr>
+            <a:r>
+              <a:rPr lang="en-US" dirty="0">
+                <a:latin typeface="Courier"/>
+              </a:rPr>
+              <a:t>							</a:t>
+            </a:r>
+            <a:r>
+              <a:rPr dirty="0">
+                <a:latin typeface="Courier"/>
+              </a:rPr>
+              <a:t>Top-K Retrieval
+                                    ↓
+                        </a:t>
+            </a:r>
+            <a:r>
+              <a:rPr lang="en-US" dirty="0">
+                <a:latin typeface="Courier"/>
+              </a:rPr>
+              <a:t>			</a:t>
+            </a:r>
+            <a:r>
+              <a:rPr dirty="0">
+                <a:latin typeface="Courier"/>
+              </a:rPr>
+              <a:t>Context + Question → </a:t>
+            </a:r>
+            <a:endParaRPr lang="en-US" dirty="0">
+              <a:latin typeface="Courier"/>
+            </a:endParaRPr>
+          </a:p>
+          <a:p>
+            <a:pPr indent="0">
+              <a:buNone/>
+            </a:pPr>
+            <a:r>
+              <a:rPr lang="en-US" dirty="0">
+                <a:latin typeface="Courier"/>
+              </a:rPr>
+              <a:t>									</a:t>
+            </a:r>
+            <a:r>
+              <a:rPr dirty="0">
+                <a:latin typeface="Courier"/>
+              </a:rPr>
+              <a:t>LM Studio LLM → </a:t>
+            </a:r>
+            <a:endParaRPr lang="en-US" dirty="0">
+              <a:latin typeface="Courier"/>
+            </a:endParaRPr>
+          </a:p>
+          <a:p>
+            <a:pPr indent="0">
+              <a:buNone/>
+            </a:pPr>
+            <a:r>
+              <a:rPr lang="en-US" dirty="0">
+                <a:latin typeface="Courier"/>
+              </a:rPr>
+              <a:t>										</a:t>
+            </a:r>
+            <a:r>
+              <a:rPr b="1" dirty="0">
+                <a:latin typeface="Courier"/>
+              </a:rPr>
+              <a:t>Answer + Confidence</a:t>
+            </a:r>
+          </a:p>
+          <a:p>
+            <a:pPr marL="0" indent="0">
+              <a:spcBef>
+                <a:spcPts val="3000"/>
+              </a:spcBef>
+              <a:buNone/>
+            </a:pPr>
+            <a:r>
+              <a:rPr b="1" dirty="0"/>
+              <a:t>Pipeline Stages</a:t>
+            </a:r>
+          </a:p>
+          <a:p>
+            <a:pPr>
+              <a:buAutoNum type="arabicPeriod"/>
+            </a:pPr>
+            <a:r>
+              <a:rPr b="1" dirty="0"/>
+              <a:t>Data Preparation</a:t>
+            </a:r>
+            <a:r>
+              <a:rPr dirty="0"/>
+              <a:t>: Load &amp; split tickets</a:t>
+            </a:r>
+          </a:p>
+          <a:p>
+            <a:pPr>
+              <a:buAutoNum type="arabicPeriod"/>
+            </a:pPr>
+            <a:r>
+              <a:rPr b="1" dirty="0"/>
+              <a:t>Embedding</a:t>
+            </a:r>
+            <a:r>
+              <a:rPr dirty="0"/>
+              <a:t>: Convert to vectors</a:t>
+            </a:r>
+          </a:p>
+          <a:p>
+            <a:pPr>
+              <a:buAutoNum type="arabicPeriod"/>
+            </a:pPr>
+            <a:r>
+              <a:rPr b="1" dirty="0"/>
+              <a:t>Storage</a:t>
+            </a:r>
+            <a:r>
+              <a:rPr dirty="0"/>
+              <a:t>: </a:t>
+            </a:r>
+            <a:r>
+              <a:rPr dirty="0" err="1"/>
+              <a:t>ChromaDB</a:t>
+            </a:r>
+            <a:r>
+              <a:rPr dirty="0"/>
+              <a:t> vector database</a:t>
+            </a:r>
+          </a:p>
+          <a:p>
+            <a:pPr>
+              <a:buAutoNum type="arabicPeriod"/>
+            </a:pPr>
+            <a:r>
+              <a:rPr b="1" dirty="0"/>
+              <a:t>Query</a:t>
+            </a:r>
+            <a:r>
+              <a:rPr dirty="0"/>
+              <a:t>: New ticket arrives</a:t>
+            </a:r>
+          </a:p>
+          <a:p>
+            <a:pPr>
+              <a:buAutoNum type="arabicPeriod"/>
+            </a:pPr>
+            <a:r>
+              <a:rPr b="1" dirty="0"/>
+              <a:t>Retrieval</a:t>
+            </a:r>
+            <a:r>
+              <a:rPr dirty="0"/>
+              <a:t>: Find top-K similar tickets</a:t>
+            </a:r>
+          </a:p>
+          <a:p>
+            <a:pPr>
+              <a:buAutoNum type="arabicPeriod"/>
+            </a:pPr>
+            <a:r>
+              <a:rPr b="1" dirty="0"/>
+              <a:t>Generation</a:t>
+            </a:r>
+            <a:r>
+              <a:rPr dirty="0"/>
+              <a:t>: LLM creates context-aware answer</a:t>
+            </a:r>
           </a:p>
         </p:txBody>
       </p:sp>
     </p:spTree>
-    <p:extLst>
-      <p:ext uri="{BB962C8B-B14F-4D97-AF65-F5344CB8AC3E}">
-        <p14:creationId xmlns:p14="http://schemas.microsoft.com/office/powerpoint/2010/main" val="3648874577"/>
-      </p:ext>
-    </p:extLst>
   </p:cSld>
   <p:clrMapOvr>
     <a:masterClrMapping/>
@@ -15363,6 +16810,14 @@
 <file path=ppt/slides/slide8.xml><?xml version="1.0" encoding="utf-8"?>
 <p:sld xmlns:a="http://schemas.openxmlformats.org/drawingml/2006/main" xmlns:r="http://schemas.openxmlformats.org/officeDocument/2006/relationships" xmlns:p="http://schemas.openxmlformats.org/presentationml/2006/main">
   <p:cSld>
+    <p:bg>
+      <p:bgPr>
+        <a:solidFill>
+          <a:schemeClr val="bg1"/>
+        </a:solidFill>
+        <a:effectLst/>
+      </p:bgPr>
+    </p:bg>
     <p:spTree>
       <p:nvGrpSpPr>
         <p:cNvPr id="1" name=""/>
@@ -15377,15 +16832,198 @@
           <a:chExt cx="0" cy="0"/>
         </a:xfrm>
       </p:grpSpPr>
-      <p:sp>
+      <p:sp useBgFill="1">
         <p:nvSpPr>
-          <p:cNvPr id="2" name="Title 1">
+          <p:cNvPr id="8" name="Rectangle 7">
             <a:extLst>
               <a:ext uri="{FF2B5EF4-FFF2-40B4-BE49-F238E27FC236}">
-                <a16:creationId xmlns:a16="http://schemas.microsoft.com/office/drawing/2014/main" id="{CDA720B2-8EBF-48B8-CF05-B8BD01E8631E}"/>
+                <a16:creationId xmlns:a16="http://schemas.microsoft.com/office/drawing/2014/main" id="{081EA652-8C6A-4E69-BEB9-170809474553}"/>
+              </a:ext>
+              <a:ext uri="{C183D7F6-B498-43B3-948B-1728B52AA6E4}">
+                <adec:decorative xmlns:adec="http://schemas.microsoft.com/office/drawing/2017/decorative" val="1"/>
               </a:ext>
             </a:extLst>
           </p:cNvPr>
+          <p:cNvSpPr>
+            <a:spLocks noGrp="1" noRot="1" noChangeAspect="1" noMove="1" noResize="1" noEditPoints="1" noAdjustHandles="1" noChangeArrowheads="1" noChangeShapeType="1" noTextEdit="1"/>
+          </p:cNvSpPr>
+          <p:nvPr>
+            <p:extLst>
+              <p:ext uri="{386F3935-93C4-4BCD-93E2-E3B085C9AB24}">
+                <p16:designElem xmlns:p16="http://schemas.microsoft.com/office/powerpoint/2015/main" val="1"/>
+              </p:ext>
+            </p:extLst>
+          </p:nvPr>
+        </p:nvSpPr>
+        <p:spPr>
+          <a:xfrm>
+            <a:off x="0" y="0"/>
+            <a:ext cx="9144000" cy="6858000"/>
+          </a:xfrm>
+          <a:prstGeom prst="rect">
+            <a:avLst/>
+          </a:prstGeom>
+          <a:ln>
+            <a:noFill/>
+          </a:ln>
+        </p:spPr>
+        <p:style>
+          <a:lnRef idx="2">
+            <a:schemeClr val="accent1">
+              <a:shade val="50000"/>
+            </a:schemeClr>
+          </a:lnRef>
+          <a:fillRef idx="1">
+            <a:schemeClr val="accent1"/>
+          </a:fillRef>
+          <a:effectRef idx="0">
+            <a:schemeClr val="accent1"/>
+          </a:effectRef>
+          <a:fontRef idx="minor">
+            <a:schemeClr val="lt1"/>
+          </a:fontRef>
+        </p:style>
+        <p:txBody>
+          <a:bodyPr rtlCol="0" anchor="ctr"/>
+          <a:lstStyle/>
+          <a:p>
+            <a:pPr algn="ctr"/>
+            <a:endParaRPr lang="en-US"/>
+          </a:p>
+        </p:txBody>
+      </p:sp>
+      <p:sp>
+        <p:nvSpPr>
+          <p:cNvPr id="10" name="Right Triangle 9">
+            <a:extLst>
+              <a:ext uri="{FF2B5EF4-FFF2-40B4-BE49-F238E27FC236}">
+                <a16:creationId xmlns:a16="http://schemas.microsoft.com/office/drawing/2014/main" id="{5298780A-33B9-4EA2-8F67-DE68AD62841B}"/>
+              </a:ext>
+              <a:ext uri="{C183D7F6-B498-43B3-948B-1728B52AA6E4}">
+                <adec:decorative xmlns:adec="http://schemas.microsoft.com/office/drawing/2017/decorative" val="1"/>
+              </a:ext>
+            </a:extLst>
+          </p:cNvPr>
+          <p:cNvSpPr>
+            <a:spLocks noGrp="1" noRot="1" noChangeAspect="1" noMove="1" noResize="1" noEditPoints="1" noAdjustHandles="1" noChangeArrowheads="1" noChangeShapeType="1" noTextEdit="1"/>
+          </p:cNvSpPr>
+          <p:nvPr>
+            <p:extLst>
+              <p:ext uri="{386F3935-93C4-4BCD-93E2-E3B085C9AB24}">
+                <p16:designElem xmlns:p16="http://schemas.microsoft.com/office/powerpoint/2015/main" val="1"/>
+              </p:ext>
+            </p:extLst>
+          </p:nvPr>
+        </p:nvSpPr>
+        <p:spPr>
+          <a:xfrm flipH="1">
+            <a:off x="6432540" y="3335867"/>
+            <a:ext cx="2468880" cy="3200400"/>
+          </a:xfrm>
+          <a:prstGeom prst="rtTriangle">
+            <a:avLst/>
+          </a:prstGeom>
+          <a:solidFill>
+            <a:schemeClr val="accent4"/>
+          </a:solidFill>
+          <a:ln>
+            <a:noFill/>
+          </a:ln>
+        </p:spPr>
+        <p:style>
+          <a:lnRef idx="2">
+            <a:schemeClr val="accent1">
+              <a:shade val="50000"/>
+            </a:schemeClr>
+          </a:lnRef>
+          <a:fillRef idx="1">
+            <a:schemeClr val="accent1"/>
+          </a:fillRef>
+          <a:effectRef idx="0">
+            <a:schemeClr val="accent1"/>
+          </a:effectRef>
+          <a:fontRef idx="minor">
+            <a:schemeClr val="lt1"/>
+          </a:fontRef>
+        </p:style>
+        <p:txBody>
+          <a:bodyPr rtlCol="0" anchor="ctr"/>
+          <a:lstStyle/>
+          <a:p>
+            <a:pPr algn="ctr"/>
+            <a:endParaRPr lang="en-US" dirty="0"/>
+          </a:p>
+        </p:txBody>
+      </p:sp>
+      <p:sp>
+        <p:nvSpPr>
+          <p:cNvPr id="12" name="Rectangle 11">
+            <a:extLst>
+              <a:ext uri="{FF2B5EF4-FFF2-40B4-BE49-F238E27FC236}">
+                <a16:creationId xmlns:a16="http://schemas.microsoft.com/office/drawing/2014/main" id="{7F488E8B-4E1E-4402-8935-D4E6C02615C7}"/>
+              </a:ext>
+              <a:ext uri="{C183D7F6-B498-43B3-948B-1728B52AA6E4}">
+                <adec:decorative xmlns:adec="http://schemas.microsoft.com/office/drawing/2017/decorative" val="1"/>
+              </a:ext>
+            </a:extLst>
+          </p:cNvPr>
+          <p:cNvSpPr>
+            <a:spLocks noGrp="1" noRot="1" noChangeAspect="1" noMove="1" noResize="1" noEditPoints="1" noAdjustHandles="1" noChangeArrowheads="1" noChangeShapeType="1" noTextEdit="1"/>
+          </p:cNvSpPr>
+          <p:nvPr>
+            <p:extLst>
+              <p:ext uri="{386F3935-93C4-4BCD-93E2-E3B085C9AB24}">
+                <p16:designElem xmlns:p16="http://schemas.microsoft.com/office/powerpoint/2015/main" val="1"/>
+              </p:ext>
+            </p:extLst>
+          </p:nvPr>
+        </p:nvSpPr>
+        <p:spPr>
+          <a:xfrm>
+            <a:off x="481330" y="623275"/>
+            <a:ext cx="8178790" cy="5607882"/>
+          </a:xfrm>
+          <a:prstGeom prst="rect">
+            <a:avLst/>
+          </a:prstGeom>
+          <a:noFill/>
+          <a:ln w="19050">
+            <a:solidFill>
+              <a:schemeClr val="tx1">
+                <a:lumMod val="75000"/>
+                <a:lumOff val="25000"/>
+              </a:schemeClr>
+            </a:solidFill>
+          </a:ln>
+        </p:spPr>
+        <p:style>
+          <a:lnRef idx="2">
+            <a:schemeClr val="accent1">
+              <a:shade val="50000"/>
+            </a:schemeClr>
+          </a:lnRef>
+          <a:fillRef idx="1">
+            <a:schemeClr val="accent1"/>
+          </a:fillRef>
+          <a:effectRef idx="0">
+            <a:schemeClr val="accent1"/>
+          </a:effectRef>
+          <a:fontRef idx="minor">
+            <a:schemeClr val="lt1"/>
+          </a:fontRef>
+        </p:style>
+        <p:txBody>
+          <a:bodyPr rtlCol="0" anchor="ctr"/>
+          <a:lstStyle/>
+          <a:p>
+            <a:pPr algn="ctr"/>
+            <a:endParaRPr lang="en-US"/>
+          </a:p>
+        </p:txBody>
+      </p:sp>
+      <p:sp>
+        <p:nvSpPr>
+          <p:cNvPr id="2" name="Title 1"/>
           <p:cNvSpPr>
             <a:spLocks noGrp="1"/>
           </p:cNvSpPr>
@@ -15393,219 +17031,211 @@
             <p:ph type="title"/>
           </p:nvPr>
         </p:nvSpPr>
-        <p:spPr/>
+        <p:spPr>
+          <a:xfrm>
+            <a:off x="963930" y="1050595"/>
+            <a:ext cx="6056111" cy="1618489"/>
+          </a:xfrm>
+        </p:spPr>
         <p:txBody>
-          <a:bodyPr>
-            <a:normAutofit fontScale="90000"/>
+          <a:bodyPr anchor="ctr">
+            <a:normAutofit/>
           </a:bodyPr>
           <a:lstStyle/>
           <a:p>
-            <a:r>
-              <a:rPr lang="en-US" dirty="0">
-                <a:solidFill>
-                  <a:srgbClr val="01091A"/>
-                </a:solidFill>
-                <a:latin typeface="Geist"/>
-              </a:rPr>
-              <a:t>Limitations of Embeddings</a:t>
-            </a:r>
-            <a:br>
-              <a:rPr lang="en-US" dirty="0">
-                <a:solidFill>
-                  <a:srgbClr val="01091A"/>
-                </a:solidFill>
-                <a:latin typeface="Geist"/>
-              </a:rPr>
-            </a:br>
-            <a:endParaRPr lang="en-US" dirty="0"/>
+            <a:pPr>
+              <a:lnSpc>
+                <a:spcPct val="90000"/>
+              </a:lnSpc>
+            </a:pPr>
+            <a:r>
+              <a:rPr lang="en-US" sz="5400"/>
+              <a:t>Strict vs Augmented</a:t>
+            </a:r>
           </a:p>
         </p:txBody>
       </p:sp>
       <p:sp>
         <p:nvSpPr>
-          <p:cNvPr id="4" name="TextBox 3">
-            <a:extLst>
-              <a:ext uri="{FF2B5EF4-FFF2-40B4-BE49-F238E27FC236}">
-                <a16:creationId xmlns:a16="http://schemas.microsoft.com/office/drawing/2014/main" id="{B493C4E4-4032-4F3B-288A-E81C2D708A30}"/>
-              </a:ext>
-            </a:extLst>
-          </p:cNvPr>
-          <p:cNvSpPr txBox="1"/>
-          <p:nvPr/>
+          <p:cNvPr id="3" name="Content Placeholder 2"/>
+          <p:cNvSpPr>
+            <a:spLocks noGrp="1"/>
+          </p:cNvSpPr>
+          <p:nvPr>
+            <p:ph idx="1"/>
+          </p:nvPr>
         </p:nvSpPr>
         <p:spPr>
           <a:xfrm>
-            <a:off x="1127760" y="933793"/>
-            <a:ext cx="7650480" cy="5670783"/>
+            <a:off x="963930" y="2498651"/>
+            <a:ext cx="6056111" cy="3271213"/>
           </a:xfrm>
-          <a:prstGeom prst="rect">
-            <a:avLst/>
-          </a:prstGeom>
-          <a:noFill/>
         </p:spPr>
         <p:txBody>
-          <a:bodyPr wrap="square">
-            <a:spAutoFit/>
+          <a:bodyPr anchor="t">
+            <a:normAutofit/>
           </a:bodyPr>
           <a:lstStyle/>
           <a:p>
-            <a:pPr marL="285750" indent="-285750" algn="l">
+            <a:pPr marL="0" indent="0">
               <a:lnSpc>
-                <a:spcPts val="3600"/>
+                <a:spcPct val="90000"/>
               </a:lnSpc>
               <a:spcBef>
-                <a:spcPts val="1500"/>
-              </a:spcBef>
-              <a:buFont typeface="Arial" panose="020B0604020202020204" pitchFamily="34" charset="0"/>
-              <a:buChar char="•"/>
-            </a:pPr>
-            <a:r>
-              <a:rPr lang="en-US" sz="1600" b="1" i="0" u="none" strike="noStrike" dirty="0">
-                <a:solidFill>
-                  <a:srgbClr val="01091A"/>
-                </a:solidFill>
-                <a:effectLst/>
-                <a:latin typeface="Geist"/>
-              </a:rPr>
-              <a:t>Limited Semantic Understanding</a:t>
-            </a:r>
-          </a:p>
-          <a:p>
-            <a:pPr algn="l">
-              <a:lnSpc>
-                <a:spcPts val="2250"/>
-              </a:lnSpc>
-              <a:spcBef>
-                <a:spcPts val="1500"/>
+                <a:spcPts val="3000"/>
               </a:spcBef>
               <a:buNone/>
             </a:pPr>
             <a:r>
-              <a:rPr lang="en-US" sz="1600" b="0" i="0" u="none" strike="noStrike" dirty="0">
-                <a:solidFill>
-                  <a:srgbClr val="01091A"/>
-                </a:solidFill>
-                <a:effectLst/>
-                <a:latin typeface="Geist"/>
-              </a:rPr>
-              <a:t>While </a:t>
-            </a:r>
-            <a:r>
-              <a:rPr lang="en-US" sz="1600" b="0" i="0" u="none" strike="noStrike" dirty="0">
-                <a:solidFill>
-                  <a:srgbClr val="0065FF"/>
-                </a:solidFill>
-                <a:effectLst/>
-                <a:latin typeface="Geist"/>
-                <a:hlinkClick r:id="rId2"/>
-              </a:rPr>
-              <a:t>embeddings</a:t>
-            </a:r>
-            <a:r>
-              <a:rPr lang="en-US" sz="1600" b="0" i="0" u="none" strike="noStrike" dirty="0">
-                <a:solidFill>
-                  <a:srgbClr val="01091A"/>
-                </a:solidFill>
-                <a:effectLst/>
-                <a:latin typeface="Geist"/>
-              </a:rPr>
-              <a:t> capture semantic information, they often lack contrastive information. For example, embeddings may struggle to distinguish between "I love apples" and "I used to love apples" since both convey a similar semantic meaning.</a:t>
-            </a:r>
-          </a:p>
-          <a:p>
-            <a:pPr marL="285750" indent="-285750" algn="l">
+              <a:rPr lang="en-US" sz="1200" b="1" dirty="0"/>
+              <a:t>Strict Mode</a:t>
+            </a:r>
+          </a:p>
+          <a:p>
+            <a:pPr lvl="0">
               <a:lnSpc>
-                <a:spcPts val="3600"/>
+                <a:spcPct val="90000"/>
+              </a:lnSpc>
+            </a:pPr>
+            <a:r>
+              <a:rPr lang="en-US" sz="1200" b="1" dirty="0"/>
+              <a:t>LLM uses ONLY historical ticket context</a:t>
+            </a:r>
+            <a:r>
+              <a:rPr lang="en-US" sz="1200" dirty="0"/>
+              <a:t> (traceable, compliance-friendly)</a:t>
+            </a:r>
+          </a:p>
+          <a:p>
+            <a:pPr lvl="0">
+              <a:lnSpc>
+                <a:spcPct val="90000"/>
+              </a:lnSpc>
+            </a:pPr>
+            <a:r>
+              <a:rPr lang="en-US" sz="1200" dirty="0"/>
+              <a:t>Will say “I don’t have enough information” if context insufficient</a:t>
+            </a:r>
+          </a:p>
+          <a:p>
+            <a:pPr lvl="0">
+              <a:lnSpc>
+                <a:spcPct val="90000"/>
+              </a:lnSpc>
+            </a:pPr>
+            <a:r>
+              <a:rPr lang="en-US" sz="1200" b="1" dirty="0"/>
+              <a:t>Use case</a:t>
+            </a:r>
+            <a:r>
+              <a:rPr lang="en-US" sz="1200" dirty="0"/>
+              <a:t>: QA testing retrieval quality, compliance environments</a:t>
+            </a:r>
+          </a:p>
+          <a:p>
+            <a:pPr marL="0" indent="0">
+              <a:lnSpc>
+                <a:spcPct val="90000"/>
               </a:lnSpc>
               <a:spcBef>
-                <a:spcPts val="1500"/>
-              </a:spcBef>
-              <a:buFont typeface="Arial" panose="020B0604020202020204" pitchFamily="34" charset="0"/>
-              <a:buChar char="•"/>
-            </a:pPr>
-            <a:r>
-              <a:rPr lang="en-US" sz="1600" b="1" i="0" u="none" strike="noStrike" dirty="0">
-                <a:solidFill>
-                  <a:srgbClr val="01091A"/>
-                </a:solidFill>
-                <a:effectLst/>
-                <a:latin typeface="Geist"/>
-              </a:rPr>
-              <a:t>Dimensionality Constraints</a:t>
-            </a:r>
-          </a:p>
-          <a:p>
-            <a:pPr algn="l">
-              <a:lnSpc>
-                <a:spcPts val="2250"/>
-              </a:lnSpc>
-              <a:spcBef>
-                <a:spcPts val="1500"/>
+                <a:spcPts val="3000"/>
               </a:spcBef>
               <a:buNone/>
             </a:pPr>
             <a:r>
-              <a:rPr lang="en-US" sz="1600" b="0" i="0" u="none" strike="noStrike" dirty="0">
-                <a:solidFill>
-                  <a:srgbClr val="01091A"/>
-                </a:solidFill>
-                <a:effectLst/>
-                <a:latin typeface="Geist"/>
-              </a:rPr>
-              <a:t>Embeddings represent documents or sentences in a relatively low-dimensional space, typically with a fixed number of dimensions (e.g., 1024). This limited space makes it challenging to encode all relevant information accurately, especially for longer documents or queries.</a:t>
-            </a:r>
-          </a:p>
-          <a:p>
-            <a:pPr marL="285750" indent="-285750" algn="l">
+              <a:rPr lang="en-US" sz="1200" b="1" dirty="0"/>
+              <a:t>Augmented Mode</a:t>
+            </a:r>
+          </a:p>
+          <a:p>
+            <a:pPr lvl="0">
               <a:lnSpc>
-                <a:spcPts val="3600"/>
+                <a:spcPct val="90000"/>
+              </a:lnSpc>
+            </a:pPr>
+            <a:r>
+              <a:rPr lang="en-US" sz="1200" b="1" dirty="0"/>
+              <a:t>LLM uses context + general knowledge</a:t>
+            </a:r>
+            <a:r>
+              <a:rPr lang="en-US" sz="1200" dirty="0"/>
+              <a:t> (helpful, flexible)</a:t>
+            </a:r>
+          </a:p>
+          <a:p>
+            <a:pPr lvl="0">
+              <a:lnSpc>
+                <a:spcPct val="90000"/>
+              </a:lnSpc>
+            </a:pPr>
+            <a:r>
+              <a:rPr lang="en-US" sz="1200" dirty="0"/>
+              <a:t>Always provides helpful answer, supplements with IT knowledge</a:t>
+            </a:r>
+          </a:p>
+          <a:p>
+            <a:pPr lvl="0">
+              <a:lnSpc>
+                <a:spcPct val="90000"/>
+              </a:lnSpc>
+            </a:pPr>
+            <a:r>
+              <a:rPr lang="en-US" sz="1200" b="1" dirty="0"/>
+              <a:t>Use case</a:t>
+            </a:r>
+            <a:r>
+              <a:rPr lang="en-US" sz="1200" dirty="0"/>
+              <a:t>: Production support, maximize helpfulness</a:t>
+            </a:r>
+          </a:p>
+          <a:p>
+            <a:pPr marL="0" indent="0">
+              <a:lnSpc>
+                <a:spcPct val="90000"/>
               </a:lnSpc>
               <a:spcBef>
-                <a:spcPts val="1500"/>
-              </a:spcBef>
-              <a:buFont typeface="Arial" panose="020B0604020202020204" pitchFamily="34" charset="0"/>
-              <a:buChar char="•"/>
-            </a:pPr>
-            <a:r>
-              <a:rPr lang="en-US" sz="1600" b="1" i="0" u="none" strike="noStrike" dirty="0">
-                <a:solidFill>
-                  <a:srgbClr val="01091A"/>
-                </a:solidFill>
-                <a:effectLst/>
-                <a:latin typeface="Geist"/>
-              </a:rPr>
-              <a:t>Generalization Issues</a:t>
-            </a:r>
-          </a:p>
-          <a:p>
-            <a:pPr algn="l">
-              <a:lnSpc>
-                <a:spcPts val="2250"/>
-              </a:lnSpc>
-              <a:spcBef>
-                <a:spcPts val="1500"/>
+                <a:spcPts val="3000"/>
               </a:spcBef>
               <a:buNone/>
             </a:pPr>
             <a:r>
-              <a:rPr lang="en-US" sz="1600" b="0" i="0" u="none" strike="noStrike" dirty="0">
-                <a:solidFill>
-                  <a:srgbClr val="01091A"/>
-                </a:solidFill>
-                <a:effectLst/>
-                <a:latin typeface="Geist"/>
-              </a:rPr>
-              <a:t>Embeddings must generalize well to unseen documents and queries, which is crucial for real-world search applications. However, due to their dimensionality constraints and training data limitations, embeddings-based models may struggle to generalize effectively beyond the training data.</a:t>
+              <a:rPr lang="en-US" sz="1200" b="1" dirty="0"/>
+              <a:t>Trade-off</a:t>
+            </a:r>
+          </a:p>
+          <a:p>
+            <a:pPr>
+              <a:lnSpc>
+                <a:spcPct val="90000"/>
+              </a:lnSpc>
+            </a:pPr>
+            <a:r>
+              <a:rPr lang="en-US" sz="1200" b="1" dirty="0"/>
+              <a:t>Strict</a:t>
+            </a:r>
+            <a:r>
+              <a:rPr lang="en-US" sz="1200" dirty="0"/>
+              <a:t> = Traceability + Coverage gaps </a:t>
+            </a:r>
+          </a:p>
+          <a:p>
+            <a:pPr>
+              <a:lnSpc>
+                <a:spcPct val="90000"/>
+              </a:lnSpc>
+            </a:pPr>
+            <a:r>
+              <a:rPr lang="en-US" sz="1200" b="1" dirty="0"/>
+              <a:t>Augmented</a:t>
+            </a:r>
+            <a:r>
+              <a:rPr lang="en-US" sz="1200" dirty="0"/>
+              <a:t> = Helpfulness + Mixed sources</a:t>
             </a:r>
           </a:p>
         </p:txBody>
       </p:sp>
     </p:spTree>
-    <p:extLst>
-      <p:ext uri="{BB962C8B-B14F-4D97-AF65-F5344CB8AC3E}">
-        <p14:creationId xmlns:p14="http://schemas.microsoft.com/office/powerpoint/2010/main" val="1180047883"/>
-      </p:ext>
-    </p:extLst>
   </p:cSld>
   <p:clrMapOvr>
     <a:masterClrMapping/>
@@ -15638,12 +17268,12 @@
           <a:chExt cx="0" cy="0"/>
         </a:xfrm>
       </p:grpSpPr>
-      <p:sp useBgFill="1">
+      <p:sp>
         <p:nvSpPr>
-          <p:cNvPr id="8" name="Rectangle 7">
+          <p:cNvPr id="9" name="!!Rectangle">
             <a:extLst>
               <a:ext uri="{FF2B5EF4-FFF2-40B4-BE49-F238E27FC236}">
-                <a16:creationId xmlns:a16="http://schemas.microsoft.com/office/drawing/2014/main" id="{C1DD1A8A-57D5-4A81-AD04-532B043C5611}"/>
+                <a16:creationId xmlns:a16="http://schemas.microsoft.com/office/drawing/2014/main" id="{362810D9-2C5A-477D-949C-C191895477F3}"/>
               </a:ext>
               <a:ext uri="{C183D7F6-B498-43B3-948B-1728B52AA6E4}">
                 <adec:decorative xmlns:adec="http://schemas.microsoft.com/office/drawing/2017/decorative" val="1"/>
@@ -15663,12 +17293,15 @@
         </p:nvSpPr>
         <p:spPr>
           <a:xfrm>
-            <a:off x="0" y="0"/>
-            <a:ext cx="9141713" cy="6858000"/>
+            <a:off x="0" y="-8467"/>
+            <a:ext cx="9143999" cy="6866467"/>
           </a:xfrm>
           <a:prstGeom prst="rect">
             <a:avLst/>
           </a:prstGeom>
+          <a:solidFill>
+            <a:srgbClr val="000000"/>
+          </a:solidFill>
           <a:ln>
             <a:noFill/>
           </a:ln>
@@ -15693,17 +17326,112 @@
           <a:bodyPr rtlCol="0" anchor="ctr"/>
           <a:lstStyle/>
           <a:p>
-            <a:pPr algn="ctr"/>
-            <a:endParaRPr lang="en-US"/>
+            <a:pPr marL="0" marR="0" lvl="0" indent="0" algn="ctr" defTabSz="914400" rtl="0" eaLnBrk="1" fontAlgn="auto" latinLnBrk="0" hangingPunct="1">
+              <a:lnSpc>
+                <a:spcPct val="100000"/>
+              </a:lnSpc>
+              <a:spcBef>
+                <a:spcPts val="0"/>
+              </a:spcBef>
+              <a:spcAft>
+                <a:spcPts val="0"/>
+              </a:spcAft>
+              <a:buClrTx/>
+              <a:buSzTx/>
+              <a:buFontTx/>
+              <a:buNone/>
+              <a:tabLst/>
+              <a:defRPr/>
+            </a:pPr>
+            <a:endParaRPr kumimoji="0" lang="en-US" sz="1800" b="0" i="0" u="none" strike="noStrike" kern="1200" cap="none" spc="0" normalizeH="0" baseline="0" noProof="0">
+              <a:ln>
+                <a:noFill/>
+              </a:ln>
+              <a:solidFill>
+                <a:prstClr val="white"/>
+              </a:solidFill>
+              <a:effectLst/>
+              <a:uLnTx/>
+              <a:uFillTx/>
+              <a:latin typeface="Calibri" panose="020F0502020204030204"/>
+              <a:ea typeface="+mn-ea"/>
+              <a:cs typeface="+mn-cs"/>
+            </a:endParaRPr>
+          </a:p>
+        </p:txBody>
+      </p:sp>
+      <p:pic>
+        <p:nvPicPr>
+          <p:cNvPr id="5" name="Picture 4" descr="A calculus formula">
+            <a:extLst>
+              <a:ext uri="{FF2B5EF4-FFF2-40B4-BE49-F238E27FC236}">
+                <a16:creationId xmlns:a16="http://schemas.microsoft.com/office/drawing/2014/main" id="{BD30BC4B-3660-A178-F33D-AEC89D33DDC5}"/>
+              </a:ext>
+            </a:extLst>
+          </p:cNvPr>
+          <p:cNvPicPr>
+            <a:picLocks noChangeAspect="1"/>
+          </p:cNvPicPr>
+          <p:nvPr/>
+        </p:nvPicPr>
+        <p:blipFill>
+          <a:blip r:embed="rId2">
+            <a:alphaModFix amt="55000"/>
+          </a:blip>
+          <a:srcRect l="2478" r="8521" b="-2"/>
+          <a:stretch>
+            <a:fillRect/>
+          </a:stretch>
+        </p:blipFill>
+        <p:spPr>
+          <a:xfrm>
+            <a:off x="20" y="-9107"/>
+            <a:ext cx="9143980" cy="6858000"/>
+          </a:xfrm>
+          <a:prstGeom prst="rect">
+            <a:avLst/>
+          </a:prstGeom>
+        </p:spPr>
+      </p:pic>
+      <p:sp>
+        <p:nvSpPr>
+          <p:cNvPr id="2" name="Title 1"/>
+          <p:cNvSpPr>
+            <a:spLocks noGrp="1"/>
+          </p:cNvSpPr>
+          <p:nvPr>
+            <p:ph type="title"/>
+          </p:nvPr>
+        </p:nvSpPr>
+        <p:spPr>
+          <a:xfrm>
+            <a:off x="515125" y="591344"/>
+            <a:ext cx="2400300" cy="5585619"/>
+          </a:xfrm>
+        </p:spPr>
+        <p:txBody>
+          <a:bodyPr>
+            <a:normAutofit/>
+          </a:bodyPr>
+          <a:lstStyle/>
+          <a:p>
+            <a:r>
+              <a:rPr lang="en-US">
+                <a:solidFill>
+                  <a:srgbClr val="FFFFFF"/>
+                </a:solidFill>
+              </a:rPr>
+              <a:t>AI Judging AI Quality</a:t>
+            </a:r>
           </a:p>
         </p:txBody>
       </p:sp>
       <p:sp>
         <p:nvSpPr>
-          <p:cNvPr id="10" name="Rectangle 9">
+          <p:cNvPr id="11" name="Arc 10">
             <a:extLst>
               <a:ext uri="{FF2B5EF4-FFF2-40B4-BE49-F238E27FC236}">
-                <a16:creationId xmlns:a16="http://schemas.microsoft.com/office/drawing/2014/main" id="{007891EC-4501-44ED-A8C8-B11B6DB767AB}"/>
+                <a16:creationId xmlns:a16="http://schemas.microsoft.com/office/drawing/2014/main" id="{081E4A58-353D-44AE-B2FC-2A74E2E400F7}"/>
               </a:ext>
               <a:ext uri="{C183D7F6-B498-43B3-948B-1728B52AA6E4}">
                 <adec:decorative xmlns:adec="http://schemas.microsoft.com/office/drawing/2017/decorative" val="1"/>
@@ -15722,177 +17450,378 @@
           </p:nvPr>
         </p:nvSpPr>
         <p:spPr>
-          <a:xfrm>
-            <a:off x="0" y="2207602"/>
-            <a:ext cx="9143999" cy="3162146"/>
+          <a:xfrm flipV="1">
+            <a:off x="5662801" y="2455479"/>
+            <a:ext cx="3062575" cy="4083433"/>
           </a:xfrm>
-          <a:prstGeom prst="rect">
+          <a:prstGeom prst="arc">
             <a:avLst/>
           </a:prstGeom>
-          <a:gradFill flip="none" rotWithShape="1">
-            <a:gsLst>
-              <a:gs pos="0">
-                <a:srgbClr val="000000">
-                  <a:alpha val="0"/>
-                </a:srgbClr>
-              </a:gs>
-              <a:gs pos="25000">
-                <a:srgbClr val="000000">
-                  <a:alpha val="15000"/>
-                </a:srgbClr>
-              </a:gs>
-              <a:gs pos="75000">
-                <a:srgbClr val="000000">
-                  <a:alpha val="15000"/>
-                </a:srgbClr>
-              </a:gs>
-              <a:gs pos="50000">
-                <a:srgbClr val="000000">
-                  <a:alpha val="30000"/>
-                </a:srgbClr>
-              </a:gs>
-              <a:gs pos="100000">
-                <a:srgbClr val="000000">
-                  <a:alpha val="0"/>
-                </a:srgbClr>
-              </a:gs>
-            </a:gsLst>
-            <a:lin ang="16200000" scaled="1"/>
-            <a:tileRect/>
-          </a:gradFill>
-          <a:ln>
-            <a:noFill/>
+          <a:ln w="127000" cap="rnd">
+            <a:solidFill>
+              <a:schemeClr val="accent4"/>
+            </a:solidFill>
+            <a:prstDash val="dash"/>
           </a:ln>
         </p:spPr>
         <p:style>
-          <a:lnRef idx="2">
-            <a:schemeClr val="accent1">
-              <a:shade val="50000"/>
-            </a:schemeClr>
+          <a:lnRef idx="1">
+            <a:schemeClr val="accent1"/>
           </a:lnRef>
-          <a:fillRef idx="1">
+          <a:fillRef idx="0">
             <a:schemeClr val="accent1"/>
           </a:fillRef>
           <a:effectRef idx="0">
             <a:schemeClr val="accent1"/>
           </a:effectRef>
           <a:fontRef idx="minor">
-            <a:schemeClr val="lt1"/>
+            <a:schemeClr val="tx1"/>
           </a:fontRef>
         </p:style>
         <p:txBody>
           <a:bodyPr rtlCol="0" anchor="ctr"/>
           <a:lstStyle/>
           <a:p>
-            <a:pPr algn="ctr"/>
-            <a:endParaRPr lang="en-US"/>
+            <a:pPr marL="0" marR="0" lvl="0" indent="0" algn="ctr" defTabSz="914400" rtl="0" eaLnBrk="1" fontAlgn="auto" latinLnBrk="0" hangingPunct="1">
+              <a:lnSpc>
+                <a:spcPct val="100000"/>
+              </a:lnSpc>
+              <a:spcBef>
+                <a:spcPts val="0"/>
+              </a:spcBef>
+              <a:spcAft>
+                <a:spcPts val="0"/>
+              </a:spcAft>
+              <a:buClrTx/>
+              <a:buSzTx/>
+              <a:buFontTx/>
+              <a:buNone/>
+              <a:tabLst/>
+              <a:defRPr/>
+            </a:pPr>
+            <a:endParaRPr kumimoji="0" lang="en-US" sz="1800" b="0" i="0" u="none" strike="noStrike" kern="1200" cap="none" spc="0" normalizeH="0" baseline="0" noProof="0" dirty="0">
+              <a:ln>
+                <a:noFill/>
+              </a:ln>
+              <a:solidFill>
+                <a:prstClr val="black"/>
+              </a:solidFill>
+              <a:effectLst/>
+              <a:uLnTx/>
+              <a:uFillTx/>
+              <a:latin typeface="Calibri" panose="020F0502020204030204"/>
+              <a:ea typeface="+mn-ea"/>
+              <a:cs typeface="+mn-cs"/>
+            </a:endParaRPr>
           </a:p>
         </p:txBody>
       </p:sp>
       <p:sp>
         <p:nvSpPr>
-          <p:cNvPr id="2" name="Title 1">
-            <a:extLst>
-              <a:ext uri="{FF2B5EF4-FFF2-40B4-BE49-F238E27FC236}">
-                <a16:creationId xmlns:a16="http://schemas.microsoft.com/office/drawing/2014/main" id="{CCD2845F-3437-BD42-E498-197696988B79}"/>
-              </a:ext>
-            </a:extLst>
-          </p:cNvPr>
+          <p:cNvPr id="3" name="Content Placeholder 2"/>
           <p:cNvSpPr>
             <a:spLocks noGrp="1"/>
           </p:cNvSpPr>
           <p:nvPr>
-            <p:ph type="title"/>
+            <p:ph idx="1"/>
           </p:nvPr>
         </p:nvSpPr>
         <p:spPr>
           <a:xfrm>
-            <a:off x="822960" y="325550"/>
-            <a:ext cx="7543800" cy="3574778"/>
+            <a:off x="3335481" y="591344"/>
+            <a:ext cx="5179868" cy="5585619"/>
           </a:xfrm>
-          <a:effectLst>
-            <a:outerShdw blurRad="50800" dist="38100" dir="2700000" algn="tl" rotWithShape="0">
-              <a:prstClr val="black">
-                <a:alpha val="40000"/>
-              </a:prstClr>
-            </a:outerShdw>
-          </a:effectLst>
         </p:spPr>
         <p:txBody>
-          <a:bodyPr vert="horz" lIns="91440" tIns="45720" rIns="91440" bIns="45720" rtlCol="0" anchor="b">
+          <a:bodyPr anchor="ctr">
             <a:normAutofit/>
           </a:bodyPr>
           <a:lstStyle/>
           <a:p>
-            <a:pPr defTabSz="914400">
+            <a:pPr marL="0" indent="0">
+              <a:lnSpc>
+                <a:spcPct val="90000"/>
+              </a:lnSpc>
+              <a:spcBef>
+                <a:spcPts val="3000"/>
+              </a:spcBef>
+              <a:buNone/>
+            </a:pPr>
+            <a:r>
+              <a:rPr lang="en-US" sz="1800" b="1">
+                <a:solidFill>
+                  <a:srgbClr val="FFFFFF"/>
+                </a:solidFill>
+              </a:rPr>
+              <a:t>Evaluation Criteria (1-5 scale)</a:t>
+            </a:r>
+          </a:p>
+          <a:p>
+            <a:pPr lvl="0">
               <a:lnSpc>
                 <a:spcPct val="90000"/>
               </a:lnSpc>
             </a:pPr>
             <a:r>
-              <a:rPr lang="en-US" sz="4500">
+              <a:rPr lang="en-US" sz="1800" b="1">
                 <a:solidFill>
                   <a:srgbClr val="FFFFFF"/>
                 </a:solidFill>
               </a:rPr>
-              <a:t>Let’s get Coding!</a:t>
-            </a:r>
-          </a:p>
-        </p:txBody>
-      </p:sp>
-      <p:pic>
-        <p:nvPicPr>
-          <p:cNvPr id="1026" name="Picture 2" descr="GLOOTIE -Do you want to develop an app? Sticker">
-            <a:extLst>
-              <a:ext uri="{FF2B5EF4-FFF2-40B4-BE49-F238E27FC236}">
-                <a16:creationId xmlns:a16="http://schemas.microsoft.com/office/drawing/2014/main" id="{B9CB39C0-51CA-52C7-E76C-FC2CC176F114}"/>
-              </a:ext>
-            </a:extLst>
-          </p:cNvPr>
-          <p:cNvPicPr>
-            <a:picLocks noChangeAspect="1" noChangeArrowheads="1"/>
-          </p:cNvPicPr>
-          <p:nvPr/>
-        </p:nvPicPr>
-        <p:blipFill>
-          <a:blip r:embed="rId2">
-            <a:extLst>
-              <a:ext uri="{28A0092B-C50C-407E-A947-70E740481C1C}">
-                <a14:useLocalDpi xmlns:a14="http://schemas.microsoft.com/office/drawing/2010/main" val="0"/>
-              </a:ext>
-            </a:extLst>
-          </a:blip>
-          <a:srcRect/>
-          <a:stretch>
-            <a:fillRect/>
-          </a:stretch>
-        </p:blipFill>
-        <p:spPr bwMode="auto">
-          <a:xfrm>
-            <a:off x="2000250" y="0"/>
-            <a:ext cx="5143500" cy="6858000"/>
-          </a:xfrm>
-          <a:prstGeom prst="rect">
-            <a:avLst/>
-          </a:prstGeom>
-          <a:noFill/>
-          <a:extLst>
-            <a:ext uri="{909E8E84-426E-40DD-AFC4-6F175D3DCCD1}">
-              <a14:hiddenFill xmlns:a14="http://schemas.microsoft.com/office/drawing/2010/main">
+              <a:t>Accuracy</a:t>
+            </a:r>
+            <a:r>
+              <a:rPr lang="en-US" sz="1800">
                 <a:solidFill>
                   <a:srgbClr val="FFFFFF"/>
                 </a:solidFill>
-              </a14:hiddenFill>
-            </a:ext>
-          </a:extLst>
-        </p:spPr>
-      </p:pic>
+              </a:rPr>
+              <a:t>: Correctness of information</a:t>
+            </a:r>
+          </a:p>
+          <a:p>
+            <a:pPr lvl="0">
+              <a:lnSpc>
+                <a:spcPct val="90000"/>
+              </a:lnSpc>
+            </a:pPr>
+            <a:r>
+              <a:rPr lang="en-US" sz="1800" b="1">
+                <a:solidFill>
+                  <a:srgbClr val="FFFFFF"/>
+                </a:solidFill>
+              </a:rPr>
+              <a:t>Completeness</a:t>
+            </a:r>
+            <a:r>
+              <a:rPr lang="en-US" sz="1800">
+                <a:solidFill>
+                  <a:srgbClr val="FFFFFF"/>
+                </a:solidFill>
+              </a:rPr>
+              <a:t>: Coverage of important points</a:t>
+            </a:r>
+          </a:p>
+          <a:p>
+            <a:pPr lvl="0">
+              <a:lnSpc>
+                <a:spcPct val="90000"/>
+              </a:lnSpc>
+            </a:pPr>
+            <a:r>
+              <a:rPr lang="en-US" sz="1800" b="1">
+                <a:solidFill>
+                  <a:srgbClr val="FFFFFF"/>
+                </a:solidFill>
+              </a:rPr>
+              <a:t>Clarity</a:t>
+            </a:r>
+            <a:r>
+              <a:rPr lang="en-US" sz="1800">
+                <a:solidFill>
+                  <a:srgbClr val="FFFFFF"/>
+                </a:solidFill>
+              </a:rPr>
+              <a:t>: Ease of understanding</a:t>
+            </a:r>
+          </a:p>
+          <a:p>
+            <a:pPr lvl="0">
+              <a:lnSpc>
+                <a:spcPct val="90000"/>
+              </a:lnSpc>
+            </a:pPr>
+            <a:r>
+              <a:rPr lang="en-US" sz="1800" b="1">
+                <a:solidFill>
+                  <a:srgbClr val="FFFFFF"/>
+                </a:solidFill>
+              </a:rPr>
+              <a:t>Helpfulness</a:t>
+            </a:r>
+            <a:r>
+              <a:rPr lang="en-US" sz="1800">
+                <a:solidFill>
+                  <a:srgbClr val="FFFFFF"/>
+                </a:solidFill>
+              </a:rPr>
+              <a:t>: Actionability of solution</a:t>
+            </a:r>
+          </a:p>
+          <a:p>
+            <a:pPr marL="0" indent="0">
+              <a:lnSpc>
+                <a:spcPct val="90000"/>
+              </a:lnSpc>
+              <a:spcBef>
+                <a:spcPts val="3000"/>
+              </a:spcBef>
+              <a:buNone/>
+            </a:pPr>
+            <a:r>
+              <a:rPr lang="en-US" sz="1800" b="1">
+                <a:solidFill>
+                  <a:srgbClr val="FFFFFF"/>
+                </a:solidFill>
+              </a:rPr>
+              <a:t>Process</a:t>
+            </a:r>
+          </a:p>
+          <a:p>
+            <a:pPr>
+              <a:lnSpc>
+                <a:spcPct val="90000"/>
+              </a:lnSpc>
+              <a:buAutoNum type="arabicPeriod"/>
+            </a:pPr>
+            <a:r>
+              <a:rPr lang="en-US" sz="1800">
+                <a:solidFill>
+                  <a:srgbClr val="FFFFFF"/>
+                </a:solidFill>
+              </a:rPr>
+              <a:t>RAG generates answer for test ticket</a:t>
+            </a:r>
+          </a:p>
+          <a:p>
+            <a:pPr>
+              <a:lnSpc>
+                <a:spcPct val="90000"/>
+              </a:lnSpc>
+              <a:buAutoNum type="arabicPeriod"/>
+            </a:pPr>
+            <a:r>
+              <a:rPr lang="en-US" sz="1800">
+                <a:solidFill>
+                  <a:srgbClr val="FFFFFF"/>
+                </a:solidFill>
+              </a:rPr>
+              <a:t>LLM compares generated vs. original answer</a:t>
+            </a:r>
+          </a:p>
+          <a:p>
+            <a:pPr>
+              <a:lnSpc>
+                <a:spcPct val="90000"/>
+              </a:lnSpc>
+              <a:buAutoNum type="arabicPeriod"/>
+            </a:pPr>
+            <a:r>
+              <a:rPr lang="en-US" sz="1800">
+                <a:solidFill>
+                  <a:srgbClr val="FFFFFF"/>
+                </a:solidFill>
+              </a:rPr>
+              <a:t>Scores each criterion + provides feedback</a:t>
+            </a:r>
+          </a:p>
+          <a:p>
+            <a:pPr>
+              <a:lnSpc>
+                <a:spcPct val="90000"/>
+              </a:lnSpc>
+              <a:buAutoNum type="arabicPeriod"/>
+            </a:pPr>
+            <a:r>
+              <a:rPr lang="en-US" sz="1800">
+                <a:solidFill>
+                  <a:srgbClr val="FFFFFF"/>
+                </a:solidFill>
+              </a:rPr>
+              <a:t>Overall score (1-5) + detailed explanation</a:t>
+            </a:r>
+          </a:p>
+          <a:p>
+            <a:pPr marL="0" indent="0">
+              <a:lnSpc>
+                <a:spcPct val="90000"/>
+              </a:lnSpc>
+              <a:spcBef>
+                <a:spcPts val="3000"/>
+              </a:spcBef>
+              <a:buNone/>
+            </a:pPr>
+            <a:r>
+              <a:rPr lang="en-US" sz="1800" b="1">
+                <a:solidFill>
+                  <a:srgbClr val="FFFFFF"/>
+                </a:solidFill>
+              </a:rPr>
+              <a:t>Why This Works</a:t>
+            </a:r>
+          </a:p>
+          <a:p>
+            <a:pPr lvl="0">
+              <a:lnSpc>
+                <a:spcPct val="90000"/>
+              </a:lnSpc>
+            </a:pPr>
+            <a:r>
+              <a:rPr lang="en-US" sz="1800" b="1">
+                <a:solidFill>
+                  <a:srgbClr val="FFFFFF"/>
+                </a:solidFill>
+              </a:rPr>
+              <a:t>Consistent</a:t>
+            </a:r>
+            <a:r>
+              <a:rPr lang="en-US" sz="1800">
+                <a:solidFill>
+                  <a:srgbClr val="FFFFFF"/>
+                </a:solidFill>
+              </a:rPr>
+              <a:t>: Same evaluation logic for all tickets</a:t>
+            </a:r>
+          </a:p>
+          <a:p>
+            <a:pPr lvl="0">
+              <a:lnSpc>
+                <a:spcPct val="90000"/>
+              </a:lnSpc>
+            </a:pPr>
+            <a:r>
+              <a:rPr lang="en-US" sz="1800" b="1">
+                <a:solidFill>
+                  <a:srgbClr val="FFFFFF"/>
+                </a:solidFill>
+              </a:rPr>
+              <a:t>Scalable</a:t>
+            </a:r>
+            <a:r>
+              <a:rPr lang="en-US" sz="1800">
+                <a:solidFill>
+                  <a:srgbClr val="FFFFFF"/>
+                </a:solidFill>
+              </a:rPr>
+              <a:t>: Batch evaluate hundreds of tickets</a:t>
+            </a:r>
+          </a:p>
+          <a:p>
+            <a:pPr lvl="0">
+              <a:lnSpc>
+                <a:spcPct val="90000"/>
+              </a:lnSpc>
+            </a:pPr>
+            <a:r>
+              <a:rPr lang="en-US" sz="1800" b="1">
+                <a:solidFill>
+                  <a:srgbClr val="FFFFFF"/>
+                </a:solidFill>
+              </a:rPr>
+              <a:t>Detailed</a:t>
+            </a:r>
+            <a:r>
+              <a:rPr lang="en-US" sz="1800">
+                <a:solidFill>
+                  <a:srgbClr val="FFFFFF"/>
+                </a:solidFill>
+              </a:rPr>
+              <a:t>: Specific feedback for improvements</a:t>
+            </a:r>
+          </a:p>
+        </p:txBody>
+      </p:sp>
     </p:spTree>
-    <p:extLst>
-      <p:ext uri="{BB962C8B-B14F-4D97-AF65-F5344CB8AC3E}">
-        <p14:creationId xmlns:p14="http://schemas.microsoft.com/office/powerpoint/2010/main" val="275047271"/>
-      </p:ext>
-    </p:extLst>
   </p:cSld>
   <p:clrMapOvr>
     <a:masterClrMapping/>
